--- a/presentationYelpAnalysis.pptx
+++ b/presentationYelpAnalysis.pptx
@@ -19,8 +19,8 @@
     <p:sldId id="268" r:id="rId10"/>
     <p:sldId id="263" r:id="rId11"/>
     <p:sldId id="264" r:id="rId12"/>
-    <p:sldId id="265" r:id="rId13"/>
-    <p:sldId id="266" r:id="rId14"/>
+    <p:sldId id="266" r:id="rId13"/>
+    <p:sldId id="270" r:id="rId14"/>
   </p:sldIdLst>
   <p:sldSz cx="12192000" cy="6858000"/>
   <p:notesSz cx="6858000" cy="9144000"/>
@@ -5059,12 +5059,32 @@
             <p:ph type="title"/>
           </p:nvPr>
         </p:nvSpPr>
-        <p:spPr/>
-        <p:txBody>
-          <a:bodyPr/>
+        <p:spPr>
+          <a:xfrm>
+            <a:off x="1063752" y="1209846"/>
+            <a:ext cx="10058400" cy="1609344"/>
+          </a:xfrm>
+        </p:spPr>
+        <p:txBody>
+          <a:bodyPr>
+            <a:normAutofit fontScale="90000"/>
+          </a:bodyPr>
           <a:lstStyle/>
           <a:p>
-            <a:endParaRPr lang="zh-CN" altLang="en-US"/>
+            <a:r>
+              <a:rPr lang="en-US" altLang="zh-CN" dirty="0"/>
+              <a:t>Top 10 most ‘popular’ sandwich restaurants</a:t>
+            </a:r>
+            <a:br>
+              <a:rPr lang="en-US" altLang="zh-CN" dirty="0"/>
+            </a:br>
+            <a:br>
+              <a:rPr lang="en-US" altLang="zh-CN" dirty="0"/>
+            </a:br>
+            <a:br>
+              <a:rPr lang="zh-CN" altLang="en-US" dirty="0"/>
+            </a:br>
+            <a:endParaRPr lang="zh-CN" altLang="en-US" dirty="0"/>
           </a:p>
         </p:txBody>
       </p:sp>
@@ -5093,15 +5113,6 @@
         <p:txBody>
           <a:bodyPr/>
           <a:lstStyle/>
-          <a:p>
-            <a:r>
-              <a:rPr lang="en-US" altLang="zh-CN" dirty="0"/>
-              <a:t>Top 10 most ‘popular’ sandwich restaurants</a:t>
-            </a:r>
-          </a:p>
-          <a:p>
-            <a:endParaRPr lang="en-US" altLang="zh-CN" dirty="0"/>
-          </a:p>
           <a:p>
             <a:pPr marL="0" indent="0">
               <a:buNone/>
@@ -5481,7 +5492,12 @@
             <p:ph idx="1"/>
           </p:nvPr>
         </p:nvSpPr>
-        <p:spPr/>
+        <p:spPr>
+          <a:xfrm>
+            <a:off x="1213945" y="746945"/>
+            <a:ext cx="10058400" cy="4050792"/>
+          </a:xfrm>
+        </p:spPr>
         <p:txBody>
           <a:bodyPr/>
           <a:lstStyle/>
@@ -5524,8 +5540,8 @@
         </p:blipFill>
         <p:spPr>
           <a:xfrm>
-            <a:off x="3735516" y="2787650"/>
-            <a:ext cx="3952875" cy="3524250"/>
+            <a:off x="3184634" y="2296502"/>
+            <a:ext cx="4503757" cy="4015398"/>
           </a:xfrm>
           <a:prstGeom prst="rect">
             <a:avLst/>
@@ -5562,12 +5578,59 @@
           <a:chExt cx="0" cy="0"/>
         </a:xfrm>
       </p:grpSpPr>
+      <p:pic>
+        <p:nvPicPr>
+          <p:cNvPr id="10" name="Picture 9">
+            <a:extLst>
+              <a:ext uri="{FF2B5EF4-FFF2-40B4-BE49-F238E27FC236}">
+                <a16:creationId xmlns:a16="http://schemas.microsoft.com/office/drawing/2014/main" id="{1149CF39-3E5D-3447-85E7-07C1F7191AE1}"/>
+              </a:ext>
+            </a:extLst>
+          </p:cNvPr>
+          <p:cNvPicPr>
+            <a:picLocks noChangeAspect="1" noChangeArrowheads="1"/>
+          </p:cNvPicPr>
+          <p:nvPr/>
+        </p:nvPicPr>
+        <p:blipFill>
+          <a:blip r:embed="rId2">
+            <a:extLst>
+              <a:ext uri="{28A0092B-C50C-407E-A947-70E740481C1C}">
+                <a14:useLocalDpi xmlns:a14="http://schemas.microsoft.com/office/drawing/2010/main" val="0"/>
+              </a:ext>
+            </a:extLst>
+          </a:blip>
+          <a:srcRect/>
+          <a:stretch>
+            <a:fillRect/>
+          </a:stretch>
+        </p:blipFill>
+        <p:spPr bwMode="auto">
+          <a:xfrm>
+            <a:off x="1975945" y="1905745"/>
+            <a:ext cx="8414021" cy="4952254"/>
+          </a:xfrm>
+          <a:prstGeom prst="rect">
+            <a:avLst/>
+          </a:prstGeom>
+          <a:noFill/>
+          <a:extLst>
+            <a:ext uri="{909E8E84-426E-40DD-AFC4-6F175D3DCCD1}">
+              <a14:hiddenFill xmlns:a14="http://schemas.microsoft.com/office/drawing/2010/main">
+                <a:solidFill>
+                  <a:srgbClr val="FFFFFF"/>
+                </a:solidFill>
+              </a14:hiddenFill>
+            </a:ext>
+          </a:extLst>
+        </p:spPr>
+      </p:pic>
       <p:sp>
         <p:nvSpPr>
           <p:cNvPr id="2" name="标题 1">
             <a:extLst>
               <a:ext uri="{FF2B5EF4-FFF2-40B4-BE49-F238E27FC236}">
-                <a16:creationId xmlns:a16="http://schemas.microsoft.com/office/drawing/2014/main" id="{3B6DDAD6-35A3-4585-81AE-47F284088D20}"/>
+                <a16:creationId xmlns:a16="http://schemas.microsoft.com/office/drawing/2014/main" id="{5C23305A-623C-4D2D-A006-5175FF7DA013}"/>
               </a:ext>
             </a:extLst>
           </p:cNvPr>
@@ -5580,19 +5643,44 @@
         </p:nvSpPr>
         <p:spPr/>
         <p:txBody>
-          <a:bodyPr/>
+          <a:bodyPr>
+            <a:normAutofit fontScale="90000"/>
+          </a:bodyPr>
           <a:lstStyle/>
           <a:p>
-            <a:endParaRPr lang="zh-CN" altLang="en-US"/>
-          </a:p>
-        </p:txBody>
-      </p:sp>
-      <p:sp>
-        <p:nvSpPr>
-          <p:cNvPr id="3" name="内容占位符 2">
+            <a:r>
+              <a:rPr lang="en-US" altLang="zh-CN" dirty="0"/>
+              <a:t>LDA</a:t>
+            </a:r>
+            <a:r>
+              <a:rPr lang="zh-CN" altLang="en-US" dirty="0"/>
+              <a:t> </a:t>
+            </a:r>
+            <a:r>
+              <a:rPr lang="en-US" altLang="zh-CN" dirty="0"/>
+              <a:t>Model</a:t>
+            </a:r>
+            <a:r>
+              <a:rPr lang="zh-CN" altLang="en-US" dirty="0"/>
+              <a:t> </a:t>
+            </a:r>
+            <a:r>
+              <a:rPr lang="en-US" dirty="0"/>
+              <a:t>Theoretical Overview</a:t>
+            </a:r>
+            <a:br>
+              <a:rPr lang="en-US" dirty="0"/>
+            </a:br>
+            <a:endParaRPr lang="zh-CN" altLang="en-US" dirty="0"/>
+          </a:p>
+        </p:txBody>
+      </p:sp>
+      <p:sp>
+        <p:nvSpPr>
+          <p:cNvPr id="7" name="Content Placeholder 6">
             <a:extLst>
               <a:ext uri="{FF2B5EF4-FFF2-40B4-BE49-F238E27FC236}">
-                <a16:creationId xmlns:a16="http://schemas.microsoft.com/office/drawing/2014/main" id="{10A35242-DCAE-4120-9C5E-F280D95B8530}"/>
+                <a16:creationId xmlns:a16="http://schemas.microsoft.com/office/drawing/2014/main" id="{07F58101-858E-3345-81A1-829E729BB0A1}"/>
               </a:ext>
             </a:extLst>
           </p:cNvPr>
@@ -5603,58 +5691,19 @@
             <p:ph idx="1"/>
           </p:nvPr>
         </p:nvSpPr>
-        <p:spPr/>
+        <p:spPr>
+          <a:xfrm>
+            <a:off x="1063752" y="1403604"/>
+            <a:ext cx="10680944" cy="4050792"/>
+          </a:xfrm>
+        </p:spPr>
         <p:txBody>
           <a:bodyPr/>
           <a:lstStyle/>
           <a:p>
             <a:r>
-              <a:rPr lang="en-US" altLang="zh-CN" dirty="0"/>
-              <a:t>Explore </a:t>
-            </a:r>
-            <a:r>
-              <a:rPr lang="en-US" altLang="zh-CN"/>
-              <a:t>key words </a:t>
-            </a:r>
-            <a:r>
-              <a:rPr lang="en-US" altLang="zh-CN" dirty="0"/>
-              <a:t>of giving good and bad reviews:</a:t>
-            </a:r>
-          </a:p>
-          <a:p>
-            <a:pPr marL="0" indent="0">
-              <a:buNone/>
-            </a:pPr>
-            <a:r>
-              <a:rPr lang="en-US" altLang="zh-CN" dirty="0"/>
-              <a:t>1.Good reviews of top restaurants</a:t>
-            </a:r>
-          </a:p>
-          <a:p>
-            <a:pPr marL="0" indent="0">
-              <a:buNone/>
-            </a:pPr>
-            <a:r>
-              <a:rPr lang="en-US" altLang="zh-CN" dirty="0"/>
-              <a:t>2.Bad reviews of poor restaurants</a:t>
-            </a:r>
-          </a:p>
-          <a:p>
-            <a:pPr marL="0" indent="0">
-              <a:buNone/>
-            </a:pPr>
-            <a:r>
-              <a:rPr lang="en-US" altLang="zh-CN" dirty="0"/>
-              <a:t>3.Good reviews of poor restaurants</a:t>
-            </a:r>
-          </a:p>
-          <a:p>
-            <a:pPr marL="0" indent="0">
-              <a:buNone/>
-            </a:pPr>
-            <a:r>
-              <a:rPr lang="en-US" altLang="zh-CN" dirty="0"/>
-              <a:t>4.Bad reviews of top restaurants</a:t>
+              <a:rPr lang="en-US" dirty="0"/>
+              <a:t>LDA is a generative probabilistic model that assumes each topic is a mixture over an underlying set of words, and each document is a mixture of over a set of topic probabilities.</a:t>
             </a:r>
           </a:p>
         </p:txBody>
@@ -5662,7 +5711,7 @@
     </p:spTree>
     <p:extLst>
       <p:ext uri="{BB962C8B-B14F-4D97-AF65-F5344CB8AC3E}">
-        <p14:creationId xmlns:p14="http://schemas.microsoft.com/office/powerpoint/2010/main" val="3679866514"/>
+        <p14:creationId xmlns:p14="http://schemas.microsoft.com/office/powerpoint/2010/main" val="1892885864"/>
       </p:ext>
     </p:extLst>
   </p:cSld>
@@ -5707,19 +5756,44 @@
         </p:nvSpPr>
         <p:spPr/>
         <p:txBody>
-          <a:bodyPr/>
+          <a:bodyPr>
+            <a:normAutofit/>
+          </a:bodyPr>
           <a:lstStyle/>
           <a:p>
-            <a:endParaRPr lang="zh-CN" altLang="en-US"/>
-          </a:p>
-        </p:txBody>
-      </p:sp>
-      <p:sp>
-        <p:nvSpPr>
-          <p:cNvPr id="3" name="内容占位符 2">
+            <a:r>
+              <a:rPr lang="en-US" altLang="zh-CN" dirty="0"/>
+              <a:t>LDA</a:t>
+            </a:r>
+            <a:r>
+              <a:rPr lang="zh-CN" altLang="en-US" dirty="0"/>
+              <a:t> </a:t>
+            </a:r>
+            <a:r>
+              <a:rPr lang="en-US" altLang="zh-CN" dirty="0"/>
+              <a:t>Model</a:t>
+            </a:r>
+            <a:r>
+              <a:rPr lang="zh-CN" altLang="en-US" dirty="0"/>
+              <a:t> </a:t>
+            </a:r>
+            <a:r>
+              <a:rPr lang="en-US" altLang="zh-CN" dirty="0"/>
+              <a:t>Result</a:t>
+            </a:r>
+            <a:br>
+              <a:rPr lang="en-US" dirty="0"/>
+            </a:br>
+            <a:endParaRPr lang="zh-CN" altLang="en-US" dirty="0"/>
+          </a:p>
+        </p:txBody>
+      </p:sp>
+      <p:sp>
+        <p:nvSpPr>
+          <p:cNvPr id="5" name="Content Placeholder 4">
             <a:extLst>
               <a:ext uri="{FF2B5EF4-FFF2-40B4-BE49-F238E27FC236}">
-                <a16:creationId xmlns:a16="http://schemas.microsoft.com/office/drawing/2014/main" id="{727E967D-0C97-4AAF-92ED-489DA8E91E83}"/>
+                <a16:creationId xmlns:a16="http://schemas.microsoft.com/office/drawing/2014/main" id="{B0ECF050-3869-AB43-A229-F6E512DD378C}"/>
               </a:ext>
             </a:extLst>
           </p:cNvPr>
@@ -5730,32 +5804,145 @@
             <p:ph idx="1"/>
           </p:nvPr>
         </p:nvSpPr>
-        <p:spPr/>
+        <p:spPr>
+          <a:xfrm>
+            <a:off x="1063752" y="1501298"/>
+            <a:ext cx="10058400" cy="4050792"/>
+          </a:xfrm>
+        </p:spPr>
         <p:txBody>
           <a:bodyPr/>
           <a:lstStyle/>
           <a:p>
             <a:r>
-              <a:rPr lang="en-US" altLang="zh-CN" dirty="0"/>
-              <a:t>NLP model:</a:t>
-            </a:r>
-          </a:p>
-          <a:p>
-            <a:pPr marL="0" indent="0">
-              <a:buNone/>
-            </a:pPr>
-            <a:r>
-              <a:rPr lang="en-US" altLang="zh-CN" dirty="0"/>
-              <a:t>Topic model, find out the topics of good and bad reviews(not only the key words) </a:t>
-            </a:r>
-            <a:endParaRPr lang="zh-CN" altLang="en-US" dirty="0"/>
-          </a:p>
-        </p:txBody>
-      </p:sp>
+              <a:rPr lang="en-US" b="1" dirty="0"/>
+              <a:t>Interactive</a:t>
+            </a:r>
+            <a:r>
+              <a:rPr lang="zh-CN" altLang="en-US" b="1" dirty="0"/>
+              <a:t> </a:t>
+            </a:r>
+            <a:r>
+              <a:rPr lang="en-US" altLang="zh-CN" b="1" dirty="0"/>
+              <a:t>web</a:t>
+            </a:r>
+            <a:r>
+              <a:rPr lang="zh-CN" altLang="en-US" b="1" dirty="0"/>
+              <a:t> </a:t>
+            </a:r>
+            <a:r>
+              <a:rPr lang="en-US" altLang="zh-CN" b="1" dirty="0"/>
+              <a:t>page:</a:t>
+            </a:r>
+            <a:r>
+              <a:rPr lang="zh-CN" altLang="en-US" b="1" dirty="0"/>
+              <a:t> </a:t>
+            </a:r>
+            <a:r>
+              <a:rPr lang="en-US" altLang="zh-CN" b="1" dirty="0">
+                <a:hlinkClick r:id="rId2"/>
+              </a:rPr>
+              <a:t>vis_lda.html</a:t>
+            </a:r>
+            <a:endParaRPr lang="en-US" altLang="zh-CN" b="1" dirty="0"/>
+          </a:p>
+          <a:p>
+            <a:r>
+              <a:rPr lang="en-US" altLang="zh-CN" b="1" dirty="0"/>
+              <a:t>Preview:</a:t>
+            </a:r>
+          </a:p>
+          <a:p>
+            <a:endParaRPr lang="en-US" b="1" dirty="0"/>
+          </a:p>
+        </p:txBody>
+      </p:sp>
+      <p:sp>
+        <p:nvSpPr>
+          <p:cNvPr id="6" name="Rectangle 5">
+            <a:extLst>
+              <a:ext uri="{FF2B5EF4-FFF2-40B4-BE49-F238E27FC236}">
+                <a16:creationId xmlns:a16="http://schemas.microsoft.com/office/drawing/2014/main" id="{95434278-0610-E648-8D22-DEC3DD4687FE}"/>
+              </a:ext>
+            </a:extLst>
+          </p:cNvPr>
+          <p:cNvSpPr/>
+          <p:nvPr/>
+        </p:nvSpPr>
+        <p:spPr>
+          <a:xfrm>
+            <a:off x="5007112" y="3244334"/>
+            <a:ext cx="2177776" cy="369332"/>
+          </a:xfrm>
+          <a:prstGeom prst="rect">
+            <a:avLst/>
+          </a:prstGeom>
+        </p:spPr>
+        <p:txBody>
+          <a:bodyPr wrap="none">
+            <a:spAutoFit/>
+          </a:bodyPr>
+          <a:lstStyle/>
+          <a:p>
+            <a:r>
+              <a:rPr lang="en-US" dirty="0">
+                <a:solidFill>
+                  <a:srgbClr val="292929"/>
+                </a:solidFill>
+                <a:latin typeface="sohne"/>
+              </a:rPr>
+              <a:t>Theoretical Overview</a:t>
+            </a:r>
+            <a:endParaRPr lang="en-US" b="0" i="0" dirty="0">
+              <a:solidFill>
+                <a:srgbClr val="292929"/>
+              </a:solidFill>
+              <a:effectLst/>
+              <a:latin typeface="sohne"/>
+            </a:endParaRPr>
+          </a:p>
+        </p:txBody>
+      </p:sp>
+      <p:pic>
+        <p:nvPicPr>
+          <p:cNvPr id="4" name="Picture 3" descr="Chart, bubble chart&#10;&#10;Description automatically generated">
+            <a:extLst>
+              <a:ext uri="{FF2B5EF4-FFF2-40B4-BE49-F238E27FC236}">
+                <a16:creationId xmlns:a16="http://schemas.microsoft.com/office/drawing/2014/main" id="{C0DCEA13-4763-A349-98FD-8F08FBF9792F}"/>
+              </a:ext>
+            </a:extLst>
+          </p:cNvPr>
+          <p:cNvPicPr>
+            <a:picLocks noChangeAspect="1"/>
+          </p:cNvPicPr>
+          <p:nvPr/>
+        </p:nvPicPr>
+        <p:blipFill>
+          <a:blip r:embed="rId3">
+            <a:extLst>
+              <a:ext uri="{28A0092B-C50C-407E-A947-70E740481C1C}">
+                <a14:useLocalDpi xmlns:a14="http://schemas.microsoft.com/office/drawing/2010/main" val="0"/>
+              </a:ext>
+            </a:extLst>
+          </a:blip>
+          <a:stretch>
+            <a:fillRect/>
+          </a:stretch>
+        </p:blipFill>
+        <p:spPr>
+          <a:xfrm>
+            <a:off x="2669626" y="1875562"/>
+            <a:ext cx="7704031" cy="4742383"/>
+          </a:xfrm>
+          <a:prstGeom prst="rect">
+            <a:avLst/>
+          </a:prstGeom>
+        </p:spPr>
+      </p:pic>
     </p:spTree>
     <p:extLst>
       <p:ext uri="{BB962C8B-B14F-4D97-AF65-F5344CB8AC3E}">
-        <p14:creationId xmlns:p14="http://schemas.microsoft.com/office/powerpoint/2010/main" val="1892885864"/>
+        <p14:creationId xmlns:p14="http://schemas.microsoft.com/office/powerpoint/2010/main" val="3876294705"/>
       </p:ext>
     </p:extLst>
   </p:cSld>
@@ -6930,7 +7117,15 @@
             </a:r>
             <a:r>
               <a:rPr lang="en-US" altLang="zh-CN" b="1" dirty="0"/>
-              <a:t>web:</a:t>
+              <a:t>web</a:t>
+            </a:r>
+            <a:r>
+              <a:rPr lang="zh-CN" altLang="en-US" b="1" dirty="0"/>
+              <a:t> </a:t>
+            </a:r>
+            <a:r>
+              <a:rPr lang="en-US" altLang="zh-CN" b="1" dirty="0"/>
+              <a:t>page:</a:t>
             </a:r>
             <a:r>
               <a:rPr lang="zh-CN" altLang="en-US" b="1" dirty="0"/>
@@ -6994,8 +7189,8 @@
         </p:nvSpPr>
         <p:spPr>
           <a:xfrm>
-            <a:off x="1069848" y="1209368"/>
-            <a:ext cx="10058400" cy="4962832"/>
+            <a:off x="1066800" y="389969"/>
+            <a:ext cx="10058400" cy="6468031"/>
           </a:xfrm>
         </p:spPr>
         <p:txBody>
@@ -7019,7 +7214,43 @@
             <a:pPr marL="0" indent="0">
               <a:buNone/>
             </a:pPr>
-            <a:endParaRPr lang="en-US" altLang="zh-CN" dirty="0"/>
+            <a:r>
+              <a:rPr lang="en-US" altLang="zh-CN" dirty="0"/>
+              <a:t>A</a:t>
+            </a:r>
+            <a:r>
+              <a:rPr lang="zh-CN" altLang="en-US" dirty="0"/>
+              <a:t> </a:t>
+            </a:r>
+            <a:r>
+              <a:rPr lang="en-US" altLang="zh-CN" dirty="0"/>
+              <a:t>majority</a:t>
+            </a:r>
+            <a:r>
+              <a:rPr lang="zh-CN" altLang="en-US" dirty="0"/>
+              <a:t> </a:t>
+            </a:r>
+            <a:r>
+              <a:rPr lang="en-US" altLang="zh-CN" dirty="0"/>
+              <a:t>of</a:t>
+            </a:r>
+            <a:r>
+              <a:rPr lang="zh-CN" altLang="en-US" dirty="0"/>
+              <a:t> </a:t>
+            </a:r>
+            <a:r>
+              <a:rPr lang="en-US" altLang="zh-CN" dirty="0"/>
+              <a:t>restaurants have less than 400 reviews.</a:t>
+            </a:r>
+          </a:p>
+          <a:p>
+            <a:pPr marL="0" indent="0">
+              <a:buNone/>
+            </a:pPr>
+            <a:r>
+              <a:rPr lang="en-US" altLang="zh-CN" dirty="0"/>
+              <a:t>(However, Panera Bread has near 10,000 reviews.)</a:t>
+            </a:r>
           </a:p>
           <a:p>
             <a:pPr marL="0" indent="0">
@@ -7067,10 +7298,25 @@
             <a:pPr marL="0" indent="0">
               <a:buNone/>
             </a:pPr>
-            <a:r>
-              <a:rPr lang="en-US" altLang="zh-CN" dirty="0"/>
-              <a:t>99% of restaurants have less than 1,000 reviews. However, Panera Bread has near 10,000 reviews. </a:t>
-            </a:r>
+            <a:endParaRPr lang="en-US" altLang="zh-CN" dirty="0"/>
+          </a:p>
+          <a:p>
+            <a:pPr marL="0" indent="0">
+              <a:buNone/>
+            </a:pPr>
+            <a:endParaRPr lang="en-US" altLang="zh-CN" dirty="0"/>
+          </a:p>
+          <a:p>
+            <a:pPr marL="0" indent="0">
+              <a:buNone/>
+            </a:pPr>
+            <a:endParaRPr lang="en-US" altLang="zh-CN" dirty="0"/>
+          </a:p>
+          <a:p>
+            <a:pPr marL="0" indent="0">
+              <a:buNone/>
+            </a:pPr>
+            <a:endParaRPr lang="en-US" altLang="zh-CN" dirty="0"/>
           </a:p>
           <a:p>
             <a:pPr marL="0" indent="0">
@@ -7082,10 +7328,10 @@
       </p:sp>
       <p:pic>
         <p:nvPicPr>
-          <p:cNvPr id="6" name="图片 5">
+          <p:cNvPr id="4" name="Picture 3" descr="Chart, box and whisker chart&#10;&#10;Description automatically generated">
             <a:extLst>
               <a:ext uri="{FF2B5EF4-FFF2-40B4-BE49-F238E27FC236}">
-                <a16:creationId xmlns:a16="http://schemas.microsoft.com/office/drawing/2014/main" id="{8A74DA6A-B761-4113-99CA-0736C028997C}"/>
+                <a16:creationId xmlns:a16="http://schemas.microsoft.com/office/drawing/2014/main" id="{BCA1468E-4076-2243-B02D-A891BEE421CB}"/>
               </a:ext>
             </a:extLst>
           </p:cNvPr>
@@ -7095,15 +7341,21 @@
           <p:nvPr/>
         </p:nvPicPr>
         <p:blipFill>
-          <a:blip r:embed="rId2"/>
+          <a:blip r:embed="rId2">
+            <a:extLst>
+              <a:ext uri="{28A0092B-C50C-407E-A947-70E740481C1C}">
+                <a14:useLocalDpi xmlns:a14="http://schemas.microsoft.com/office/drawing/2010/main" val="0"/>
+              </a:ext>
+            </a:extLst>
+          </a:blip>
           <a:stretch>
             <a:fillRect/>
           </a:stretch>
         </p:blipFill>
         <p:spPr>
           <a:xfrm>
-            <a:off x="3778684" y="2264079"/>
-            <a:ext cx="4425863" cy="2836212"/>
+            <a:off x="3115660" y="2047555"/>
+            <a:ext cx="6684188" cy="4420476"/>
           </a:xfrm>
           <a:prstGeom prst="rect">
             <a:avLst/>
@@ -7183,7 +7435,7 @@
         </p:nvSpPr>
         <p:spPr>
           <a:xfrm>
-            <a:off x="838199" y="1841138"/>
+            <a:off x="981613" y="380473"/>
             <a:ext cx="10515600" cy="4351338"/>
           </a:xfrm>
         </p:spPr>
@@ -7210,10 +7462,10 @@
       </p:sp>
       <p:pic>
         <p:nvPicPr>
-          <p:cNvPr id="7" name="图片 6">
+          <p:cNvPr id="5" name="Picture 4" descr="Chart, histogram&#10;&#10;Description automatically generated">
             <a:extLst>
               <a:ext uri="{FF2B5EF4-FFF2-40B4-BE49-F238E27FC236}">
-                <a16:creationId xmlns:a16="http://schemas.microsoft.com/office/drawing/2014/main" id="{21551FAC-9D46-4E0C-8D3D-49FC7BB0E465}"/>
+                <a16:creationId xmlns:a16="http://schemas.microsoft.com/office/drawing/2014/main" id="{8022F89A-1FD8-F542-A8D5-FA73890476D9}"/>
               </a:ext>
             </a:extLst>
           </p:cNvPr>
@@ -7223,15 +7475,21 @@
           <p:nvPr/>
         </p:nvPicPr>
         <p:blipFill>
-          <a:blip r:embed="rId3"/>
+          <a:blip r:embed="rId3">
+            <a:extLst>
+              <a:ext uri="{28A0092B-C50C-407E-A947-70E740481C1C}">
+                <a14:useLocalDpi xmlns:a14="http://schemas.microsoft.com/office/drawing/2010/main" val="0"/>
+              </a:ext>
+            </a:extLst>
+          </a:blip>
           <a:stretch>
             <a:fillRect/>
           </a:stretch>
         </p:blipFill>
         <p:spPr>
           <a:xfrm>
-            <a:off x="2813351" y="2937231"/>
-            <a:ext cx="4839803" cy="3175724"/>
+            <a:off x="1235034" y="1765300"/>
+            <a:ext cx="7517079" cy="4986012"/>
           </a:xfrm>
           <a:prstGeom prst="rect">
             <a:avLst/>
@@ -7309,7 +7567,12 @@
             <p:ph idx="1"/>
           </p:nvPr>
         </p:nvSpPr>
-        <p:spPr/>
+        <p:spPr>
+          <a:xfrm>
+            <a:off x="1283604" y="484632"/>
+            <a:ext cx="10058400" cy="4050792"/>
+          </a:xfrm>
+        </p:spPr>
         <p:txBody>
           <a:bodyPr/>
           <a:lstStyle/>
@@ -7339,10 +7602,10 @@
       </p:sp>
       <p:pic>
         <p:nvPicPr>
-          <p:cNvPr id="5" name="图片 4">
+          <p:cNvPr id="6" name="Picture 5" descr="A picture containing text, clipart, screenshot&#10;&#10;Description automatically generated">
             <a:extLst>
               <a:ext uri="{FF2B5EF4-FFF2-40B4-BE49-F238E27FC236}">
-                <a16:creationId xmlns:a16="http://schemas.microsoft.com/office/drawing/2014/main" id="{4CDB276C-3795-4467-98A7-2DD23CD8856A}"/>
+                <a16:creationId xmlns:a16="http://schemas.microsoft.com/office/drawing/2014/main" id="{3AC50CD1-BB8D-6142-BC92-31B8DB39E23F}"/>
               </a:ext>
             </a:extLst>
           </p:cNvPr>
@@ -7352,15 +7615,21 @@
           <p:nvPr/>
         </p:nvPicPr>
         <p:blipFill>
-          <a:blip r:embed="rId2"/>
+          <a:blip r:embed="rId2">
+            <a:extLst>
+              <a:ext uri="{28A0092B-C50C-407E-A947-70E740481C1C}">
+                <a14:useLocalDpi xmlns:a14="http://schemas.microsoft.com/office/drawing/2010/main" val="0"/>
+              </a:ext>
+            </a:extLst>
+          </a:blip>
           <a:stretch>
             <a:fillRect/>
           </a:stretch>
         </p:blipFill>
         <p:spPr>
           <a:xfrm>
-            <a:off x="3361440" y="3106624"/>
-            <a:ext cx="4633374" cy="2907678"/>
+            <a:off x="1283603" y="1765299"/>
+            <a:ext cx="7836645" cy="5032355"/>
           </a:xfrm>
           <a:prstGeom prst="rect">
             <a:avLst/>
@@ -7418,7 +7687,23 @@
           <a:bodyPr/>
           <a:lstStyle/>
           <a:p>
-            <a:endParaRPr lang="zh-CN" altLang="en-US"/>
+            <a:r>
+              <a:rPr lang="en-US" altLang="zh-CN" dirty="0"/>
+              <a:t>Customers are</a:t>
+            </a:r>
+            <a:r>
+              <a:rPr lang="zh-CN" altLang="en-US" dirty="0"/>
+              <a:t> </a:t>
+            </a:r>
+            <a:r>
+              <a:rPr lang="en-US" altLang="zh-CN" dirty="0"/>
+              <a:t>“mean”</a:t>
+            </a:r>
+            <a:r>
+              <a:rPr lang="zh-CN" altLang="en-US" dirty="0"/>
+              <a:t> </a:t>
+            </a:r>
+            <a:endParaRPr lang="en-US" altLang="zh-CN" dirty="0"/>
           </a:p>
         </p:txBody>
       </p:sp>
@@ -7443,12 +7728,6 @@
           <a:bodyPr/>
           <a:lstStyle/>
           <a:p>
-            <a:r>
-              <a:rPr lang="en-US" altLang="zh-CN" dirty="0"/>
-              <a:t>Customers are ‘strict’:</a:t>
-            </a:r>
-          </a:p>
-          <a:p>
             <a:endParaRPr lang="en-US" altLang="zh-CN" dirty="0"/>
           </a:p>
           <a:p>
@@ -7469,6 +7748,83 @@
               <a:t>5,190 customers gave five-star stores with a one-star review.</a:t>
             </a:r>
             <a:endParaRPr lang="zh-CN" altLang="en-US" dirty="0"/>
+          </a:p>
+        </p:txBody>
+      </p:sp>
+      <p:sp>
+        <p:nvSpPr>
+          <p:cNvPr id="4" name="Rectangle 3">
+            <a:extLst>
+              <a:ext uri="{FF2B5EF4-FFF2-40B4-BE49-F238E27FC236}">
+                <a16:creationId xmlns:a16="http://schemas.microsoft.com/office/drawing/2014/main" id="{10B9B722-F755-D84B-9DAF-A428C1F05E92}"/>
+              </a:ext>
+            </a:extLst>
+          </p:cNvPr>
+          <p:cNvSpPr/>
+          <p:nvPr/>
+        </p:nvSpPr>
+        <p:spPr>
+          <a:xfrm>
+            <a:off x="1063752" y="4073232"/>
+            <a:ext cx="8061435" cy="1754326"/>
+          </a:xfrm>
+          <a:prstGeom prst="rect">
+            <a:avLst/>
+          </a:prstGeom>
+        </p:spPr>
+        <p:txBody>
+          <a:bodyPr wrap="square">
+            <a:spAutoFit/>
+          </a:bodyPr>
+          <a:lstStyle/>
+          <a:p>
+            <a:r>
+              <a:rPr lang="en-US" altLang="zh-CN" dirty="0"/>
+              <a:t>Work</a:t>
+            </a:r>
+            <a:r>
+              <a:rPr lang="zh-CN" altLang="en-US" dirty="0"/>
+              <a:t> </a:t>
+            </a:r>
+            <a:r>
+              <a:rPr lang="en-US" altLang="zh-CN" dirty="0"/>
+              <a:t>TODO:</a:t>
+            </a:r>
+            <a:r>
+              <a:rPr lang="zh-CN" altLang="en-US" dirty="0"/>
+              <a:t> </a:t>
+            </a:r>
+            <a:r>
+              <a:rPr lang="en-US" altLang="zh-CN" dirty="0"/>
+              <a:t>Explore key words of giving good and bad reviews:</a:t>
+            </a:r>
+          </a:p>
+          <a:p>
+            <a:endParaRPr lang="en-US" altLang="zh-CN" dirty="0"/>
+          </a:p>
+          <a:p>
+            <a:r>
+              <a:rPr lang="en-US" altLang="zh-CN" dirty="0"/>
+              <a:t>1.Good reviews of top restaurants</a:t>
+            </a:r>
+          </a:p>
+          <a:p>
+            <a:r>
+              <a:rPr lang="en-US" altLang="zh-CN" dirty="0"/>
+              <a:t>2.Bad reviews of poor restaurants</a:t>
+            </a:r>
+          </a:p>
+          <a:p>
+            <a:r>
+              <a:rPr lang="en-US" altLang="zh-CN" dirty="0"/>
+              <a:t>3.Good reviews of poor restaurants</a:t>
+            </a:r>
+          </a:p>
+          <a:p>
+            <a:r>
+              <a:rPr lang="en-US" altLang="zh-CN" dirty="0"/>
+              <a:t>4.Bad reviews of top restaurants</a:t>
+            </a:r>
           </a:p>
         </p:txBody>
       </p:sp>

--- a/presentationYelpAnalysis.pptx
+++ b/presentationYelpAnalysis.pptx
@@ -5,7 +5,7 @@
     <p:sldMasterId id="2147483696" r:id="rId1"/>
   </p:sldMasterIdLst>
   <p:notesMasterIdLst>
-    <p:notesMasterId r:id="rId15"/>
+    <p:notesMasterId r:id="rId18"/>
   </p:notesMasterIdLst>
   <p:sldIdLst>
     <p:sldId id="256" r:id="rId2"/>
@@ -21,6 +21,9 @@
     <p:sldId id="264" r:id="rId12"/>
     <p:sldId id="266" r:id="rId13"/>
     <p:sldId id="270" r:id="rId14"/>
+    <p:sldId id="271" r:id="rId15"/>
+    <p:sldId id="272" r:id="rId16"/>
+    <p:sldId id="273" r:id="rId17"/>
   </p:sldIdLst>
   <p:sldSz cx="12192000" cy="6858000"/>
   <p:notesSz cx="6858000" cy="9144000"/>
@@ -5943,6 +5946,717 @@
     <p:extLst>
       <p:ext uri="{BB962C8B-B14F-4D97-AF65-F5344CB8AC3E}">
         <p14:creationId xmlns:p14="http://schemas.microsoft.com/office/powerpoint/2010/main" val="3876294705"/>
+      </p:ext>
+    </p:extLst>
+  </p:cSld>
+  <p:clrMapOvr>
+    <a:masterClrMapping/>
+  </p:clrMapOvr>
+</p:sld>
+</file>
+
+<file path=ppt/slides/slide14.xml><?xml version="1.0" encoding="utf-8"?>
+<p:sld xmlns:a="http://schemas.openxmlformats.org/drawingml/2006/main" xmlns:r="http://schemas.openxmlformats.org/officeDocument/2006/relationships" xmlns:p="http://schemas.openxmlformats.org/presentationml/2006/main">
+  <p:cSld>
+    <p:spTree>
+      <p:nvGrpSpPr>
+        <p:cNvPr id="1" name=""/>
+        <p:cNvGrpSpPr/>
+        <p:nvPr/>
+      </p:nvGrpSpPr>
+      <p:grpSpPr>
+        <a:xfrm>
+          <a:off x="0" y="0"/>
+          <a:ext cx="0" cy="0"/>
+          <a:chOff x="0" y="0"/>
+          <a:chExt cx="0" cy="0"/>
+        </a:xfrm>
+      </p:grpSpPr>
+      <p:sp>
+        <p:nvSpPr>
+          <p:cNvPr id="2" name="Title 1">
+            <a:extLst>
+              <a:ext uri="{FF2B5EF4-FFF2-40B4-BE49-F238E27FC236}">
+                <a16:creationId xmlns:a16="http://schemas.microsoft.com/office/drawing/2014/main" id="{D3C4D976-477A-494F-AC9D-16F55D7F3D11}"/>
+              </a:ext>
+            </a:extLst>
+          </p:cNvPr>
+          <p:cNvSpPr>
+            <a:spLocks noGrp="1"/>
+          </p:cNvSpPr>
+          <p:nvPr>
+            <p:ph type="title"/>
+          </p:nvPr>
+        </p:nvSpPr>
+        <p:spPr/>
+        <p:txBody>
+          <a:bodyPr/>
+          <a:lstStyle/>
+          <a:p>
+            <a:endParaRPr lang="en-US"/>
+          </a:p>
+        </p:txBody>
+      </p:sp>
+      <p:pic>
+        <p:nvPicPr>
+          <p:cNvPr id="6" name="Content Placeholder 5" descr="A picture containing map&#10;&#10;Description automatically generated">
+            <a:extLst>
+              <a:ext uri="{FF2B5EF4-FFF2-40B4-BE49-F238E27FC236}">
+                <a16:creationId xmlns:a16="http://schemas.microsoft.com/office/drawing/2014/main" id="{44D813F6-93D4-964E-A985-C339A90B3CD3}"/>
+              </a:ext>
+            </a:extLst>
+          </p:cNvPr>
+          <p:cNvPicPr>
+            <a:picLocks noGrp="1" noChangeAspect="1"/>
+          </p:cNvPicPr>
+          <p:nvPr>
+            <p:ph idx="1"/>
+          </p:nvPr>
+        </p:nvPicPr>
+        <p:blipFill>
+          <a:blip r:embed="rId2">
+            <a:extLst>
+              <a:ext uri="{28A0092B-C50C-407E-A947-70E740481C1C}">
+                <a14:useLocalDpi xmlns:a14="http://schemas.microsoft.com/office/drawing/2010/main" val="0"/>
+              </a:ext>
+            </a:extLst>
+          </a:blip>
+          <a:stretch>
+            <a:fillRect/>
+          </a:stretch>
+        </p:blipFill>
+        <p:spPr>
+          <a:xfrm>
+            <a:off x="4575338" y="973776"/>
+            <a:ext cx="3099237" cy="5496865"/>
+          </a:xfrm>
+        </p:spPr>
+      </p:pic>
+      <p:pic>
+        <p:nvPicPr>
+          <p:cNvPr id="4" name="Picture 3" descr="Text, whiteboard&#10;&#10;Description automatically generated">
+            <a:extLst>
+              <a:ext uri="{FF2B5EF4-FFF2-40B4-BE49-F238E27FC236}">
+                <a16:creationId xmlns:a16="http://schemas.microsoft.com/office/drawing/2014/main" id="{14C27E98-D483-2449-84B2-C332CFE77715}"/>
+              </a:ext>
+            </a:extLst>
+          </p:cNvPr>
+          <p:cNvPicPr>
+            <a:picLocks noChangeAspect="1"/>
+          </p:cNvPicPr>
+          <p:nvPr/>
+        </p:nvPicPr>
+        <p:blipFill>
+          <a:blip r:embed="rId3">
+            <a:extLst>
+              <a:ext uri="{28A0092B-C50C-407E-A947-70E740481C1C}">
+                <a14:useLocalDpi xmlns:a14="http://schemas.microsoft.com/office/drawing/2010/main" val="0"/>
+              </a:ext>
+            </a:extLst>
+          </a:blip>
+          <a:stretch>
+            <a:fillRect/>
+          </a:stretch>
+        </p:blipFill>
+        <p:spPr>
+          <a:xfrm>
+            <a:off x="-31022" y="973776"/>
+            <a:ext cx="4548449" cy="5124202"/>
+          </a:xfrm>
+          <a:prstGeom prst="rect">
+            <a:avLst/>
+          </a:prstGeom>
+        </p:spPr>
+      </p:pic>
+      <p:pic>
+        <p:nvPicPr>
+          <p:cNvPr id="8" name="Picture 7" descr="Text&#10;&#10;Description automatically generated">
+            <a:extLst>
+              <a:ext uri="{FF2B5EF4-FFF2-40B4-BE49-F238E27FC236}">
+                <a16:creationId xmlns:a16="http://schemas.microsoft.com/office/drawing/2014/main" id="{E7050BE1-4C2E-A444-A1AE-D72DC72D68A1}"/>
+              </a:ext>
+            </a:extLst>
+          </p:cNvPr>
+          <p:cNvPicPr>
+            <a:picLocks noChangeAspect="1"/>
+          </p:cNvPicPr>
+          <p:nvPr/>
+        </p:nvPicPr>
+        <p:blipFill>
+          <a:blip r:embed="rId4">
+            <a:extLst>
+              <a:ext uri="{28A0092B-C50C-407E-A947-70E740481C1C}">
+                <a14:useLocalDpi xmlns:a14="http://schemas.microsoft.com/office/drawing/2010/main" val="0"/>
+              </a:ext>
+            </a:extLst>
+          </a:blip>
+          <a:stretch>
+            <a:fillRect/>
+          </a:stretch>
+        </p:blipFill>
+        <p:spPr>
+          <a:xfrm>
+            <a:off x="7717273" y="680568"/>
+            <a:ext cx="4446595" cy="6088094"/>
+          </a:xfrm>
+          <a:prstGeom prst="rect">
+            <a:avLst/>
+          </a:prstGeom>
+        </p:spPr>
+      </p:pic>
+    </p:spTree>
+    <p:extLst>
+      <p:ext uri="{BB962C8B-B14F-4D97-AF65-F5344CB8AC3E}">
+        <p14:creationId xmlns:p14="http://schemas.microsoft.com/office/powerpoint/2010/main" val="1594899385"/>
+      </p:ext>
+    </p:extLst>
+  </p:cSld>
+  <p:clrMapOvr>
+    <a:masterClrMapping/>
+  </p:clrMapOvr>
+</p:sld>
+</file>
+
+<file path=ppt/slides/slide15.xml><?xml version="1.0" encoding="utf-8"?>
+<p:sld xmlns:a="http://schemas.openxmlformats.org/drawingml/2006/main" xmlns:r="http://schemas.openxmlformats.org/officeDocument/2006/relationships" xmlns:p="http://schemas.openxmlformats.org/presentationml/2006/main">
+  <p:cSld>
+    <p:spTree>
+      <p:nvGrpSpPr>
+        <p:cNvPr id="1" name=""/>
+        <p:cNvGrpSpPr/>
+        <p:nvPr/>
+      </p:nvGrpSpPr>
+      <p:grpSpPr>
+        <a:xfrm>
+          <a:off x="0" y="0"/>
+          <a:ext cx="0" cy="0"/>
+          <a:chOff x="0" y="0"/>
+          <a:chExt cx="0" cy="0"/>
+        </a:xfrm>
+      </p:grpSpPr>
+      <p:sp>
+        <p:nvSpPr>
+          <p:cNvPr id="2" name="Title 1">
+            <a:extLst>
+              <a:ext uri="{FF2B5EF4-FFF2-40B4-BE49-F238E27FC236}">
+                <a16:creationId xmlns:a16="http://schemas.microsoft.com/office/drawing/2014/main" id="{D3C4D976-477A-494F-AC9D-16F55D7F3D11}"/>
+              </a:ext>
+            </a:extLst>
+          </p:cNvPr>
+          <p:cNvSpPr>
+            <a:spLocks noGrp="1"/>
+          </p:cNvSpPr>
+          <p:nvPr>
+            <p:ph type="title"/>
+          </p:nvPr>
+        </p:nvSpPr>
+        <p:spPr/>
+        <p:txBody>
+          <a:bodyPr/>
+          <a:lstStyle/>
+          <a:p>
+            <a:endParaRPr lang="en-US"/>
+          </a:p>
+        </p:txBody>
+      </p:sp>
+      <p:pic>
+        <p:nvPicPr>
+          <p:cNvPr id="5" name="Content Placeholder 4" descr="Text&#10;&#10;Description automatically generated">
+            <a:extLst>
+              <a:ext uri="{FF2B5EF4-FFF2-40B4-BE49-F238E27FC236}">
+                <a16:creationId xmlns:a16="http://schemas.microsoft.com/office/drawing/2014/main" id="{65267048-066E-654F-9195-639D01DF7091}"/>
+              </a:ext>
+            </a:extLst>
+          </p:cNvPr>
+          <p:cNvPicPr>
+            <a:picLocks noGrp="1" noChangeAspect="1"/>
+          </p:cNvPicPr>
+          <p:nvPr>
+            <p:ph idx="1"/>
+          </p:nvPr>
+        </p:nvPicPr>
+        <p:blipFill>
+          <a:blip r:embed="rId2">
+            <a:extLst>
+              <a:ext uri="{28A0092B-C50C-407E-A947-70E740481C1C}">
+                <a14:useLocalDpi xmlns:a14="http://schemas.microsoft.com/office/drawing/2010/main" val="0"/>
+              </a:ext>
+            </a:extLst>
+          </a:blip>
+          <a:stretch>
+            <a:fillRect/>
+          </a:stretch>
+        </p:blipFill>
+        <p:spPr>
+          <a:xfrm>
+            <a:off x="0" y="1557060"/>
+            <a:ext cx="4132542" cy="4051300"/>
+          </a:xfrm>
+        </p:spPr>
+      </p:pic>
+      <p:pic>
+        <p:nvPicPr>
+          <p:cNvPr id="7" name="Picture 6" descr="Logo&#10;&#10;Description automatically generated with low confidence">
+            <a:extLst>
+              <a:ext uri="{FF2B5EF4-FFF2-40B4-BE49-F238E27FC236}">
+                <a16:creationId xmlns:a16="http://schemas.microsoft.com/office/drawing/2014/main" id="{8D06CBB3-CE88-804C-949F-67C2502B3277}"/>
+              </a:ext>
+            </a:extLst>
+          </p:cNvPr>
+          <p:cNvPicPr>
+            <a:picLocks noChangeAspect="1"/>
+          </p:cNvPicPr>
+          <p:nvPr/>
+        </p:nvPicPr>
+        <p:blipFill>
+          <a:blip r:embed="rId3">
+            <a:extLst>
+              <a:ext uri="{28A0092B-C50C-407E-A947-70E740481C1C}">
+                <a14:useLocalDpi xmlns:a14="http://schemas.microsoft.com/office/drawing/2010/main" val="0"/>
+              </a:ext>
+            </a:extLst>
+          </a:blip>
+          <a:stretch>
+            <a:fillRect/>
+          </a:stretch>
+        </p:blipFill>
+        <p:spPr>
+          <a:xfrm>
+            <a:off x="4204448" y="1557060"/>
+            <a:ext cx="7987552" cy="5290457"/>
+          </a:xfrm>
+          <a:prstGeom prst="rect">
+            <a:avLst/>
+          </a:prstGeom>
+        </p:spPr>
+      </p:pic>
+    </p:spTree>
+    <p:extLst>
+      <p:ext uri="{BB962C8B-B14F-4D97-AF65-F5344CB8AC3E}">
+        <p14:creationId xmlns:p14="http://schemas.microsoft.com/office/powerpoint/2010/main" val="3492775583"/>
+      </p:ext>
+    </p:extLst>
+  </p:cSld>
+  <p:clrMapOvr>
+    <a:masterClrMapping/>
+  </p:clrMapOvr>
+</p:sld>
+</file>
+
+<file path=ppt/slides/slide16.xml><?xml version="1.0" encoding="utf-8"?>
+<p:sld xmlns:a="http://schemas.openxmlformats.org/drawingml/2006/main" xmlns:r="http://schemas.openxmlformats.org/officeDocument/2006/relationships" xmlns:p="http://schemas.openxmlformats.org/presentationml/2006/main">
+  <p:cSld>
+    <p:bg>
+      <p:bgPr>
+        <a:solidFill>
+          <a:schemeClr val="bg1"/>
+        </a:solidFill>
+        <a:effectLst/>
+      </p:bgPr>
+    </p:bg>
+    <p:spTree>
+      <p:nvGrpSpPr>
+        <p:cNvPr id="1" name=""/>
+        <p:cNvGrpSpPr/>
+        <p:nvPr/>
+      </p:nvGrpSpPr>
+      <p:grpSpPr>
+        <a:xfrm>
+          <a:off x="0" y="0"/>
+          <a:ext cx="0" cy="0"/>
+          <a:chOff x="0" y="0"/>
+          <a:chExt cx="0" cy="0"/>
+        </a:xfrm>
+      </p:grpSpPr>
+      <p:sp>
+        <p:nvSpPr>
+          <p:cNvPr id="10" name="Rectangle 9">
+            <a:extLst>
+              <a:ext uri="{FF2B5EF4-FFF2-40B4-BE49-F238E27FC236}">
+                <a16:creationId xmlns:a16="http://schemas.microsoft.com/office/drawing/2014/main" id="{19F7A820-AA09-4D36-8BC9-6057B1A5BAD6}"/>
+              </a:ext>
+              <a:ext uri="{C183D7F6-B498-43B3-948B-1728B52AA6E4}">
+                <adec:decorative xmlns:adec="http://schemas.microsoft.com/office/drawing/2017/decorative" val="1"/>
+              </a:ext>
+            </a:extLst>
+          </p:cNvPr>
+          <p:cNvSpPr>
+            <a:spLocks noGrp="1" noRot="1" noChangeAspect="1" noMove="1" noResize="1" noEditPoints="1" noAdjustHandles="1" noChangeArrowheads="1" noChangeShapeType="1" noTextEdit="1"/>
+          </p:cNvSpPr>
+          <p:nvPr>
+            <p:extLst>
+              <p:ext uri="{386F3935-93C4-4BCD-93E2-E3B085C9AB24}">
+                <p16:designElem xmlns:p16="http://schemas.microsoft.com/office/powerpoint/2015/main" val="1"/>
+              </p:ext>
+            </p:extLst>
+          </p:nvPr>
+        </p:nvSpPr>
+        <p:spPr>
+          <a:xfrm>
+            <a:off x="7836310" y="0"/>
+            <a:ext cx="4355689" cy="6857999"/>
+          </a:xfrm>
+          <a:prstGeom prst="rect">
+            <a:avLst/>
+          </a:prstGeom>
+          <a:blipFill dpi="0" rotWithShape="1">
+            <a:blip r:embed="rId2">
+              <a:alphaModFix amt="60000"/>
+              <a:lum bright="70000" contrast="-70000"/>
+              <a:extLst>
+                <a:ext uri="{BEBA8EAE-BF5A-486C-A8C5-ECC9F3942E4B}">
+                  <a14:imgProps xmlns:a14="http://schemas.microsoft.com/office/drawing/2010/main">
+                    <a14:imgLayer r:embed="rId3">
+                      <a14:imgEffect>
+                        <a14:sharpenSoften amount="61000"/>
+                      </a14:imgEffect>
+                    </a14:imgLayer>
+                  </a14:imgProps>
+                </a:ext>
+                <a:ext uri="{28A0092B-C50C-407E-A947-70E740481C1C}">
+                  <a14:useLocalDpi xmlns:a14="http://schemas.microsoft.com/office/drawing/2010/main" val="0"/>
+                </a:ext>
+              </a:extLst>
+            </a:blip>
+            <a:srcRect/>
+            <a:tile tx="0" ty="-704850" sx="92000" sy="89000" flip="xy" algn="ctr"/>
+          </a:blipFill>
+          <a:ln>
+            <a:noFill/>
+          </a:ln>
+        </p:spPr>
+        <p:style>
+          <a:lnRef idx="2">
+            <a:schemeClr val="accent1">
+              <a:shade val="50000"/>
+            </a:schemeClr>
+          </a:lnRef>
+          <a:fillRef idx="1">
+            <a:schemeClr val="accent1"/>
+          </a:fillRef>
+          <a:effectRef idx="0">
+            <a:schemeClr val="accent1"/>
+          </a:effectRef>
+          <a:fontRef idx="minor">
+            <a:schemeClr val="lt1"/>
+          </a:fontRef>
+        </p:style>
+        <p:txBody>
+          <a:bodyPr rtlCol="0" anchor="ctr"/>
+          <a:lstStyle/>
+          <a:p>
+            <a:pPr algn="ctr"/>
+            <a:endParaRPr lang="en-US"/>
+          </a:p>
+        </p:txBody>
+      </p:sp>
+      <p:sp>
+        <p:nvSpPr>
+          <p:cNvPr id="2" name="Title 1">
+            <a:extLst>
+              <a:ext uri="{FF2B5EF4-FFF2-40B4-BE49-F238E27FC236}">
+                <a16:creationId xmlns:a16="http://schemas.microsoft.com/office/drawing/2014/main" id="{D3C4D976-477A-494F-AC9D-16F55D7F3D11}"/>
+              </a:ext>
+            </a:extLst>
+          </p:cNvPr>
+          <p:cNvSpPr>
+            <a:spLocks noGrp="1"/>
+          </p:cNvSpPr>
+          <p:nvPr>
+            <p:ph type="title"/>
+          </p:nvPr>
+        </p:nvSpPr>
+        <p:spPr>
+          <a:xfrm>
+            <a:off x="8156350" y="484631"/>
+            <a:ext cx="4203816" cy="1869685"/>
+          </a:xfrm>
+          <a:ln>
+            <a:noFill/>
+          </a:ln>
+        </p:spPr>
+        <p:txBody>
+          <a:bodyPr>
+            <a:normAutofit/>
+          </a:bodyPr>
+          <a:lstStyle/>
+          <a:p>
+            <a:r>
+              <a:rPr lang="en-US" dirty="0"/>
+              <a:t>Thank you!</a:t>
+            </a:r>
+          </a:p>
+        </p:txBody>
+      </p:sp>
+      <p:pic>
+        <p:nvPicPr>
+          <p:cNvPr id="7" name="Graphic 6" descr="Smiling Face with No Fill">
+            <a:extLst>
+              <a:ext uri="{FF2B5EF4-FFF2-40B4-BE49-F238E27FC236}">
+                <a16:creationId xmlns:a16="http://schemas.microsoft.com/office/drawing/2014/main" id="{D09B8E62-F378-4F1F-B670-A58A179C0FF8}"/>
+              </a:ext>
+            </a:extLst>
+          </p:cNvPr>
+          <p:cNvPicPr>
+            <a:picLocks noChangeAspect="1"/>
+          </p:cNvPicPr>
+          <p:nvPr/>
+        </p:nvPicPr>
+        <p:blipFill>
+          <a:blip r:embed="rId4">
+            <a:extLst>
+              <a:ext uri="{28A0092B-C50C-407E-A947-70E740481C1C}">
+                <a14:useLocalDpi xmlns:a14="http://schemas.microsoft.com/office/drawing/2010/main" val="0"/>
+              </a:ext>
+              <a:ext uri="{96DAC541-7B7A-43D3-8B79-37D633B846F1}">
+                <asvg:svgBlip xmlns:asvg="http://schemas.microsoft.com/office/drawing/2016/SVG/main" r:embed="rId5"/>
+              </a:ext>
+            </a:extLst>
+          </a:blip>
+          <a:stretch>
+            <a:fillRect/>
+          </a:stretch>
+        </p:blipFill>
+        <p:spPr>
+          <a:xfrm>
+            <a:off x="1281083" y="640080"/>
+            <a:ext cx="5588101" cy="5588101"/>
+          </a:xfrm>
+          <a:prstGeom prst="rect">
+            <a:avLst/>
+          </a:prstGeom>
+        </p:spPr>
+      </p:pic>
+      <p:sp>
+        <p:nvSpPr>
+          <p:cNvPr id="3" name="Content Placeholder 2">
+            <a:extLst>
+              <a:ext uri="{FF2B5EF4-FFF2-40B4-BE49-F238E27FC236}">
+                <a16:creationId xmlns:a16="http://schemas.microsoft.com/office/drawing/2014/main" id="{846E9D91-B0C4-3E41-BEF6-07F6BBFAD97D}"/>
+              </a:ext>
+            </a:extLst>
+          </p:cNvPr>
+          <p:cNvSpPr>
+            <a:spLocks noGrp="1"/>
+          </p:cNvSpPr>
+          <p:nvPr>
+            <p:ph idx="1"/>
+          </p:nvPr>
+        </p:nvSpPr>
+        <p:spPr>
+          <a:xfrm>
+            <a:off x="8156351" y="2121408"/>
+            <a:ext cx="3544034" cy="4050792"/>
+          </a:xfrm>
+        </p:spPr>
+        <p:txBody>
+          <a:bodyPr>
+            <a:normAutofit/>
+          </a:bodyPr>
+          <a:lstStyle/>
+          <a:p>
+            <a:endParaRPr lang="en-US" sz="1600"/>
+          </a:p>
+        </p:txBody>
+      </p:sp>
+      <p:grpSp>
+        <p:nvGrpSpPr>
+          <p:cNvPr id="12" name="Group 11">
+            <a:extLst>
+              <a:ext uri="{FF2B5EF4-FFF2-40B4-BE49-F238E27FC236}">
+                <a16:creationId xmlns:a16="http://schemas.microsoft.com/office/drawing/2014/main" id="{950C1A80-C382-44F9-8B72-19D5625BA517}"/>
+              </a:ext>
+              <a:ext uri="{C183D7F6-B498-43B3-948B-1728B52AA6E4}">
+                <adec:decorative xmlns:adec="http://schemas.microsoft.com/office/drawing/2017/decorative" val="1"/>
+              </a:ext>
+            </a:extLst>
+          </p:cNvPr>
+          <p:cNvGrpSpPr>
+            <a:grpSpLocks noGrp="1" noUngrp="1" noRot="1" noChangeAspect="1" noMove="1" noResize="1"/>
+          </p:cNvGrpSpPr>
+          <p:nvPr>
+            <p:extLst>
+              <p:ext uri="{386F3935-93C4-4BCD-93E2-E3B085C9AB24}">
+                <p16:designElem xmlns:p16="http://schemas.microsoft.com/office/powerpoint/2015/main" val="1"/>
+              </p:ext>
+            </p:extLst>
+          </p:nvPr>
+        </p:nvGrpSpPr>
+        <p:grpSpPr>
+          <a:xfrm>
+            <a:off x="11401725" y="6229681"/>
+            <a:ext cx="457200" cy="457200"/>
+            <a:chOff x="11361456" y="6195813"/>
+            <a:chExt cx="548640" cy="548640"/>
+          </a:xfrm>
+        </p:grpSpPr>
+        <p:sp>
+          <p:nvSpPr>
+            <p:cNvPr id="13" name="Oval 12">
+              <a:extLst>
+                <a:ext uri="{FF2B5EF4-FFF2-40B4-BE49-F238E27FC236}">
+                  <a16:creationId xmlns:a16="http://schemas.microsoft.com/office/drawing/2014/main" id="{BD7C7BAE-433B-4B8F-9F80-E469A375CDCC}"/>
+                </a:ext>
+                <a:ext uri="{C183D7F6-B498-43B3-948B-1728B52AA6E4}">
+                  <adec:decorative xmlns:adec="http://schemas.microsoft.com/office/drawing/2017/decorative" val="1"/>
+                </a:ext>
+              </a:extLst>
+            </p:cNvPr>
+            <p:cNvSpPr/>
+            <p:nvPr>
+              <p:extLst>
+                <p:ext uri="{386F3935-93C4-4BCD-93E2-E3B085C9AB24}">
+                  <p16:designElem xmlns:p16="http://schemas.microsoft.com/office/powerpoint/2015/main" val="1"/>
+                </p:ext>
+              </p:extLst>
+            </p:nvPr>
+          </p:nvSpPr>
+          <p:spPr>
+            <a:xfrm>
+              <a:off x="11361456" y="6195813"/>
+              <a:ext cx="548640" cy="548640"/>
+            </a:xfrm>
+            <a:prstGeom prst="ellipse">
+              <a:avLst/>
+            </a:prstGeom>
+            <a:blipFill dpi="0" rotWithShape="1">
+              <a:blip r:embed="rId6">
+                <a:duotone>
+                  <a:schemeClr val="accent1">
+                    <a:shade val="45000"/>
+                    <a:satMod val="135000"/>
+                  </a:schemeClr>
+                  <a:prstClr val="white"/>
+                </a:duotone>
+              </a:blip>
+              <a:srcRect/>
+              <a:tile tx="50800" ty="0" sx="85000" sy="85000" flip="none" algn="tl"/>
+            </a:blipFill>
+            <a:ln w="25400" cap="flat" cmpd="sng" algn="ctr">
+              <a:noFill/>
+              <a:prstDash val="solid"/>
+            </a:ln>
+            <a:effectLst/>
+          </p:spPr>
+          <p:txBody>
+            <a:bodyPr lIns="0" tIns="0" rIns="0" bIns="0" rtlCol="0" anchor="ctr"/>
+            <a:lstStyle/>
+            <a:p>
+              <a:pPr marL="0" marR="0" lvl="0" indent="0" algn="ctr" defTabSz="914400" eaLnBrk="1" fontAlgn="auto" latinLnBrk="0" hangingPunct="1">
+                <a:lnSpc>
+                  <a:spcPct val="100000"/>
+                </a:lnSpc>
+                <a:spcBef>
+                  <a:spcPts val="0"/>
+                </a:spcBef>
+                <a:spcAft>
+                  <a:spcPts val="0"/>
+                </a:spcAft>
+                <a:buClrTx/>
+                <a:buSzTx/>
+                <a:buFontTx/>
+                <a:buNone/>
+                <a:tabLst/>
+                <a:defRPr/>
+              </a:pPr>
+              <a:endParaRPr kumimoji="0" lang="en-US" sz="2000" b="0" i="0" u="none" strike="noStrike" kern="0" cap="none" spc="0" normalizeH="0" baseline="0" noProof="0" dirty="0">
+                <a:ln>
+                  <a:noFill/>
+                </a:ln>
+                <a:solidFill>
+                  <a:prstClr val="white"/>
+                </a:solidFill>
+                <a:effectLst/>
+                <a:uLnTx/>
+                <a:uFillTx/>
+                <a:latin typeface="Rockwell Extra Bold" pitchFamily="18" charset="0"/>
+                <a:ea typeface="+mn-ea"/>
+                <a:cs typeface="+mn-cs"/>
+              </a:endParaRPr>
+            </a:p>
+          </p:txBody>
+        </p:sp>
+        <p:sp>
+          <p:nvSpPr>
+            <p:cNvPr id="14" name="Oval 13">
+              <a:extLst>
+                <a:ext uri="{FF2B5EF4-FFF2-40B4-BE49-F238E27FC236}">
+                  <a16:creationId xmlns:a16="http://schemas.microsoft.com/office/drawing/2014/main" id="{32D7D7E4-5AD3-4B48-9AD1-274BA925B90C}"/>
+                </a:ext>
+                <a:ext uri="{C183D7F6-B498-43B3-948B-1728B52AA6E4}">
+                  <adec:decorative xmlns:adec="http://schemas.microsoft.com/office/drawing/2017/decorative" val="1"/>
+                </a:ext>
+              </a:extLst>
+            </p:cNvPr>
+            <p:cNvSpPr/>
+            <p:nvPr>
+              <p:extLst>
+                <p:ext uri="{386F3935-93C4-4BCD-93E2-E3B085C9AB24}">
+                  <p16:designElem xmlns:p16="http://schemas.microsoft.com/office/powerpoint/2015/main" val="1"/>
+                </p:ext>
+              </p:extLst>
+            </p:nvPr>
+          </p:nvSpPr>
+          <p:spPr>
+            <a:xfrm>
+              <a:off x="11396488" y="6230844"/>
+              <a:ext cx="478576" cy="478578"/>
+            </a:xfrm>
+            <a:prstGeom prst="ellipse">
+              <a:avLst/>
+            </a:prstGeom>
+            <a:noFill/>
+            <a:ln w="12700" cap="flat" cmpd="sng" algn="ctr">
+              <a:solidFill>
+                <a:srgbClr val="FFFFFF"/>
+              </a:solidFill>
+              <a:prstDash val="solid"/>
+            </a:ln>
+            <a:effectLst/>
+          </p:spPr>
+          <p:txBody>
+            <a:bodyPr rtlCol="0" anchor="ctr"/>
+            <a:lstStyle/>
+            <a:p>
+              <a:pPr marL="0" marR="0" lvl="0" indent="0" algn="ctr" defTabSz="914400" eaLnBrk="1" fontAlgn="auto" latinLnBrk="0" hangingPunct="1">
+                <a:lnSpc>
+                  <a:spcPct val="100000"/>
+                </a:lnSpc>
+                <a:spcBef>
+                  <a:spcPts val="0"/>
+                </a:spcBef>
+                <a:spcAft>
+                  <a:spcPts val="0"/>
+                </a:spcAft>
+                <a:buClrTx/>
+                <a:buSzTx/>
+                <a:buFontTx/>
+                <a:buNone/>
+                <a:tabLst/>
+                <a:defRPr/>
+              </a:pPr>
+              <a:endParaRPr kumimoji="0" lang="en-US" sz="1800" b="0" i="0" u="none" strike="noStrike" kern="0" cap="none" spc="0" normalizeH="0" baseline="0" noProof="0" dirty="0">
+                <a:ln>
+                  <a:noFill/>
+                </a:ln>
+                <a:solidFill>
+                  <a:prstClr val="white"/>
+                </a:solidFill>
+                <a:effectLst/>
+                <a:uLnTx/>
+                <a:uFillTx/>
+                <a:latin typeface="Calibri"/>
+                <a:ea typeface="+mn-ea"/>
+                <a:cs typeface="+mn-cs"/>
+              </a:endParaRPr>
+            </a:p>
+          </p:txBody>
+        </p:sp>
+      </p:grpSp>
+    </p:spTree>
+    <p:extLst>
+      <p:ext uri="{BB962C8B-B14F-4D97-AF65-F5344CB8AC3E}">
+        <p14:creationId xmlns:p14="http://schemas.microsoft.com/office/powerpoint/2010/main" val="2776615690"/>
       </p:ext>
     </p:extLst>
   </p:cSld>

--- a/presentationYelpAnalysis.pptx
+++ b/presentationYelpAnalysis.pptx
@@ -5,7 +5,7 @@
     <p:sldMasterId id="2147483696" r:id="rId1"/>
   </p:sldMasterIdLst>
   <p:notesMasterIdLst>
-    <p:notesMasterId r:id="rId18"/>
+    <p:notesMasterId r:id="rId21"/>
   </p:notesMasterIdLst>
   <p:sldIdLst>
     <p:sldId id="256" r:id="rId2"/>
@@ -22,8 +22,11 @@
     <p:sldId id="266" r:id="rId13"/>
     <p:sldId id="270" r:id="rId14"/>
     <p:sldId id="271" r:id="rId15"/>
-    <p:sldId id="272" r:id="rId16"/>
-    <p:sldId id="273" r:id="rId17"/>
+    <p:sldId id="276" r:id="rId16"/>
+    <p:sldId id="280" r:id="rId17"/>
+    <p:sldId id="281" r:id="rId18"/>
+    <p:sldId id="282" r:id="rId19"/>
+    <p:sldId id="273" r:id="rId20"/>
   </p:sldIdLst>
   <p:sldSz cx="12192000" cy="6858000"/>
   <p:notesSz cx="6858000" cy="9144000"/>
@@ -123,6 +126,33 @@
     </a:lvl9pPr>
   </p:defaultTextStyle>
   <p:extLst>
+    <p:ext uri="{521415D9-36F7-43E2-AB2F-B90AF26B5E84}">
+      <p14:sectionLst xmlns:p14="http://schemas.microsoft.com/office/powerpoint/2010/main">
+        <p14:section name="Default Section" id="{14698A1C-BF8E-D44F-9FF5-4068A912DE8D}">
+          <p14:sldIdLst>
+            <p14:sldId id="256"/>
+            <p14:sldId id="257"/>
+            <p14:sldId id="259"/>
+            <p14:sldId id="260"/>
+            <p14:sldId id="269"/>
+            <p14:sldId id="262"/>
+            <p14:sldId id="261"/>
+            <p14:sldId id="267"/>
+            <p14:sldId id="268"/>
+            <p14:sldId id="263"/>
+            <p14:sldId id="264"/>
+            <p14:sldId id="266"/>
+            <p14:sldId id="270"/>
+            <p14:sldId id="271"/>
+            <p14:sldId id="276"/>
+            <p14:sldId id="280"/>
+            <p14:sldId id="281"/>
+            <p14:sldId id="282"/>
+            <p14:sldId id="273"/>
+          </p14:sldIdLst>
+        </p14:section>
+      </p14:sectionLst>
+    </p:ext>
     <p:ext uri="{EFAFB233-063F-42B5-8137-9DF3F51BA10A}">
       <p15:sldGuideLst xmlns:p15="http://schemas.microsoft.com/office/powerpoint/2012/main">
         <p15:guide id="1" orient="horz" pos="2160" userDrawn="1">
@@ -491,6 +521,90 @@
 </file>
 
 <file path=ppt/notesSlides/notesSlide1.xml><?xml version="1.0" encoding="utf-8"?>
+<p:notes xmlns:a="http://schemas.openxmlformats.org/drawingml/2006/main" xmlns:r="http://schemas.openxmlformats.org/officeDocument/2006/relationships" xmlns:p="http://schemas.openxmlformats.org/presentationml/2006/main">
+  <p:cSld>
+    <p:spTree>
+      <p:nvGrpSpPr>
+        <p:cNvPr id="1" name=""/>
+        <p:cNvGrpSpPr/>
+        <p:nvPr/>
+      </p:nvGrpSpPr>
+      <p:grpSpPr>
+        <a:xfrm>
+          <a:off x="0" y="0"/>
+          <a:ext cx="0" cy="0"/>
+          <a:chOff x="0" y="0"/>
+          <a:chExt cx="0" cy="0"/>
+        </a:xfrm>
+      </p:grpSpPr>
+      <p:sp>
+        <p:nvSpPr>
+          <p:cNvPr id="2" name="Slide Image Placeholder 1"/>
+          <p:cNvSpPr>
+            <a:spLocks noGrp="1" noRot="1" noChangeAspect="1"/>
+          </p:cNvSpPr>
+          <p:nvPr>
+            <p:ph type="sldImg"/>
+          </p:nvPr>
+        </p:nvSpPr>
+        <p:spPr/>
+      </p:sp>
+      <p:sp>
+        <p:nvSpPr>
+          <p:cNvPr id="3" name="Notes Placeholder 2"/>
+          <p:cNvSpPr>
+            <a:spLocks noGrp="1"/>
+          </p:cNvSpPr>
+          <p:nvPr>
+            <p:ph type="body" idx="1"/>
+          </p:nvPr>
+        </p:nvSpPr>
+        <p:spPr/>
+        <p:txBody>
+          <a:bodyPr/>
+          <a:lstStyle/>
+          <a:p>
+            <a:endParaRPr lang="en-US" dirty="0"/>
+          </a:p>
+        </p:txBody>
+      </p:sp>
+      <p:sp>
+        <p:nvSpPr>
+          <p:cNvPr id="4" name="Slide Number Placeholder 3"/>
+          <p:cNvSpPr>
+            <a:spLocks noGrp="1"/>
+          </p:cNvSpPr>
+          <p:nvPr>
+            <p:ph type="sldNum" sz="quarter" idx="5"/>
+          </p:nvPr>
+        </p:nvSpPr>
+        <p:spPr/>
+        <p:txBody>
+          <a:bodyPr/>
+          <a:lstStyle/>
+          <a:p>
+            <a:fld id="{CFFB0630-7E25-E245-B885-6A6F1DB38CD5}" type="slidenum">
+              <a:rPr lang="en-US" smtClean="0"/>
+              <a:t>1</a:t>
+            </a:fld>
+            <a:endParaRPr lang="en-US"/>
+          </a:p>
+        </p:txBody>
+      </p:sp>
+    </p:spTree>
+    <p:extLst>
+      <p:ext uri="{BB962C8B-B14F-4D97-AF65-F5344CB8AC3E}">
+        <p14:creationId xmlns:p14="http://schemas.microsoft.com/office/powerpoint/2010/main" val="3390589607"/>
+      </p:ext>
+    </p:extLst>
+  </p:cSld>
+  <p:clrMapOvr>
+    <a:masterClrMapping/>
+  </p:clrMapOvr>
+</p:notes>
+</file>
+
+<file path=ppt/notesSlides/notesSlide2.xml><?xml version="1.0" encoding="utf-8"?>
 <p:notes xmlns:a="http://schemas.openxmlformats.org/drawingml/2006/main" xmlns:r="http://schemas.openxmlformats.org/officeDocument/2006/relationships" xmlns:p="http://schemas.openxmlformats.org/presentationml/2006/main">
   <p:cSld>
     <p:spTree>
@@ -5988,30 +6102,36 @@
             <p:ph type="title"/>
           </p:nvPr>
         </p:nvSpPr>
-        <p:spPr/>
+        <p:spPr>
+          <a:xfrm>
+            <a:off x="323613" y="211363"/>
+            <a:ext cx="10058400" cy="1609344"/>
+          </a:xfrm>
+        </p:spPr>
         <p:txBody>
           <a:bodyPr/>
           <a:lstStyle/>
           <a:p>
-            <a:endParaRPr lang="en-US"/>
+            <a:r>
+              <a:rPr lang="en-US" dirty="0"/>
+              <a:t>1 star</a:t>
+            </a:r>
           </a:p>
         </p:txBody>
       </p:sp>
       <p:pic>
         <p:nvPicPr>
-          <p:cNvPr id="6" name="Content Placeholder 5" descr="A picture containing map&#10;&#10;Description automatically generated">
+          <p:cNvPr id="4" name="Picture 3" descr="Text, whiteboard&#10;&#10;Description automatically generated">
             <a:extLst>
               <a:ext uri="{FF2B5EF4-FFF2-40B4-BE49-F238E27FC236}">
-                <a16:creationId xmlns:a16="http://schemas.microsoft.com/office/drawing/2014/main" id="{44D813F6-93D4-964E-A985-C339A90B3CD3}"/>
+                <a16:creationId xmlns:a16="http://schemas.microsoft.com/office/drawing/2014/main" id="{14C27E98-D483-2449-84B2-C332CFE77715}"/>
               </a:ext>
             </a:extLst>
           </p:cNvPr>
           <p:cNvPicPr>
-            <a:picLocks noGrp="1" noChangeAspect="1"/>
+            <a:picLocks noChangeAspect="1"/>
           </p:cNvPicPr>
-          <p:nvPr>
-            <p:ph idx="1"/>
-          </p:nvPr>
+          <p:nvPr/>
         </p:nvPicPr>
         <p:blipFill>
           <a:blip r:embed="rId2">
@@ -6027,83 +6147,39 @@
         </p:blipFill>
         <p:spPr>
           <a:xfrm>
-            <a:off x="4575338" y="973776"/>
-            <a:ext cx="3099237" cy="5496865"/>
-          </a:xfrm>
-        </p:spPr>
-      </p:pic>
-      <p:pic>
-        <p:nvPicPr>
-          <p:cNvPr id="4" name="Picture 3" descr="Text, whiteboard&#10;&#10;Description automatically generated">
-            <a:extLst>
-              <a:ext uri="{FF2B5EF4-FFF2-40B4-BE49-F238E27FC236}">
-                <a16:creationId xmlns:a16="http://schemas.microsoft.com/office/drawing/2014/main" id="{14C27E98-D483-2449-84B2-C332CFE77715}"/>
-              </a:ext>
-            </a:extLst>
-          </p:cNvPr>
-          <p:cNvPicPr>
-            <a:picLocks noChangeAspect="1"/>
-          </p:cNvPicPr>
-          <p:nvPr/>
-        </p:nvPicPr>
-        <p:blipFill>
-          <a:blip r:embed="rId3">
-            <a:extLst>
-              <a:ext uri="{28A0092B-C50C-407E-A947-70E740481C1C}">
-                <a14:useLocalDpi xmlns:a14="http://schemas.microsoft.com/office/drawing/2010/main" val="0"/>
-              </a:ext>
-            </a:extLst>
-          </a:blip>
-          <a:stretch>
-            <a:fillRect/>
-          </a:stretch>
-        </p:blipFill>
-        <p:spPr>
-          <a:xfrm>
-            <a:off x="-31022" y="973776"/>
-            <a:ext cx="4548449" cy="5124202"/>
+            <a:off x="2922385" y="132331"/>
+            <a:ext cx="5969976" cy="6725669"/>
           </a:xfrm>
           <a:prstGeom prst="rect">
             <a:avLst/>
           </a:prstGeom>
         </p:spPr>
       </p:pic>
-      <p:pic>
-        <p:nvPicPr>
-          <p:cNvPr id="8" name="Picture 7" descr="Text&#10;&#10;Description automatically generated">
+      <p:sp>
+        <p:nvSpPr>
+          <p:cNvPr id="5" name="Content Placeholder 4">
             <a:extLst>
               <a:ext uri="{FF2B5EF4-FFF2-40B4-BE49-F238E27FC236}">
-                <a16:creationId xmlns:a16="http://schemas.microsoft.com/office/drawing/2014/main" id="{E7050BE1-4C2E-A444-A1AE-D72DC72D68A1}"/>
+                <a16:creationId xmlns:a16="http://schemas.microsoft.com/office/drawing/2014/main" id="{61E1B445-0B40-5A4A-A090-DEF70CFC5783}"/>
               </a:ext>
             </a:extLst>
           </p:cNvPr>
-          <p:cNvPicPr>
-            <a:picLocks noChangeAspect="1"/>
-          </p:cNvPicPr>
-          <p:nvPr/>
-        </p:nvPicPr>
-        <p:blipFill>
-          <a:blip r:embed="rId4">
-            <a:extLst>
-              <a:ext uri="{28A0092B-C50C-407E-A947-70E740481C1C}">
-                <a14:useLocalDpi xmlns:a14="http://schemas.microsoft.com/office/drawing/2010/main" val="0"/>
-              </a:ext>
-            </a:extLst>
-          </a:blip>
-          <a:stretch>
-            <a:fillRect/>
-          </a:stretch>
-        </p:blipFill>
-        <p:spPr>
-          <a:xfrm>
-            <a:off x="7717273" y="680568"/>
-            <a:ext cx="4446595" cy="6088094"/>
-          </a:xfrm>
-          <a:prstGeom prst="rect">
-            <a:avLst/>
-          </a:prstGeom>
-        </p:spPr>
-      </p:pic>
+          <p:cNvSpPr>
+            <a:spLocks noGrp="1"/>
+          </p:cNvSpPr>
+          <p:nvPr>
+            <p:ph idx="1"/>
+          </p:nvPr>
+        </p:nvSpPr>
+        <p:spPr/>
+        <p:txBody>
+          <a:bodyPr/>
+          <a:lstStyle/>
+          <a:p>
+            <a:endParaRPr lang="en-US" dirty="0"/>
+          </a:p>
+        </p:txBody>
+      </p:sp>
     </p:spTree>
     <p:extLst>
       <p:ext uri="{BB962C8B-B14F-4D97-AF65-F5344CB8AC3E}">
@@ -6150,21 +6226,29 @@
             <p:ph type="title"/>
           </p:nvPr>
         </p:nvSpPr>
-        <p:spPr/>
+        <p:spPr>
+          <a:xfrm>
+            <a:off x="323613" y="211363"/>
+            <a:ext cx="10058400" cy="1609344"/>
+          </a:xfrm>
+        </p:spPr>
         <p:txBody>
           <a:bodyPr/>
           <a:lstStyle/>
           <a:p>
-            <a:endParaRPr lang="en-US"/>
+            <a:r>
+              <a:rPr lang="en-US" dirty="0"/>
+              <a:t>2 star</a:t>
+            </a:r>
           </a:p>
         </p:txBody>
       </p:sp>
       <p:pic>
         <p:nvPicPr>
-          <p:cNvPr id="5" name="Content Placeholder 4" descr="Text&#10;&#10;Description automatically generated">
+          <p:cNvPr id="8" name="Content Placeholder 7" descr="A picture containing map&#10;&#10;Description automatically generated">
             <a:extLst>
               <a:ext uri="{FF2B5EF4-FFF2-40B4-BE49-F238E27FC236}">
-                <a16:creationId xmlns:a16="http://schemas.microsoft.com/office/drawing/2014/main" id="{65267048-066E-654F-9195-639D01DF7091}"/>
+                <a16:creationId xmlns:a16="http://schemas.microsoft.com/office/drawing/2014/main" id="{009BF66A-AE60-3147-8E8F-C3574711CF49}"/>
               </a:ext>
             </a:extLst>
           </p:cNvPr>
@@ -6189,27 +6273,92 @@
         </p:blipFill>
         <p:spPr>
           <a:xfrm>
-            <a:off x="0" y="1557060"/>
-            <a:ext cx="4132542" cy="4051300"/>
+            <a:off x="4755194" y="368927"/>
+            <a:ext cx="3450655" cy="6120146"/>
           </a:xfrm>
         </p:spPr>
       </p:pic>
+    </p:spTree>
+    <p:extLst>
+      <p:ext uri="{BB962C8B-B14F-4D97-AF65-F5344CB8AC3E}">
+        <p14:creationId xmlns:p14="http://schemas.microsoft.com/office/powerpoint/2010/main" val="3955476430"/>
+      </p:ext>
+    </p:extLst>
+  </p:cSld>
+  <p:clrMapOvr>
+    <a:masterClrMapping/>
+  </p:clrMapOvr>
+</p:sld>
+</file>
+
+<file path=ppt/slides/slide16.xml><?xml version="1.0" encoding="utf-8"?>
+<p:sld xmlns:a="http://schemas.openxmlformats.org/drawingml/2006/main" xmlns:r="http://schemas.openxmlformats.org/officeDocument/2006/relationships" xmlns:p="http://schemas.openxmlformats.org/presentationml/2006/main">
+  <p:cSld>
+    <p:spTree>
+      <p:nvGrpSpPr>
+        <p:cNvPr id="1" name=""/>
+        <p:cNvGrpSpPr/>
+        <p:nvPr/>
+      </p:nvGrpSpPr>
+      <p:grpSpPr>
+        <a:xfrm>
+          <a:off x="0" y="0"/>
+          <a:ext cx="0" cy="0"/>
+          <a:chOff x="0" y="0"/>
+          <a:chExt cx="0" cy="0"/>
+        </a:xfrm>
+      </p:grpSpPr>
+      <p:sp>
+        <p:nvSpPr>
+          <p:cNvPr id="2" name="Title 1">
+            <a:extLst>
+              <a:ext uri="{FF2B5EF4-FFF2-40B4-BE49-F238E27FC236}">
+                <a16:creationId xmlns:a16="http://schemas.microsoft.com/office/drawing/2014/main" id="{D3C4D976-477A-494F-AC9D-16F55D7F3D11}"/>
+              </a:ext>
+            </a:extLst>
+          </p:cNvPr>
+          <p:cNvSpPr>
+            <a:spLocks noGrp="1"/>
+          </p:cNvSpPr>
+          <p:nvPr>
+            <p:ph type="title"/>
+          </p:nvPr>
+        </p:nvSpPr>
+        <p:spPr>
+          <a:xfrm>
+            <a:off x="323613" y="211363"/>
+            <a:ext cx="10058400" cy="1609344"/>
+          </a:xfrm>
+        </p:spPr>
+        <p:txBody>
+          <a:bodyPr/>
+          <a:lstStyle/>
+          <a:p>
+            <a:r>
+              <a:rPr lang="en-US" dirty="0"/>
+              <a:t>3 star</a:t>
+            </a:r>
+          </a:p>
+        </p:txBody>
+      </p:sp>
       <p:pic>
         <p:nvPicPr>
-          <p:cNvPr id="7" name="Picture 6" descr="Logo&#10;&#10;Description automatically generated with low confidence">
+          <p:cNvPr id="4" name="Content Placeholder 3" descr="Text&#10;&#10;Description automatically generated">
             <a:extLst>
               <a:ext uri="{FF2B5EF4-FFF2-40B4-BE49-F238E27FC236}">
-                <a16:creationId xmlns:a16="http://schemas.microsoft.com/office/drawing/2014/main" id="{8D06CBB3-CE88-804C-949F-67C2502B3277}"/>
+                <a16:creationId xmlns:a16="http://schemas.microsoft.com/office/drawing/2014/main" id="{D65FC03C-7F11-584B-8C2F-BC48C258E3CF}"/>
               </a:ext>
             </a:extLst>
           </p:cNvPr>
           <p:cNvPicPr>
-            <a:picLocks noChangeAspect="1"/>
+            <a:picLocks noGrp="1" noChangeAspect="1"/>
           </p:cNvPicPr>
-          <p:nvPr/>
+          <p:nvPr>
+            <p:ph idx="1"/>
+          </p:nvPr>
         </p:nvPicPr>
         <p:blipFill>
-          <a:blip r:embed="rId3">
+          <a:blip r:embed="rId2">
             <a:extLst>
               <a:ext uri="{28A0092B-C50C-407E-A947-70E740481C1C}">
                 <a14:useLocalDpi xmlns:a14="http://schemas.microsoft.com/office/drawing/2010/main" val="0"/>
@@ -6222,18 +6371,15 @@
         </p:blipFill>
         <p:spPr>
           <a:xfrm>
-            <a:off x="4204448" y="1557060"/>
-            <a:ext cx="7987552" cy="5290457"/>
+            <a:off x="4227615" y="175469"/>
+            <a:ext cx="4726380" cy="6471168"/>
           </a:xfrm>
-          <a:prstGeom prst="rect">
-            <a:avLst/>
-          </a:prstGeom>
         </p:spPr>
       </p:pic>
     </p:spTree>
     <p:extLst>
       <p:ext uri="{BB962C8B-B14F-4D97-AF65-F5344CB8AC3E}">
-        <p14:creationId xmlns:p14="http://schemas.microsoft.com/office/powerpoint/2010/main" val="3492775583"/>
+        <p14:creationId xmlns:p14="http://schemas.microsoft.com/office/powerpoint/2010/main" val="3022177724"/>
       </p:ext>
     </p:extLst>
   </p:cSld>
@@ -6243,7 +6389,203 @@
 </p:sld>
 </file>
 
-<file path=ppt/slides/slide16.xml><?xml version="1.0" encoding="utf-8"?>
+<file path=ppt/slides/slide17.xml><?xml version="1.0" encoding="utf-8"?>
+<p:sld xmlns:a="http://schemas.openxmlformats.org/drawingml/2006/main" xmlns:r="http://schemas.openxmlformats.org/officeDocument/2006/relationships" xmlns:p="http://schemas.openxmlformats.org/presentationml/2006/main">
+  <p:cSld>
+    <p:spTree>
+      <p:nvGrpSpPr>
+        <p:cNvPr id="1" name=""/>
+        <p:cNvGrpSpPr/>
+        <p:nvPr/>
+      </p:nvGrpSpPr>
+      <p:grpSpPr>
+        <a:xfrm>
+          <a:off x="0" y="0"/>
+          <a:ext cx="0" cy="0"/>
+          <a:chOff x="0" y="0"/>
+          <a:chExt cx="0" cy="0"/>
+        </a:xfrm>
+      </p:grpSpPr>
+      <p:sp>
+        <p:nvSpPr>
+          <p:cNvPr id="2" name="Title 1">
+            <a:extLst>
+              <a:ext uri="{FF2B5EF4-FFF2-40B4-BE49-F238E27FC236}">
+                <a16:creationId xmlns:a16="http://schemas.microsoft.com/office/drawing/2014/main" id="{D3C4D976-477A-494F-AC9D-16F55D7F3D11}"/>
+              </a:ext>
+            </a:extLst>
+          </p:cNvPr>
+          <p:cNvSpPr>
+            <a:spLocks noGrp="1"/>
+          </p:cNvSpPr>
+          <p:nvPr>
+            <p:ph type="title"/>
+          </p:nvPr>
+        </p:nvSpPr>
+        <p:spPr>
+          <a:xfrm>
+            <a:off x="323613" y="211363"/>
+            <a:ext cx="10058400" cy="1609344"/>
+          </a:xfrm>
+        </p:spPr>
+        <p:txBody>
+          <a:bodyPr/>
+          <a:lstStyle/>
+          <a:p>
+            <a:r>
+              <a:rPr lang="en-US" dirty="0"/>
+              <a:t>4 star</a:t>
+            </a:r>
+          </a:p>
+        </p:txBody>
+      </p:sp>
+      <p:pic>
+        <p:nvPicPr>
+          <p:cNvPr id="6" name="Content Placeholder 5" descr="Text&#10;&#10;Description automatically generated">
+            <a:extLst>
+              <a:ext uri="{FF2B5EF4-FFF2-40B4-BE49-F238E27FC236}">
+                <a16:creationId xmlns:a16="http://schemas.microsoft.com/office/drawing/2014/main" id="{601BEE2D-1620-8D40-AD12-3F03AC8267AE}"/>
+              </a:ext>
+            </a:extLst>
+          </p:cNvPr>
+          <p:cNvPicPr>
+            <a:picLocks noGrp="1" noChangeAspect="1"/>
+          </p:cNvPicPr>
+          <p:nvPr>
+            <p:ph idx="1"/>
+          </p:nvPr>
+        </p:nvPicPr>
+        <p:blipFill>
+          <a:blip r:embed="rId2">
+            <a:extLst>
+              <a:ext uri="{28A0092B-C50C-407E-A947-70E740481C1C}">
+                <a14:useLocalDpi xmlns:a14="http://schemas.microsoft.com/office/drawing/2010/main" val="0"/>
+              </a:ext>
+            </a:extLst>
+          </a:blip>
+          <a:stretch>
+            <a:fillRect/>
+          </a:stretch>
+        </p:blipFill>
+        <p:spPr>
+          <a:xfrm>
+            <a:off x="3403511" y="16690"/>
+            <a:ext cx="6978501" cy="6841310"/>
+          </a:xfrm>
+        </p:spPr>
+      </p:pic>
+    </p:spTree>
+    <p:extLst>
+      <p:ext uri="{BB962C8B-B14F-4D97-AF65-F5344CB8AC3E}">
+        <p14:creationId xmlns:p14="http://schemas.microsoft.com/office/powerpoint/2010/main" val="1585912854"/>
+      </p:ext>
+    </p:extLst>
+  </p:cSld>
+  <p:clrMapOvr>
+    <a:masterClrMapping/>
+  </p:clrMapOvr>
+</p:sld>
+</file>
+
+<file path=ppt/slides/slide18.xml><?xml version="1.0" encoding="utf-8"?>
+<p:sld xmlns:a="http://schemas.openxmlformats.org/drawingml/2006/main" xmlns:r="http://schemas.openxmlformats.org/officeDocument/2006/relationships" xmlns:p="http://schemas.openxmlformats.org/presentationml/2006/main">
+  <p:cSld>
+    <p:spTree>
+      <p:nvGrpSpPr>
+        <p:cNvPr id="1" name=""/>
+        <p:cNvGrpSpPr/>
+        <p:nvPr/>
+      </p:nvGrpSpPr>
+      <p:grpSpPr>
+        <a:xfrm>
+          <a:off x="0" y="0"/>
+          <a:ext cx="0" cy="0"/>
+          <a:chOff x="0" y="0"/>
+          <a:chExt cx="0" cy="0"/>
+        </a:xfrm>
+      </p:grpSpPr>
+      <p:sp>
+        <p:nvSpPr>
+          <p:cNvPr id="2" name="Title 1">
+            <a:extLst>
+              <a:ext uri="{FF2B5EF4-FFF2-40B4-BE49-F238E27FC236}">
+                <a16:creationId xmlns:a16="http://schemas.microsoft.com/office/drawing/2014/main" id="{D3C4D976-477A-494F-AC9D-16F55D7F3D11}"/>
+              </a:ext>
+            </a:extLst>
+          </p:cNvPr>
+          <p:cNvSpPr>
+            <a:spLocks noGrp="1"/>
+          </p:cNvSpPr>
+          <p:nvPr>
+            <p:ph type="title"/>
+          </p:nvPr>
+        </p:nvSpPr>
+        <p:spPr>
+          <a:xfrm>
+            <a:off x="323613" y="211363"/>
+            <a:ext cx="10058400" cy="1609344"/>
+          </a:xfrm>
+        </p:spPr>
+        <p:txBody>
+          <a:bodyPr/>
+          <a:lstStyle/>
+          <a:p>
+            <a:r>
+              <a:rPr lang="en-US" dirty="0"/>
+              <a:t>5 star</a:t>
+            </a:r>
+          </a:p>
+        </p:txBody>
+      </p:sp>
+      <p:pic>
+        <p:nvPicPr>
+          <p:cNvPr id="4" name="Content Placeholder 3" descr="Logo&#10;&#10;Description automatically generated with low confidence">
+            <a:extLst>
+              <a:ext uri="{FF2B5EF4-FFF2-40B4-BE49-F238E27FC236}">
+                <a16:creationId xmlns:a16="http://schemas.microsoft.com/office/drawing/2014/main" id="{8EA88271-1890-8A44-BF85-46E02364E6D9}"/>
+              </a:ext>
+            </a:extLst>
+          </p:cNvPr>
+          <p:cNvPicPr>
+            <a:picLocks noGrp="1" noChangeAspect="1"/>
+          </p:cNvPicPr>
+          <p:nvPr>
+            <p:ph idx="1"/>
+          </p:nvPr>
+        </p:nvPicPr>
+        <p:blipFill>
+          <a:blip r:embed="rId2">
+            <a:extLst>
+              <a:ext uri="{28A0092B-C50C-407E-A947-70E740481C1C}">
+                <a14:useLocalDpi xmlns:a14="http://schemas.microsoft.com/office/drawing/2010/main" val="0"/>
+              </a:ext>
+            </a:extLst>
+          </a:blip>
+          <a:stretch>
+            <a:fillRect/>
+          </a:stretch>
+        </p:blipFill>
+        <p:spPr>
+          <a:xfrm>
+            <a:off x="2611060" y="431753"/>
+            <a:ext cx="9050509" cy="5994494"/>
+          </a:xfrm>
+        </p:spPr>
+      </p:pic>
+    </p:spTree>
+    <p:extLst>
+      <p:ext uri="{BB962C8B-B14F-4D97-AF65-F5344CB8AC3E}">
+        <p14:creationId xmlns:p14="http://schemas.microsoft.com/office/powerpoint/2010/main" val="3913613732"/>
+      </p:ext>
+    </p:extLst>
+  </p:cSld>
+  <p:clrMapOvr>
+    <a:masterClrMapping/>
+  </p:clrMapOvr>
+</p:sld>
+</file>
+
+<file path=ppt/slides/slide19.xml><?xml version="1.0" encoding="utf-8"?>
 <p:sld xmlns:a="http://schemas.openxmlformats.org/drawingml/2006/main" xmlns:r="http://schemas.openxmlformats.org/officeDocument/2006/relationships" xmlns:p="http://schemas.openxmlformats.org/presentationml/2006/main">
   <p:cSld>
     <p:bg>
@@ -6368,7 +6710,7 @@
         </p:nvSpPr>
         <p:spPr>
           <a:xfrm>
-            <a:off x="8156350" y="484631"/>
+            <a:off x="7912246" y="2277119"/>
             <a:ext cx="4203816" cy="1869685"/>
           </a:xfrm>
           <a:ln>
@@ -6724,18 +7066,23 @@
             <p:ph idx="1"/>
           </p:nvPr>
         </p:nvSpPr>
-        <p:spPr/>
+        <p:spPr>
+          <a:xfrm>
+            <a:off x="1063752" y="818336"/>
+            <a:ext cx="10058400" cy="4050792"/>
+          </a:xfrm>
+        </p:spPr>
         <p:txBody>
           <a:bodyPr>
-            <a:normAutofit/>
+            <a:normAutofit lnSpcReduction="10000"/>
           </a:bodyPr>
           <a:lstStyle/>
           <a:p>
-            <a:endParaRPr lang="en-US" altLang="zh-CN" dirty="0"/>
-          </a:p>
-          <a:p>
-            <a:r>
-              <a:rPr lang="en-US" altLang="zh-CN" b="1" dirty="0"/>
+            <a:endParaRPr lang="en-US" altLang="zh-CN" sz="2800" dirty="0"/>
+          </a:p>
+          <a:p>
+            <a:r>
+              <a:rPr lang="en-US" altLang="zh-CN" sz="2800" b="1" dirty="0"/>
               <a:t>Raw data</a:t>
             </a:r>
           </a:p>
@@ -6744,7 +7091,7 @@
               <a:buNone/>
             </a:pPr>
             <a:r>
-              <a:rPr lang="en-US" altLang="zh-CN" dirty="0"/>
+              <a:rPr lang="en-US" altLang="zh-CN" sz="2800" dirty="0"/>
               <a:t>More than 8 millions of review data</a:t>
             </a:r>
           </a:p>
@@ -6753,7 +7100,7 @@
               <a:buNone/>
             </a:pPr>
             <a:r>
-              <a:rPr lang="en-US" altLang="zh-CN" dirty="0"/>
+              <a:rPr lang="en-US" altLang="zh-CN" sz="2800" dirty="0"/>
               <a:t>More than 50 thousands of business data</a:t>
             </a:r>
           </a:p>
@@ -6761,11 +7108,11 @@
             <a:pPr marL="0" indent="0">
               <a:buNone/>
             </a:pPr>
-            <a:endParaRPr lang="en-US" altLang="zh-CN" dirty="0"/>
-          </a:p>
-          <a:p>
-            <a:r>
-              <a:rPr lang="en-US" altLang="zh-CN" b="1" dirty="0"/>
+            <a:endParaRPr lang="en-US" altLang="zh-CN" sz="2800" dirty="0"/>
+          </a:p>
+          <a:p>
+            <a:r>
+              <a:rPr lang="en-US" altLang="zh-CN" sz="2800" b="1" dirty="0"/>
               <a:t>Our goal</a:t>
             </a:r>
           </a:p>
@@ -6774,23 +7121,23 @@
               <a:buNone/>
             </a:pPr>
             <a:r>
-              <a:rPr lang="en-US" altLang="zh-CN" dirty="0"/>
+              <a:rPr lang="en-US" altLang="zh-CN" sz="2800" dirty="0"/>
               <a:t>To</a:t>
             </a:r>
             <a:r>
-              <a:rPr lang="zh-CN" altLang="en-US" dirty="0"/>
+              <a:rPr lang="zh-CN" altLang="en-US" sz="2800" dirty="0"/>
               <a:t> </a:t>
             </a:r>
             <a:r>
-              <a:rPr lang="en-US" altLang="zh-CN" dirty="0"/>
+              <a:rPr lang="en-US" altLang="zh-CN" sz="2800" dirty="0"/>
               <a:t>analyze how customers judge a</a:t>
             </a:r>
             <a:r>
-              <a:rPr lang="zh-CN" altLang="en-US" dirty="0"/>
+              <a:rPr lang="zh-CN" altLang="en-US" sz="2800" dirty="0"/>
               <a:t> </a:t>
             </a:r>
             <a:r>
-              <a:rPr lang="en-US" altLang="zh-CN" dirty="0"/>
+              <a:rPr lang="en-US" altLang="zh-CN" sz="2800" dirty="0"/>
               <a:t>sandwich restaurant. And What are the essential qualities of a good sandwich shop</a:t>
             </a:r>
           </a:p>
@@ -6798,13 +7145,13 @@
             <a:pPr marL="0" indent="0">
               <a:buNone/>
             </a:pPr>
-            <a:endParaRPr lang="en-US" altLang="zh-CN" dirty="0"/>
+            <a:endParaRPr lang="en-US" altLang="zh-CN" sz="2800" dirty="0"/>
           </a:p>
           <a:p>
             <a:pPr marL="0" indent="0">
               <a:buNone/>
             </a:pPr>
-            <a:endParaRPr lang="zh-CN" altLang="en-US" dirty="0"/>
+            <a:endParaRPr lang="zh-CN" altLang="en-US" sz="2800" dirty="0"/>
           </a:p>
         </p:txBody>
       </p:sp>
@@ -6879,13 +7226,20 @@
             <p:ph idx="1"/>
           </p:nvPr>
         </p:nvSpPr>
-        <p:spPr/>
-        <p:txBody>
-          <a:bodyPr/>
+        <p:spPr>
+          <a:xfrm>
+            <a:off x="1066800" y="1289304"/>
+            <a:ext cx="10058400" cy="4050792"/>
+          </a:xfrm>
+        </p:spPr>
+        <p:txBody>
+          <a:bodyPr>
+            <a:normAutofit/>
+          </a:bodyPr>
           <a:lstStyle/>
           <a:p>
             <a:r>
-              <a:rPr lang="en-US" altLang="zh-CN" b="1" dirty="0"/>
+              <a:rPr lang="en-US" altLang="zh-CN" sz="2800" b="1" dirty="0"/>
               <a:t>Data clean process</a:t>
             </a:r>
           </a:p>
@@ -6894,7 +7248,7 @@
               <a:buNone/>
             </a:pPr>
             <a:r>
-              <a:rPr lang="en-US" altLang="zh-CN" dirty="0"/>
+              <a:rPr lang="en-US" altLang="zh-CN" sz="2800" dirty="0"/>
               <a:t>1. Filtering all restaurants which categories include sandwich.</a:t>
             </a:r>
           </a:p>
@@ -6903,7 +7257,7 @@
               <a:buNone/>
             </a:pPr>
             <a:r>
-              <a:rPr lang="en-US" altLang="zh-CN" dirty="0"/>
+              <a:rPr lang="en-US" altLang="zh-CN" sz="2800" dirty="0"/>
               <a:t>2. Filtering out the review data of the sandwich restaurants.</a:t>
             </a:r>
           </a:p>
@@ -6912,7 +7266,7 @@
               <a:buNone/>
             </a:pPr>
             <a:r>
-              <a:rPr lang="en-US" altLang="zh-CN" dirty="0"/>
+              <a:rPr lang="en-US" altLang="zh-CN" sz="2800" dirty="0"/>
               <a:t>3. Join these two parts of data and do further analysis.</a:t>
             </a:r>
           </a:p>
@@ -6920,11 +7274,11 @@
             <a:pPr marL="0" indent="0">
               <a:buNone/>
             </a:pPr>
-            <a:endParaRPr lang="en-US" altLang="zh-CN" dirty="0"/>
-          </a:p>
-          <a:p>
-            <a:r>
-              <a:rPr lang="en-US" altLang="zh-CN" b="1" dirty="0"/>
+            <a:endParaRPr lang="en-US" altLang="zh-CN" sz="2800" dirty="0"/>
+          </a:p>
+          <a:p>
+            <a:r>
+              <a:rPr lang="en-US" altLang="zh-CN" sz="2800" b="1" dirty="0"/>
               <a:t>Result</a:t>
             </a:r>
           </a:p>
@@ -6933,7 +7287,7 @@
               <a:buNone/>
             </a:pPr>
             <a:r>
-              <a:rPr lang="en-US" altLang="zh-CN" dirty="0"/>
+              <a:rPr lang="en-US" altLang="zh-CN" sz="2800" dirty="0"/>
               <a:t>4795 business &amp; approximately 1 million reviews</a:t>
             </a:r>
           </a:p>
@@ -6941,7 +7295,7 @@
             <a:pPr marL="0" indent="0">
               <a:buNone/>
             </a:pPr>
-            <a:endParaRPr lang="zh-CN" altLang="en-US" dirty="0"/>
+            <a:endParaRPr lang="zh-CN" altLang="en-US" sz="2800" dirty="0"/>
           </a:p>
         </p:txBody>
       </p:sp>

--- a/presentationYelpAnalysis.pptx
+++ b/presentationYelpAnalysis.pptx
@@ -5,7 +5,7 @@
     <p:sldMasterId id="2147483696" r:id="rId1"/>
   </p:sldMasterIdLst>
   <p:notesMasterIdLst>
-    <p:notesMasterId r:id="rId21"/>
+    <p:notesMasterId r:id="rId22"/>
   </p:notesMasterIdLst>
   <p:sldIdLst>
     <p:sldId id="256" r:id="rId2"/>
@@ -16,17 +16,18 @@
     <p:sldId id="262" r:id="rId7"/>
     <p:sldId id="261" r:id="rId8"/>
     <p:sldId id="267" r:id="rId9"/>
-    <p:sldId id="268" r:id="rId10"/>
-    <p:sldId id="263" r:id="rId11"/>
-    <p:sldId id="264" r:id="rId12"/>
-    <p:sldId id="266" r:id="rId13"/>
-    <p:sldId id="270" r:id="rId14"/>
-    <p:sldId id="271" r:id="rId15"/>
-    <p:sldId id="276" r:id="rId16"/>
-    <p:sldId id="280" r:id="rId17"/>
-    <p:sldId id="281" r:id="rId18"/>
-    <p:sldId id="282" r:id="rId19"/>
-    <p:sldId id="273" r:id="rId20"/>
+    <p:sldId id="263" r:id="rId10"/>
+    <p:sldId id="264" r:id="rId11"/>
+    <p:sldId id="268" r:id="rId12"/>
+    <p:sldId id="271" r:id="rId13"/>
+    <p:sldId id="276" r:id="rId14"/>
+    <p:sldId id="280" r:id="rId15"/>
+    <p:sldId id="281" r:id="rId16"/>
+    <p:sldId id="282" r:id="rId17"/>
+    <p:sldId id="266" r:id="rId18"/>
+    <p:sldId id="283" r:id="rId19"/>
+    <p:sldId id="270" r:id="rId20"/>
+    <p:sldId id="273" r:id="rId21"/>
   </p:sldIdLst>
   <p:sldSz cx="12192000" cy="6858000"/>
   <p:notesSz cx="6858000" cy="9144000"/>
@@ -138,16 +139,17 @@
             <p14:sldId id="262"/>
             <p14:sldId id="261"/>
             <p14:sldId id="267"/>
-            <p14:sldId id="268"/>
             <p14:sldId id="263"/>
             <p14:sldId id="264"/>
-            <p14:sldId id="266"/>
-            <p14:sldId id="270"/>
+            <p14:sldId id="268"/>
             <p14:sldId id="271"/>
             <p14:sldId id="276"/>
             <p14:sldId id="280"/>
             <p14:sldId id="281"/>
             <p14:sldId id="282"/>
+            <p14:sldId id="266"/>
+            <p14:sldId id="283"/>
+            <p14:sldId id="270"/>
             <p14:sldId id="273"/>
           </p14:sldIdLst>
         </p14:section>
@@ -253,7 +255,7 @@
           <a:p>
             <a:fld id="{ABBD1E41-8920-904F-9D5B-0E5D6C4E870C}" type="datetimeFigureOut">
               <a:rPr lang="en-US" smtClean="0"/>
-              <a:t>11/15/21</a:t>
+              <a:t>11/16/21</a:t>
             </a:fld>
             <a:endParaRPr lang="en-US"/>
           </a:p>
@@ -1193,7 +1195,7 @@
           <a:p>
             <a:fld id="{F7549EF9-35FF-4553-97D0-F54BA5A5BF1D}" type="datetimeFigureOut">
               <a:rPr lang="zh-CN" altLang="en-US" smtClean="0"/>
-              <a:t>2021/11/15</a:t>
+              <a:t>2021/11/16</a:t>
             </a:fld>
             <a:endParaRPr lang="zh-CN" altLang="en-US"/>
           </a:p>
@@ -1370,7 +1372,7 @@
           <a:p>
             <a:fld id="{F7549EF9-35FF-4553-97D0-F54BA5A5BF1D}" type="datetimeFigureOut">
               <a:rPr lang="zh-CN" altLang="en-US" smtClean="0"/>
-              <a:t>2021/11/15</a:t>
+              <a:t>2021/11/16</a:t>
             </a:fld>
             <a:endParaRPr lang="zh-CN" altLang="en-US"/>
           </a:p>
@@ -1550,7 +1552,7 @@
           <a:p>
             <a:fld id="{F7549EF9-35FF-4553-97D0-F54BA5A5BF1D}" type="datetimeFigureOut">
               <a:rPr lang="zh-CN" altLang="en-US" smtClean="0"/>
-              <a:t>2021/11/15</a:t>
+              <a:t>2021/11/16</a:t>
             </a:fld>
             <a:endParaRPr lang="zh-CN" altLang="en-US"/>
           </a:p>
@@ -1720,7 +1722,7 @@
           <a:p>
             <a:fld id="{F7549EF9-35FF-4553-97D0-F54BA5A5BF1D}" type="datetimeFigureOut">
               <a:rPr lang="zh-CN" altLang="en-US" smtClean="0"/>
-              <a:t>2021/11/15</a:t>
+              <a:t>2021/11/16</a:t>
             </a:fld>
             <a:endParaRPr lang="zh-CN" altLang="en-US"/>
           </a:p>
@@ -2041,7 +2043,7 @@
           <a:p>
             <a:fld id="{F7549EF9-35FF-4553-97D0-F54BA5A5BF1D}" type="datetimeFigureOut">
               <a:rPr lang="zh-CN" altLang="en-US" smtClean="0"/>
-              <a:t>2021/11/15</a:t>
+              <a:t>2021/11/16</a:t>
             </a:fld>
             <a:endParaRPr lang="zh-CN" altLang="en-US"/>
           </a:p>
@@ -2501,7 +2503,7 @@
           <a:p>
             <a:fld id="{F7549EF9-35FF-4553-97D0-F54BA5A5BF1D}" type="datetimeFigureOut">
               <a:rPr lang="zh-CN" altLang="en-US" smtClean="0"/>
-              <a:t>2021/11/15</a:t>
+              <a:t>2021/11/16</a:t>
             </a:fld>
             <a:endParaRPr lang="zh-CN" altLang="en-US"/>
           </a:p>
@@ -2912,7 +2914,7 @@
           <a:p>
             <a:fld id="{F7549EF9-35FF-4553-97D0-F54BA5A5BF1D}" type="datetimeFigureOut">
               <a:rPr lang="zh-CN" altLang="en-US" smtClean="0"/>
-              <a:t>2021/11/15</a:t>
+              <a:t>2021/11/16</a:t>
             </a:fld>
             <a:endParaRPr lang="zh-CN" altLang="en-US"/>
           </a:p>
@@ -3030,7 +3032,7 @@
           <a:p>
             <a:fld id="{F7549EF9-35FF-4553-97D0-F54BA5A5BF1D}" type="datetimeFigureOut">
               <a:rPr lang="zh-CN" altLang="en-US" smtClean="0"/>
-              <a:t>2021/11/15</a:t>
+              <a:t>2021/11/16</a:t>
             </a:fld>
             <a:endParaRPr lang="zh-CN" altLang="en-US"/>
           </a:p>
@@ -3147,7 +3149,7 @@
           <a:p>
             <a:fld id="{F7549EF9-35FF-4553-97D0-F54BA5A5BF1D}" type="datetimeFigureOut">
               <a:rPr lang="zh-CN" altLang="en-US" smtClean="0"/>
-              <a:t>2021/11/15</a:t>
+              <a:t>2021/11/16</a:t>
             </a:fld>
             <a:endParaRPr lang="zh-CN" altLang="en-US"/>
           </a:p>
@@ -3505,7 +3507,7 @@
           <a:p>
             <a:fld id="{F7549EF9-35FF-4553-97D0-F54BA5A5BF1D}" type="datetimeFigureOut">
               <a:rPr lang="zh-CN" altLang="en-US" smtClean="0"/>
-              <a:t>2021/11/15</a:t>
+              <a:t>2021/11/16</a:t>
             </a:fld>
             <a:endParaRPr lang="zh-CN" altLang="en-US"/>
           </a:p>
@@ -4012,7 +4014,7 @@
           <a:p>
             <a:fld id="{F7549EF9-35FF-4553-97D0-F54BA5A5BF1D}" type="datetimeFigureOut">
               <a:rPr lang="zh-CN" altLang="en-US" smtClean="0"/>
-              <a:t>2021/11/15</a:t>
+              <a:t>2021/11/16</a:t>
             </a:fld>
             <a:endParaRPr lang="zh-CN" altLang="en-US"/>
           </a:p>
@@ -4367,7 +4369,7 @@
           <a:p>
             <a:fld id="{F7549EF9-35FF-4553-97D0-F54BA5A5BF1D}" type="datetimeFigureOut">
               <a:rPr lang="zh-CN" altLang="en-US" smtClean="0"/>
-              <a:t>2021/11/15</a:t>
+              <a:t>2021/11/16</a:t>
             </a:fld>
             <a:endParaRPr lang="zh-CN" altLang="en-US"/>
           </a:p>
@@ -5165,7 +5167,7 @@
           <p:cNvPr id="2" name="标题 1">
             <a:extLst>
               <a:ext uri="{FF2B5EF4-FFF2-40B4-BE49-F238E27FC236}">
-                <a16:creationId xmlns:a16="http://schemas.microsoft.com/office/drawing/2014/main" id="{4A8738D8-0579-4A8E-9977-6ECB1FC5E291}"/>
+                <a16:creationId xmlns:a16="http://schemas.microsoft.com/office/drawing/2014/main" id="{13D70089-230A-428E-9C46-0C926EBA337E}"/>
               </a:ext>
             </a:extLst>
           </p:cNvPr>
@@ -5178,8 +5180,8 @@
         </p:nvSpPr>
         <p:spPr>
           <a:xfrm>
-            <a:off x="1063752" y="1209846"/>
-            <a:ext cx="10058400" cy="1609344"/>
+            <a:off x="1069847" y="484632"/>
+            <a:ext cx="11296323" cy="1609344"/>
           </a:xfrm>
         </p:spPr>
         <p:txBody>
@@ -5190,405 +5192,11 @@
           <a:p>
             <a:r>
               <a:rPr lang="en-US" altLang="zh-CN" dirty="0"/>
-              <a:t>Top 10 most ‘popular’ sandwich restaurants</a:t>
+              <a:t>The distribution of reviews scores</a:t>
             </a:r>
             <a:br>
               <a:rPr lang="en-US" altLang="zh-CN" dirty="0"/>
             </a:br>
-            <a:br>
-              <a:rPr lang="en-US" altLang="zh-CN" dirty="0"/>
-            </a:br>
-            <a:br>
-              <a:rPr lang="zh-CN" altLang="en-US" dirty="0"/>
-            </a:br>
-            <a:endParaRPr lang="zh-CN" altLang="en-US" dirty="0"/>
-          </a:p>
-        </p:txBody>
-      </p:sp>
-      <p:sp>
-        <p:nvSpPr>
-          <p:cNvPr id="3" name="内容占位符 2">
-            <a:extLst>
-              <a:ext uri="{FF2B5EF4-FFF2-40B4-BE49-F238E27FC236}">
-                <a16:creationId xmlns:a16="http://schemas.microsoft.com/office/drawing/2014/main" id="{54901F14-9EE1-422D-BE10-D2069219EF01}"/>
-              </a:ext>
-            </a:extLst>
-          </p:cNvPr>
-          <p:cNvSpPr>
-            <a:spLocks noGrp="1"/>
-          </p:cNvSpPr>
-          <p:nvPr>
-            <p:ph idx="1"/>
-          </p:nvPr>
-        </p:nvSpPr>
-        <p:spPr>
-          <a:xfrm>
-            <a:off x="1063752" y="1403604"/>
-            <a:ext cx="10058400" cy="4050792"/>
-          </a:xfrm>
-        </p:spPr>
-        <p:txBody>
-          <a:bodyPr/>
-          <a:lstStyle/>
-          <a:p>
-            <a:pPr marL="0" indent="0">
-              <a:buNone/>
-            </a:pPr>
-            <a:endParaRPr lang="zh-CN" altLang="en-US" dirty="0"/>
-          </a:p>
-        </p:txBody>
-      </p:sp>
-      <p:pic>
-        <p:nvPicPr>
-          <p:cNvPr id="5" name="图片 4">
-            <a:extLst>
-              <a:ext uri="{FF2B5EF4-FFF2-40B4-BE49-F238E27FC236}">
-                <a16:creationId xmlns:a16="http://schemas.microsoft.com/office/drawing/2014/main" id="{D0A92899-D98A-43E4-8092-88E01431E298}"/>
-              </a:ext>
-            </a:extLst>
-          </p:cNvPr>
-          <p:cNvPicPr>
-            <a:picLocks noChangeAspect="1"/>
-          </p:cNvPicPr>
-          <p:nvPr/>
-        </p:nvPicPr>
-        <p:blipFill>
-          <a:blip r:embed="rId2"/>
-          <a:stretch>
-            <a:fillRect/>
-          </a:stretch>
-        </p:blipFill>
-        <p:spPr>
-          <a:xfrm>
-            <a:off x="2595667" y="2465334"/>
-            <a:ext cx="5367142" cy="3940835"/>
-          </a:xfrm>
-          <a:prstGeom prst="rect">
-            <a:avLst/>
-          </a:prstGeom>
-        </p:spPr>
-      </p:pic>
-      <p:graphicFrame>
-        <p:nvGraphicFramePr>
-          <p:cNvPr id="8" name="表格 8">
-            <a:extLst>
-              <a:ext uri="{FF2B5EF4-FFF2-40B4-BE49-F238E27FC236}">
-                <a16:creationId xmlns:a16="http://schemas.microsoft.com/office/drawing/2014/main" id="{93B655E2-B357-40A7-84E6-D95C43D62300}"/>
-              </a:ext>
-            </a:extLst>
-          </p:cNvPr>
-          <p:cNvGraphicFramePr>
-            <a:graphicFrameLocks noGrp="1"/>
-          </p:cNvGraphicFramePr>
-          <p:nvPr>
-            <p:extLst>
-              <p:ext uri="{D42A27DB-BD31-4B8C-83A1-F6EECF244321}">
-                <p14:modId xmlns:p14="http://schemas.microsoft.com/office/powerpoint/2010/main" val="2108551396"/>
-              </p:ext>
-            </p:extLst>
-          </p:nvPr>
-        </p:nvGraphicFramePr>
-        <p:xfrm>
-          <a:off x="8070585" y="2465334"/>
-          <a:ext cx="1016854" cy="3946240"/>
-        </p:xfrm>
-        <a:graphic>
-          <a:graphicData uri="http://schemas.openxmlformats.org/drawingml/2006/table">
-            <a:tbl>
-              <a:tblPr bandRow="1">
-                <a:tableStyleId>{3B4B98B0-60AC-42C2-AFA5-B58CD77FA1E5}</a:tableStyleId>
-              </a:tblPr>
-              <a:tblGrid>
-                <a:gridCol w="1016854">
-                  <a:extLst>
-                    <a:ext uri="{9D8B030D-6E8A-4147-A177-3AD203B41FA5}">
-                      <a16:colId xmlns:a16="http://schemas.microsoft.com/office/drawing/2014/main" val="404760539"/>
-                    </a:ext>
-                  </a:extLst>
-                </a:gridCol>
-              </a:tblGrid>
-              <a:tr h="394624">
-                <a:tc>
-                  <a:txBody>
-                    <a:bodyPr/>
-                    <a:lstStyle/>
-                    <a:p>
-                      <a:pPr marL="0" marR="0" lvl="0" indent="0" algn="l" defTabSz="914400" rtl="0" eaLnBrk="1" fontAlgn="auto" latinLnBrk="0" hangingPunct="1">
-                        <a:lnSpc>
-                          <a:spcPct val="100000"/>
-                        </a:lnSpc>
-                        <a:spcBef>
-                          <a:spcPts val="0"/>
-                        </a:spcBef>
-                        <a:spcAft>
-                          <a:spcPts val="0"/>
-                        </a:spcAft>
-                        <a:buClrTx/>
-                        <a:buSzTx/>
-                        <a:buFontTx/>
-                        <a:buNone/>
-                        <a:tabLst/>
-                        <a:defRPr/>
-                      </a:pPr>
-                      <a:r>
-                        <a:rPr lang="en-US" altLang="zh-CN" dirty="0"/>
-                        <a:t>2.55</a:t>
-                      </a:r>
-                      <a:endParaRPr lang="zh-CN" altLang="en-US" dirty="0"/>
-                    </a:p>
-                  </a:txBody>
-                  <a:tcPr/>
-                </a:tc>
-                <a:extLst>
-                  <a:ext uri="{0D108BD9-81ED-4DB2-BD59-A6C34878D82A}">
-                    <a16:rowId xmlns:a16="http://schemas.microsoft.com/office/drawing/2014/main" val="2698244816"/>
-                  </a:ext>
-                </a:extLst>
-              </a:tr>
-              <a:tr h="394624">
-                <a:tc>
-                  <a:txBody>
-                    <a:bodyPr/>
-                    <a:lstStyle/>
-                    <a:p>
-                      <a:r>
-                        <a:rPr lang="en-US" altLang="zh-CN" dirty="0"/>
-                        <a:t>4.2</a:t>
-                      </a:r>
-                      <a:endParaRPr lang="zh-CN" altLang="en-US" dirty="0"/>
-                    </a:p>
-                  </a:txBody>
-                  <a:tcPr/>
-                </a:tc>
-                <a:extLst>
-                  <a:ext uri="{0D108BD9-81ED-4DB2-BD59-A6C34878D82A}">
-                    <a16:rowId xmlns:a16="http://schemas.microsoft.com/office/drawing/2014/main" val="1442946284"/>
-                  </a:ext>
-                </a:extLst>
-              </a:tr>
-              <a:tr h="394624">
-                <a:tc>
-                  <a:txBody>
-                    <a:bodyPr/>
-                    <a:lstStyle/>
-                    <a:p>
-                      <a:r>
-                        <a:rPr lang="en-US" altLang="zh-CN" dirty="0"/>
-                        <a:t>2.6</a:t>
-                      </a:r>
-                      <a:endParaRPr lang="zh-CN" altLang="en-US" dirty="0"/>
-                    </a:p>
-                  </a:txBody>
-                  <a:tcPr/>
-                </a:tc>
-                <a:extLst>
-                  <a:ext uri="{0D108BD9-81ED-4DB2-BD59-A6C34878D82A}">
-                    <a16:rowId xmlns:a16="http://schemas.microsoft.com/office/drawing/2014/main" val="657547598"/>
-                  </a:ext>
-                </a:extLst>
-              </a:tr>
-              <a:tr h="394624">
-                <a:tc>
-                  <a:txBody>
-                    <a:bodyPr/>
-                    <a:lstStyle/>
-                    <a:p>
-                      <a:r>
-                        <a:rPr lang="en-US" altLang="zh-CN" dirty="0"/>
-                        <a:t>2.39</a:t>
-                      </a:r>
-                      <a:endParaRPr lang="zh-CN" altLang="en-US" dirty="0"/>
-                    </a:p>
-                  </a:txBody>
-                  <a:tcPr/>
-                </a:tc>
-                <a:extLst>
-                  <a:ext uri="{0D108BD9-81ED-4DB2-BD59-A6C34878D82A}">
-                    <a16:rowId xmlns:a16="http://schemas.microsoft.com/office/drawing/2014/main" val="4205071382"/>
-                  </a:ext>
-                </a:extLst>
-              </a:tr>
-              <a:tr h="394624">
-                <a:tc>
-                  <a:txBody>
-                    <a:bodyPr/>
-                    <a:lstStyle/>
-                    <a:p>
-                      <a:r>
-                        <a:rPr lang="en-US" altLang="zh-CN" dirty="0"/>
-                        <a:t>4.5</a:t>
-                      </a:r>
-                      <a:endParaRPr lang="zh-CN" altLang="en-US" dirty="0"/>
-                    </a:p>
-                  </a:txBody>
-                  <a:tcPr/>
-                </a:tc>
-                <a:extLst>
-                  <a:ext uri="{0D108BD9-81ED-4DB2-BD59-A6C34878D82A}">
-                    <a16:rowId xmlns:a16="http://schemas.microsoft.com/office/drawing/2014/main" val="4032911595"/>
-                  </a:ext>
-                </a:extLst>
-              </a:tr>
-              <a:tr h="394624">
-                <a:tc>
-                  <a:txBody>
-                    <a:bodyPr/>
-                    <a:lstStyle/>
-                    <a:p>
-                      <a:r>
-                        <a:rPr lang="en-US" altLang="zh-CN" dirty="0"/>
-                        <a:t>4.5</a:t>
-                      </a:r>
-                      <a:endParaRPr lang="zh-CN" altLang="en-US" dirty="0"/>
-                    </a:p>
-                  </a:txBody>
-                  <a:tcPr/>
-                </a:tc>
-                <a:extLst>
-                  <a:ext uri="{0D108BD9-81ED-4DB2-BD59-A6C34878D82A}">
-                    <a16:rowId xmlns:a16="http://schemas.microsoft.com/office/drawing/2014/main" val="4085285308"/>
-                  </a:ext>
-                </a:extLst>
-              </a:tr>
-              <a:tr h="394624">
-                <a:tc>
-                  <a:txBody>
-                    <a:bodyPr/>
-                    <a:lstStyle/>
-                    <a:p>
-                      <a:r>
-                        <a:rPr lang="en-US" altLang="zh-CN" dirty="0"/>
-                        <a:t>2.76</a:t>
-                      </a:r>
-                      <a:endParaRPr lang="zh-CN" altLang="en-US" dirty="0"/>
-                    </a:p>
-                  </a:txBody>
-                  <a:tcPr/>
-                </a:tc>
-                <a:extLst>
-                  <a:ext uri="{0D108BD9-81ED-4DB2-BD59-A6C34878D82A}">
-                    <a16:rowId xmlns:a16="http://schemas.microsoft.com/office/drawing/2014/main" val="3847977367"/>
-                  </a:ext>
-                </a:extLst>
-              </a:tr>
-              <a:tr h="394624">
-                <a:tc>
-                  <a:txBody>
-                    <a:bodyPr/>
-                    <a:lstStyle/>
-                    <a:p>
-                      <a:r>
-                        <a:rPr lang="en-US" altLang="zh-CN" dirty="0"/>
-                        <a:t>4.5</a:t>
-                      </a:r>
-                      <a:endParaRPr lang="zh-CN" altLang="en-US" dirty="0"/>
-                    </a:p>
-                  </a:txBody>
-                  <a:tcPr/>
-                </a:tc>
-                <a:extLst>
-                  <a:ext uri="{0D108BD9-81ED-4DB2-BD59-A6C34878D82A}">
-                    <a16:rowId xmlns:a16="http://schemas.microsoft.com/office/drawing/2014/main" val="2539887607"/>
-                  </a:ext>
-                </a:extLst>
-              </a:tr>
-              <a:tr h="394624">
-                <a:tc>
-                  <a:txBody>
-                    <a:bodyPr/>
-                    <a:lstStyle/>
-                    <a:p>
-                      <a:r>
-                        <a:rPr lang="en-US" altLang="zh-CN" dirty="0"/>
-                        <a:t>4.25</a:t>
-                      </a:r>
-                      <a:endParaRPr lang="zh-CN" altLang="en-US" dirty="0"/>
-                    </a:p>
-                  </a:txBody>
-                  <a:tcPr/>
-                </a:tc>
-                <a:extLst>
-                  <a:ext uri="{0D108BD9-81ED-4DB2-BD59-A6C34878D82A}">
-                    <a16:rowId xmlns:a16="http://schemas.microsoft.com/office/drawing/2014/main" val="1141455472"/>
-                  </a:ext>
-                </a:extLst>
-              </a:tr>
-              <a:tr h="394624">
-                <a:tc>
-                  <a:txBody>
-                    <a:bodyPr/>
-                    <a:lstStyle/>
-                    <a:p>
-                      <a:r>
-                        <a:rPr lang="en-US" altLang="zh-CN" dirty="0"/>
-                        <a:t>4.0</a:t>
-                      </a:r>
-                      <a:endParaRPr lang="zh-CN" altLang="en-US" dirty="0"/>
-                    </a:p>
-                  </a:txBody>
-                  <a:tcPr/>
-                </a:tc>
-                <a:extLst>
-                  <a:ext uri="{0D108BD9-81ED-4DB2-BD59-A6C34878D82A}">
-                    <a16:rowId xmlns:a16="http://schemas.microsoft.com/office/drawing/2014/main" val="3085991822"/>
-                  </a:ext>
-                </a:extLst>
-              </a:tr>
-            </a:tbl>
-          </a:graphicData>
-        </a:graphic>
-      </p:graphicFrame>
-    </p:spTree>
-    <p:extLst>
-      <p:ext uri="{BB962C8B-B14F-4D97-AF65-F5344CB8AC3E}">
-        <p14:creationId xmlns:p14="http://schemas.microsoft.com/office/powerpoint/2010/main" val="3830056440"/>
-      </p:ext>
-    </p:extLst>
-  </p:cSld>
-  <p:clrMapOvr>
-    <a:masterClrMapping/>
-  </p:clrMapOvr>
-</p:sld>
-</file>
-
-<file path=ppt/slides/slide11.xml><?xml version="1.0" encoding="utf-8"?>
-<p:sld xmlns:a="http://schemas.openxmlformats.org/drawingml/2006/main" xmlns:r="http://schemas.openxmlformats.org/officeDocument/2006/relationships" xmlns:p="http://schemas.openxmlformats.org/presentationml/2006/main">
-  <p:cSld>
-    <p:spTree>
-      <p:nvGrpSpPr>
-        <p:cNvPr id="1" name=""/>
-        <p:cNvGrpSpPr/>
-        <p:nvPr/>
-      </p:nvGrpSpPr>
-      <p:grpSpPr>
-        <a:xfrm>
-          <a:off x="0" y="0"/>
-          <a:ext cx="0" cy="0"/>
-          <a:chOff x="0" y="0"/>
-          <a:chExt cx="0" cy="0"/>
-        </a:xfrm>
-      </p:grpSpPr>
-      <p:sp>
-        <p:nvSpPr>
-          <p:cNvPr id="2" name="标题 1">
-            <a:extLst>
-              <a:ext uri="{FF2B5EF4-FFF2-40B4-BE49-F238E27FC236}">
-                <a16:creationId xmlns:a16="http://schemas.microsoft.com/office/drawing/2014/main" id="{13D70089-230A-428E-9C46-0C926EBA337E}"/>
-              </a:ext>
-            </a:extLst>
-          </p:cNvPr>
-          <p:cNvSpPr>
-            <a:spLocks noGrp="1"/>
-          </p:cNvSpPr>
-          <p:nvPr>
-            <p:ph type="title"/>
-          </p:nvPr>
-        </p:nvSpPr>
-        <p:spPr/>
-        <p:txBody>
-          <a:bodyPr/>
-          <a:lstStyle/>
-          <a:p>
             <a:endParaRPr lang="zh-CN" altLang="en-US" dirty="0"/>
           </a:p>
         </p:txBody>
@@ -5611,7 +5219,7 @@
         </p:nvSpPr>
         <p:spPr>
           <a:xfrm>
-            <a:off x="1213945" y="746945"/>
+            <a:off x="1069847" y="1617802"/>
             <a:ext cx="10058400" cy="4050792"/>
           </a:xfrm>
         </p:spPr>
@@ -5621,16 +5229,7 @@
           <a:p>
             <a:r>
               <a:rPr lang="en-US" altLang="zh-CN" dirty="0"/>
-              <a:t>Top 10 most popular 5-star sandwich restaurants</a:t>
-            </a:r>
-          </a:p>
-          <a:p>
-            <a:pPr marL="0" indent="0">
-              <a:buNone/>
-            </a:pPr>
-            <a:r>
-              <a:rPr lang="en-US" altLang="zh-CN" dirty="0"/>
-              <a:t>  5-star restaurants are all small size</a:t>
+              <a:t>5-star restaurants are all small size</a:t>
             </a:r>
           </a:p>
         </p:txBody>
@@ -5678,7 +5277,690 @@
 </p:sld>
 </file>
 
+<file path=ppt/slides/slide11.xml><?xml version="1.0" encoding="utf-8"?>
+<p:sld xmlns:a="http://schemas.openxmlformats.org/drawingml/2006/main" xmlns:r="http://schemas.openxmlformats.org/officeDocument/2006/relationships" xmlns:p="http://schemas.openxmlformats.org/presentationml/2006/main">
+  <p:cSld>
+    <p:spTree>
+      <p:nvGrpSpPr>
+        <p:cNvPr id="1" name=""/>
+        <p:cNvGrpSpPr/>
+        <p:nvPr/>
+      </p:nvGrpSpPr>
+      <p:grpSpPr>
+        <a:xfrm>
+          <a:off x="0" y="0"/>
+          <a:ext cx="0" cy="0"/>
+          <a:chOff x="0" y="0"/>
+          <a:chExt cx="0" cy="0"/>
+        </a:xfrm>
+      </p:grpSpPr>
+      <p:sp>
+        <p:nvSpPr>
+          <p:cNvPr id="2" name="标题 1">
+            <a:extLst>
+              <a:ext uri="{FF2B5EF4-FFF2-40B4-BE49-F238E27FC236}">
+                <a16:creationId xmlns:a16="http://schemas.microsoft.com/office/drawing/2014/main" id="{FA0E222C-A419-4BCF-B774-32874D708DAD}"/>
+              </a:ext>
+            </a:extLst>
+          </p:cNvPr>
+          <p:cNvSpPr>
+            <a:spLocks noGrp="1"/>
+          </p:cNvSpPr>
+          <p:nvPr>
+            <p:ph type="title"/>
+          </p:nvPr>
+        </p:nvSpPr>
+        <p:spPr/>
+        <p:txBody>
+          <a:bodyPr/>
+          <a:lstStyle/>
+          <a:p>
+            <a:r>
+              <a:rPr lang="en-US" altLang="zh-CN" dirty="0"/>
+              <a:t>Customers are</a:t>
+            </a:r>
+            <a:r>
+              <a:rPr lang="zh-CN" altLang="en-US" dirty="0"/>
+              <a:t> </a:t>
+            </a:r>
+            <a:r>
+              <a:rPr lang="en-US" altLang="zh-CN" dirty="0"/>
+              <a:t>“mean”</a:t>
+            </a:r>
+            <a:r>
+              <a:rPr lang="zh-CN" altLang="en-US" dirty="0"/>
+              <a:t> </a:t>
+            </a:r>
+            <a:endParaRPr lang="en-US" altLang="zh-CN" dirty="0"/>
+          </a:p>
+        </p:txBody>
+      </p:sp>
+      <p:sp>
+        <p:nvSpPr>
+          <p:cNvPr id="3" name="内容占位符 2">
+            <a:extLst>
+              <a:ext uri="{FF2B5EF4-FFF2-40B4-BE49-F238E27FC236}">
+                <a16:creationId xmlns:a16="http://schemas.microsoft.com/office/drawing/2014/main" id="{FA52904C-1732-424D-A93A-2E288C902A9B}"/>
+              </a:ext>
+            </a:extLst>
+          </p:cNvPr>
+          <p:cNvSpPr>
+            <a:spLocks noGrp="1"/>
+          </p:cNvSpPr>
+          <p:nvPr>
+            <p:ph idx="1"/>
+          </p:nvPr>
+        </p:nvSpPr>
+        <p:spPr/>
+        <p:txBody>
+          <a:bodyPr/>
+          <a:lstStyle/>
+          <a:p>
+            <a:endParaRPr lang="en-US" altLang="zh-CN" dirty="0"/>
+          </a:p>
+          <a:p>
+            <a:pPr marL="0" indent="0">
+              <a:buNone/>
+            </a:pPr>
+            <a:r>
+              <a:rPr lang="en-US" altLang="zh-CN" dirty="0"/>
+              <a:t>166 customers gave one-star stores with a five-star review </a:t>
+            </a:r>
+          </a:p>
+          <a:p>
+            <a:pPr marL="0" indent="0">
+              <a:buNone/>
+            </a:pPr>
+            <a:r>
+              <a:rPr lang="en-US" altLang="zh-CN" dirty="0"/>
+              <a:t>5,190 customers gave five-star stores with a one-star review.</a:t>
+            </a:r>
+            <a:endParaRPr lang="zh-CN" altLang="en-US" dirty="0"/>
+          </a:p>
+        </p:txBody>
+      </p:sp>
+      <p:sp>
+        <p:nvSpPr>
+          <p:cNvPr id="4" name="Rectangle 3">
+            <a:extLst>
+              <a:ext uri="{FF2B5EF4-FFF2-40B4-BE49-F238E27FC236}">
+                <a16:creationId xmlns:a16="http://schemas.microsoft.com/office/drawing/2014/main" id="{10B9B722-F755-D84B-9DAF-A428C1F05E92}"/>
+              </a:ext>
+            </a:extLst>
+          </p:cNvPr>
+          <p:cNvSpPr/>
+          <p:nvPr/>
+        </p:nvSpPr>
+        <p:spPr>
+          <a:xfrm>
+            <a:off x="1063752" y="4073232"/>
+            <a:ext cx="8061435" cy="1754326"/>
+          </a:xfrm>
+          <a:prstGeom prst="rect">
+            <a:avLst/>
+          </a:prstGeom>
+        </p:spPr>
+        <p:txBody>
+          <a:bodyPr wrap="square">
+            <a:spAutoFit/>
+          </a:bodyPr>
+          <a:lstStyle/>
+          <a:p>
+            <a:r>
+              <a:rPr lang="en-US" altLang="zh-CN" dirty="0"/>
+              <a:t>Work</a:t>
+            </a:r>
+            <a:r>
+              <a:rPr lang="zh-CN" altLang="en-US" dirty="0"/>
+              <a:t> </a:t>
+            </a:r>
+            <a:r>
+              <a:rPr lang="en-US" altLang="zh-CN" dirty="0"/>
+              <a:t>TODO:</a:t>
+            </a:r>
+            <a:r>
+              <a:rPr lang="zh-CN" altLang="en-US" dirty="0"/>
+              <a:t> </a:t>
+            </a:r>
+            <a:r>
+              <a:rPr lang="en-US" altLang="zh-CN" dirty="0"/>
+              <a:t>Explore key words of giving good and bad reviews:</a:t>
+            </a:r>
+          </a:p>
+          <a:p>
+            <a:endParaRPr lang="en-US" altLang="zh-CN" dirty="0"/>
+          </a:p>
+          <a:p>
+            <a:r>
+              <a:rPr lang="en-US" altLang="zh-CN" dirty="0"/>
+              <a:t>1.Good reviews of top restaurants</a:t>
+            </a:r>
+          </a:p>
+          <a:p>
+            <a:r>
+              <a:rPr lang="en-US" altLang="zh-CN" dirty="0"/>
+              <a:t>2.Bad reviews of poor restaurants</a:t>
+            </a:r>
+          </a:p>
+          <a:p>
+            <a:r>
+              <a:rPr lang="en-US" altLang="zh-CN" dirty="0"/>
+              <a:t>3.Good reviews of poor restaurants</a:t>
+            </a:r>
+          </a:p>
+          <a:p>
+            <a:r>
+              <a:rPr lang="en-US" altLang="zh-CN" dirty="0"/>
+              <a:t>4.Bad reviews of top restaurants</a:t>
+            </a:r>
+          </a:p>
+        </p:txBody>
+      </p:sp>
+    </p:spTree>
+    <p:extLst>
+      <p:ext uri="{BB962C8B-B14F-4D97-AF65-F5344CB8AC3E}">
+        <p14:creationId xmlns:p14="http://schemas.microsoft.com/office/powerpoint/2010/main" val="1444831564"/>
+      </p:ext>
+    </p:extLst>
+  </p:cSld>
+  <p:clrMapOvr>
+    <a:masterClrMapping/>
+  </p:clrMapOvr>
+</p:sld>
+</file>
+
 <file path=ppt/slides/slide12.xml><?xml version="1.0" encoding="utf-8"?>
+<p:sld xmlns:a="http://schemas.openxmlformats.org/drawingml/2006/main" xmlns:r="http://schemas.openxmlformats.org/officeDocument/2006/relationships" xmlns:p="http://schemas.openxmlformats.org/presentationml/2006/main">
+  <p:cSld>
+    <p:spTree>
+      <p:nvGrpSpPr>
+        <p:cNvPr id="1" name=""/>
+        <p:cNvGrpSpPr/>
+        <p:nvPr/>
+      </p:nvGrpSpPr>
+      <p:grpSpPr>
+        <a:xfrm>
+          <a:off x="0" y="0"/>
+          <a:ext cx="0" cy="0"/>
+          <a:chOff x="0" y="0"/>
+          <a:chExt cx="0" cy="0"/>
+        </a:xfrm>
+      </p:grpSpPr>
+      <p:sp>
+        <p:nvSpPr>
+          <p:cNvPr id="2" name="Title 1">
+            <a:extLst>
+              <a:ext uri="{FF2B5EF4-FFF2-40B4-BE49-F238E27FC236}">
+                <a16:creationId xmlns:a16="http://schemas.microsoft.com/office/drawing/2014/main" id="{D3C4D976-477A-494F-AC9D-16F55D7F3D11}"/>
+              </a:ext>
+            </a:extLst>
+          </p:cNvPr>
+          <p:cNvSpPr>
+            <a:spLocks noGrp="1"/>
+          </p:cNvSpPr>
+          <p:nvPr>
+            <p:ph type="title"/>
+          </p:nvPr>
+        </p:nvSpPr>
+        <p:spPr>
+          <a:xfrm>
+            <a:off x="323613" y="211363"/>
+            <a:ext cx="10058400" cy="1609344"/>
+          </a:xfrm>
+        </p:spPr>
+        <p:txBody>
+          <a:bodyPr/>
+          <a:lstStyle/>
+          <a:p>
+            <a:r>
+              <a:rPr lang="en-US" dirty="0"/>
+              <a:t>1 star</a:t>
+            </a:r>
+          </a:p>
+        </p:txBody>
+      </p:sp>
+      <p:pic>
+        <p:nvPicPr>
+          <p:cNvPr id="4" name="Picture 3" descr="Text, whiteboard&#10;&#10;Description automatically generated">
+            <a:extLst>
+              <a:ext uri="{FF2B5EF4-FFF2-40B4-BE49-F238E27FC236}">
+                <a16:creationId xmlns:a16="http://schemas.microsoft.com/office/drawing/2014/main" id="{14C27E98-D483-2449-84B2-C332CFE77715}"/>
+              </a:ext>
+            </a:extLst>
+          </p:cNvPr>
+          <p:cNvPicPr>
+            <a:picLocks noChangeAspect="1"/>
+          </p:cNvPicPr>
+          <p:nvPr/>
+        </p:nvPicPr>
+        <p:blipFill>
+          <a:blip r:embed="rId2">
+            <a:extLst>
+              <a:ext uri="{28A0092B-C50C-407E-A947-70E740481C1C}">
+                <a14:useLocalDpi xmlns:a14="http://schemas.microsoft.com/office/drawing/2010/main" val="0"/>
+              </a:ext>
+            </a:extLst>
+          </a:blip>
+          <a:stretch>
+            <a:fillRect/>
+          </a:stretch>
+        </p:blipFill>
+        <p:spPr>
+          <a:xfrm>
+            <a:off x="2922385" y="132331"/>
+            <a:ext cx="5969976" cy="6725669"/>
+          </a:xfrm>
+          <a:prstGeom prst="rect">
+            <a:avLst/>
+          </a:prstGeom>
+        </p:spPr>
+      </p:pic>
+    </p:spTree>
+    <p:extLst>
+      <p:ext uri="{BB962C8B-B14F-4D97-AF65-F5344CB8AC3E}">
+        <p14:creationId xmlns:p14="http://schemas.microsoft.com/office/powerpoint/2010/main" val="1594899385"/>
+      </p:ext>
+    </p:extLst>
+  </p:cSld>
+  <p:clrMapOvr>
+    <a:masterClrMapping/>
+  </p:clrMapOvr>
+</p:sld>
+</file>
+
+<file path=ppt/slides/slide13.xml><?xml version="1.0" encoding="utf-8"?>
+<p:sld xmlns:a="http://schemas.openxmlformats.org/drawingml/2006/main" xmlns:r="http://schemas.openxmlformats.org/officeDocument/2006/relationships" xmlns:p="http://schemas.openxmlformats.org/presentationml/2006/main">
+  <p:cSld>
+    <p:spTree>
+      <p:nvGrpSpPr>
+        <p:cNvPr id="1" name=""/>
+        <p:cNvGrpSpPr/>
+        <p:nvPr/>
+      </p:nvGrpSpPr>
+      <p:grpSpPr>
+        <a:xfrm>
+          <a:off x="0" y="0"/>
+          <a:ext cx="0" cy="0"/>
+          <a:chOff x="0" y="0"/>
+          <a:chExt cx="0" cy="0"/>
+        </a:xfrm>
+      </p:grpSpPr>
+      <p:sp>
+        <p:nvSpPr>
+          <p:cNvPr id="2" name="Title 1">
+            <a:extLst>
+              <a:ext uri="{FF2B5EF4-FFF2-40B4-BE49-F238E27FC236}">
+                <a16:creationId xmlns:a16="http://schemas.microsoft.com/office/drawing/2014/main" id="{D3C4D976-477A-494F-AC9D-16F55D7F3D11}"/>
+              </a:ext>
+            </a:extLst>
+          </p:cNvPr>
+          <p:cNvSpPr>
+            <a:spLocks noGrp="1"/>
+          </p:cNvSpPr>
+          <p:nvPr>
+            <p:ph type="title"/>
+          </p:nvPr>
+        </p:nvSpPr>
+        <p:spPr>
+          <a:xfrm>
+            <a:off x="323613" y="211363"/>
+            <a:ext cx="10058400" cy="1609344"/>
+          </a:xfrm>
+        </p:spPr>
+        <p:txBody>
+          <a:bodyPr/>
+          <a:lstStyle/>
+          <a:p>
+            <a:r>
+              <a:rPr lang="en-US" dirty="0"/>
+              <a:t>2 star</a:t>
+            </a:r>
+          </a:p>
+        </p:txBody>
+      </p:sp>
+      <p:pic>
+        <p:nvPicPr>
+          <p:cNvPr id="8" name="Content Placeholder 7" descr="A picture containing map&#10;&#10;Description automatically generated">
+            <a:extLst>
+              <a:ext uri="{FF2B5EF4-FFF2-40B4-BE49-F238E27FC236}">
+                <a16:creationId xmlns:a16="http://schemas.microsoft.com/office/drawing/2014/main" id="{009BF66A-AE60-3147-8E8F-C3574711CF49}"/>
+              </a:ext>
+            </a:extLst>
+          </p:cNvPr>
+          <p:cNvPicPr>
+            <a:picLocks noGrp="1" noChangeAspect="1"/>
+          </p:cNvPicPr>
+          <p:nvPr>
+            <p:ph idx="1"/>
+          </p:nvPr>
+        </p:nvPicPr>
+        <p:blipFill>
+          <a:blip r:embed="rId2">
+            <a:extLst>
+              <a:ext uri="{28A0092B-C50C-407E-A947-70E740481C1C}">
+                <a14:useLocalDpi xmlns:a14="http://schemas.microsoft.com/office/drawing/2010/main" val="0"/>
+              </a:ext>
+            </a:extLst>
+          </a:blip>
+          <a:stretch>
+            <a:fillRect/>
+          </a:stretch>
+        </p:blipFill>
+        <p:spPr>
+          <a:xfrm>
+            <a:off x="4755194" y="368927"/>
+            <a:ext cx="3450655" cy="6120146"/>
+          </a:xfrm>
+        </p:spPr>
+      </p:pic>
+    </p:spTree>
+    <p:extLst>
+      <p:ext uri="{BB962C8B-B14F-4D97-AF65-F5344CB8AC3E}">
+        <p14:creationId xmlns:p14="http://schemas.microsoft.com/office/powerpoint/2010/main" val="3955476430"/>
+      </p:ext>
+    </p:extLst>
+  </p:cSld>
+  <p:clrMapOvr>
+    <a:masterClrMapping/>
+  </p:clrMapOvr>
+</p:sld>
+</file>
+
+<file path=ppt/slides/slide14.xml><?xml version="1.0" encoding="utf-8"?>
+<p:sld xmlns:a="http://schemas.openxmlformats.org/drawingml/2006/main" xmlns:r="http://schemas.openxmlformats.org/officeDocument/2006/relationships" xmlns:p="http://schemas.openxmlformats.org/presentationml/2006/main">
+  <p:cSld>
+    <p:spTree>
+      <p:nvGrpSpPr>
+        <p:cNvPr id="1" name=""/>
+        <p:cNvGrpSpPr/>
+        <p:nvPr/>
+      </p:nvGrpSpPr>
+      <p:grpSpPr>
+        <a:xfrm>
+          <a:off x="0" y="0"/>
+          <a:ext cx="0" cy="0"/>
+          <a:chOff x="0" y="0"/>
+          <a:chExt cx="0" cy="0"/>
+        </a:xfrm>
+      </p:grpSpPr>
+      <p:sp>
+        <p:nvSpPr>
+          <p:cNvPr id="2" name="Title 1">
+            <a:extLst>
+              <a:ext uri="{FF2B5EF4-FFF2-40B4-BE49-F238E27FC236}">
+                <a16:creationId xmlns:a16="http://schemas.microsoft.com/office/drawing/2014/main" id="{D3C4D976-477A-494F-AC9D-16F55D7F3D11}"/>
+              </a:ext>
+            </a:extLst>
+          </p:cNvPr>
+          <p:cNvSpPr>
+            <a:spLocks noGrp="1"/>
+          </p:cNvSpPr>
+          <p:nvPr>
+            <p:ph type="title"/>
+          </p:nvPr>
+        </p:nvSpPr>
+        <p:spPr>
+          <a:xfrm>
+            <a:off x="323613" y="211363"/>
+            <a:ext cx="10058400" cy="1609344"/>
+          </a:xfrm>
+        </p:spPr>
+        <p:txBody>
+          <a:bodyPr/>
+          <a:lstStyle/>
+          <a:p>
+            <a:r>
+              <a:rPr lang="en-US" dirty="0"/>
+              <a:t>3 star</a:t>
+            </a:r>
+          </a:p>
+        </p:txBody>
+      </p:sp>
+      <p:pic>
+        <p:nvPicPr>
+          <p:cNvPr id="4" name="Content Placeholder 3" descr="Text&#10;&#10;Description automatically generated">
+            <a:extLst>
+              <a:ext uri="{FF2B5EF4-FFF2-40B4-BE49-F238E27FC236}">
+                <a16:creationId xmlns:a16="http://schemas.microsoft.com/office/drawing/2014/main" id="{D65FC03C-7F11-584B-8C2F-BC48C258E3CF}"/>
+              </a:ext>
+            </a:extLst>
+          </p:cNvPr>
+          <p:cNvPicPr>
+            <a:picLocks noGrp="1" noChangeAspect="1"/>
+          </p:cNvPicPr>
+          <p:nvPr>
+            <p:ph idx="1"/>
+          </p:nvPr>
+        </p:nvPicPr>
+        <p:blipFill>
+          <a:blip r:embed="rId2">
+            <a:extLst>
+              <a:ext uri="{28A0092B-C50C-407E-A947-70E740481C1C}">
+                <a14:useLocalDpi xmlns:a14="http://schemas.microsoft.com/office/drawing/2010/main" val="0"/>
+              </a:ext>
+            </a:extLst>
+          </a:blip>
+          <a:stretch>
+            <a:fillRect/>
+          </a:stretch>
+        </p:blipFill>
+        <p:spPr>
+          <a:xfrm>
+            <a:off x="4227615" y="175469"/>
+            <a:ext cx="4726380" cy="6471168"/>
+          </a:xfrm>
+        </p:spPr>
+      </p:pic>
+    </p:spTree>
+    <p:extLst>
+      <p:ext uri="{BB962C8B-B14F-4D97-AF65-F5344CB8AC3E}">
+        <p14:creationId xmlns:p14="http://schemas.microsoft.com/office/powerpoint/2010/main" val="3022177724"/>
+      </p:ext>
+    </p:extLst>
+  </p:cSld>
+  <p:clrMapOvr>
+    <a:masterClrMapping/>
+  </p:clrMapOvr>
+</p:sld>
+</file>
+
+<file path=ppt/slides/slide15.xml><?xml version="1.0" encoding="utf-8"?>
+<p:sld xmlns:a="http://schemas.openxmlformats.org/drawingml/2006/main" xmlns:r="http://schemas.openxmlformats.org/officeDocument/2006/relationships" xmlns:p="http://schemas.openxmlformats.org/presentationml/2006/main">
+  <p:cSld>
+    <p:spTree>
+      <p:nvGrpSpPr>
+        <p:cNvPr id="1" name=""/>
+        <p:cNvGrpSpPr/>
+        <p:nvPr/>
+      </p:nvGrpSpPr>
+      <p:grpSpPr>
+        <a:xfrm>
+          <a:off x="0" y="0"/>
+          <a:ext cx="0" cy="0"/>
+          <a:chOff x="0" y="0"/>
+          <a:chExt cx="0" cy="0"/>
+        </a:xfrm>
+      </p:grpSpPr>
+      <p:sp>
+        <p:nvSpPr>
+          <p:cNvPr id="2" name="Title 1">
+            <a:extLst>
+              <a:ext uri="{FF2B5EF4-FFF2-40B4-BE49-F238E27FC236}">
+                <a16:creationId xmlns:a16="http://schemas.microsoft.com/office/drawing/2014/main" id="{D3C4D976-477A-494F-AC9D-16F55D7F3D11}"/>
+              </a:ext>
+            </a:extLst>
+          </p:cNvPr>
+          <p:cNvSpPr>
+            <a:spLocks noGrp="1"/>
+          </p:cNvSpPr>
+          <p:nvPr>
+            <p:ph type="title"/>
+          </p:nvPr>
+        </p:nvSpPr>
+        <p:spPr>
+          <a:xfrm>
+            <a:off x="323613" y="211363"/>
+            <a:ext cx="10058400" cy="1609344"/>
+          </a:xfrm>
+        </p:spPr>
+        <p:txBody>
+          <a:bodyPr/>
+          <a:lstStyle/>
+          <a:p>
+            <a:r>
+              <a:rPr lang="en-US" dirty="0"/>
+              <a:t>4 star</a:t>
+            </a:r>
+          </a:p>
+        </p:txBody>
+      </p:sp>
+      <p:pic>
+        <p:nvPicPr>
+          <p:cNvPr id="6" name="Content Placeholder 5" descr="Text&#10;&#10;Description automatically generated">
+            <a:extLst>
+              <a:ext uri="{FF2B5EF4-FFF2-40B4-BE49-F238E27FC236}">
+                <a16:creationId xmlns:a16="http://schemas.microsoft.com/office/drawing/2014/main" id="{601BEE2D-1620-8D40-AD12-3F03AC8267AE}"/>
+              </a:ext>
+            </a:extLst>
+          </p:cNvPr>
+          <p:cNvPicPr>
+            <a:picLocks noGrp="1" noChangeAspect="1"/>
+          </p:cNvPicPr>
+          <p:nvPr>
+            <p:ph idx="1"/>
+          </p:nvPr>
+        </p:nvPicPr>
+        <p:blipFill>
+          <a:blip r:embed="rId2">
+            <a:extLst>
+              <a:ext uri="{28A0092B-C50C-407E-A947-70E740481C1C}">
+                <a14:useLocalDpi xmlns:a14="http://schemas.microsoft.com/office/drawing/2010/main" val="0"/>
+              </a:ext>
+            </a:extLst>
+          </a:blip>
+          <a:stretch>
+            <a:fillRect/>
+          </a:stretch>
+        </p:blipFill>
+        <p:spPr>
+          <a:xfrm>
+            <a:off x="3403511" y="16690"/>
+            <a:ext cx="6978501" cy="6841310"/>
+          </a:xfrm>
+        </p:spPr>
+      </p:pic>
+    </p:spTree>
+    <p:extLst>
+      <p:ext uri="{BB962C8B-B14F-4D97-AF65-F5344CB8AC3E}">
+        <p14:creationId xmlns:p14="http://schemas.microsoft.com/office/powerpoint/2010/main" val="1585912854"/>
+      </p:ext>
+    </p:extLst>
+  </p:cSld>
+  <p:clrMapOvr>
+    <a:masterClrMapping/>
+  </p:clrMapOvr>
+</p:sld>
+</file>
+
+<file path=ppt/slides/slide16.xml><?xml version="1.0" encoding="utf-8"?>
+<p:sld xmlns:a="http://schemas.openxmlformats.org/drawingml/2006/main" xmlns:r="http://schemas.openxmlformats.org/officeDocument/2006/relationships" xmlns:p="http://schemas.openxmlformats.org/presentationml/2006/main">
+  <p:cSld>
+    <p:spTree>
+      <p:nvGrpSpPr>
+        <p:cNvPr id="1" name=""/>
+        <p:cNvGrpSpPr/>
+        <p:nvPr/>
+      </p:nvGrpSpPr>
+      <p:grpSpPr>
+        <a:xfrm>
+          <a:off x="0" y="0"/>
+          <a:ext cx="0" cy="0"/>
+          <a:chOff x="0" y="0"/>
+          <a:chExt cx="0" cy="0"/>
+        </a:xfrm>
+      </p:grpSpPr>
+      <p:sp>
+        <p:nvSpPr>
+          <p:cNvPr id="2" name="Title 1">
+            <a:extLst>
+              <a:ext uri="{FF2B5EF4-FFF2-40B4-BE49-F238E27FC236}">
+                <a16:creationId xmlns:a16="http://schemas.microsoft.com/office/drawing/2014/main" id="{D3C4D976-477A-494F-AC9D-16F55D7F3D11}"/>
+              </a:ext>
+            </a:extLst>
+          </p:cNvPr>
+          <p:cNvSpPr>
+            <a:spLocks noGrp="1"/>
+          </p:cNvSpPr>
+          <p:nvPr>
+            <p:ph type="title"/>
+          </p:nvPr>
+        </p:nvSpPr>
+        <p:spPr>
+          <a:xfrm>
+            <a:off x="323613" y="211363"/>
+            <a:ext cx="10058400" cy="1609344"/>
+          </a:xfrm>
+        </p:spPr>
+        <p:txBody>
+          <a:bodyPr/>
+          <a:lstStyle/>
+          <a:p>
+            <a:r>
+              <a:rPr lang="en-US" dirty="0"/>
+              <a:t>5 star</a:t>
+            </a:r>
+          </a:p>
+        </p:txBody>
+      </p:sp>
+      <p:pic>
+        <p:nvPicPr>
+          <p:cNvPr id="4" name="Content Placeholder 3" descr="Logo&#10;&#10;Description automatically generated with low confidence">
+            <a:extLst>
+              <a:ext uri="{FF2B5EF4-FFF2-40B4-BE49-F238E27FC236}">
+                <a16:creationId xmlns:a16="http://schemas.microsoft.com/office/drawing/2014/main" id="{8EA88271-1890-8A44-BF85-46E02364E6D9}"/>
+              </a:ext>
+            </a:extLst>
+          </p:cNvPr>
+          <p:cNvPicPr>
+            <a:picLocks noGrp="1" noChangeAspect="1"/>
+          </p:cNvPicPr>
+          <p:nvPr>
+            <p:ph idx="1"/>
+          </p:nvPr>
+        </p:nvPicPr>
+        <p:blipFill>
+          <a:blip r:embed="rId2">
+            <a:extLst>
+              <a:ext uri="{28A0092B-C50C-407E-A947-70E740481C1C}">
+                <a14:useLocalDpi xmlns:a14="http://schemas.microsoft.com/office/drawing/2010/main" val="0"/>
+              </a:ext>
+            </a:extLst>
+          </a:blip>
+          <a:stretch>
+            <a:fillRect/>
+          </a:stretch>
+        </p:blipFill>
+        <p:spPr>
+          <a:xfrm>
+            <a:off x="2611060" y="431753"/>
+            <a:ext cx="9050509" cy="5994494"/>
+          </a:xfrm>
+        </p:spPr>
+      </p:pic>
+    </p:spTree>
+    <p:extLst>
+      <p:ext uri="{BB962C8B-B14F-4D97-AF65-F5344CB8AC3E}">
+        <p14:creationId xmlns:p14="http://schemas.microsoft.com/office/powerpoint/2010/main" val="3913613732"/>
+      </p:ext>
+    </p:extLst>
+  </p:cSld>
+  <p:clrMapOvr>
+    <a:masterClrMapping/>
+  </p:clrMapOvr>
+</p:sld>
+</file>
+
+<file path=ppt/slides/slide17.xml><?xml version="1.0" encoding="utf-8"?>
 <p:sld xmlns:a="http://schemas.openxmlformats.org/drawingml/2006/main" xmlns:r="http://schemas.openxmlformats.org/officeDocument/2006/relationships" xmlns:p="http://schemas.openxmlformats.org/presentationml/2006/main">
   <p:cSld>
     <p:spTree>
@@ -5838,7 +6120,117 @@
 </p:sld>
 </file>
 
-<file path=ppt/slides/slide13.xml><?xml version="1.0" encoding="utf-8"?>
+<file path=ppt/slides/slide18.xml><?xml version="1.0" encoding="utf-8"?>
+<p:sld xmlns:a="http://schemas.openxmlformats.org/drawingml/2006/main" xmlns:r="http://schemas.openxmlformats.org/officeDocument/2006/relationships" xmlns:p="http://schemas.openxmlformats.org/presentationml/2006/main">
+  <p:cSld>
+    <p:spTree>
+      <p:nvGrpSpPr>
+        <p:cNvPr id="1" name=""/>
+        <p:cNvGrpSpPr/>
+        <p:nvPr/>
+      </p:nvGrpSpPr>
+      <p:grpSpPr>
+        <a:xfrm>
+          <a:off x="0" y="0"/>
+          <a:ext cx="0" cy="0"/>
+          <a:chOff x="0" y="0"/>
+          <a:chExt cx="0" cy="0"/>
+        </a:xfrm>
+      </p:grpSpPr>
+      <p:sp>
+        <p:nvSpPr>
+          <p:cNvPr id="2" name="Title 1">
+            <a:extLst>
+              <a:ext uri="{FF2B5EF4-FFF2-40B4-BE49-F238E27FC236}">
+                <a16:creationId xmlns:a16="http://schemas.microsoft.com/office/drawing/2014/main" id="{DE315D32-79F6-1C41-AE7C-6EA5497ED31F}"/>
+              </a:ext>
+            </a:extLst>
+          </p:cNvPr>
+          <p:cNvSpPr>
+            <a:spLocks noGrp="1"/>
+          </p:cNvSpPr>
+          <p:nvPr>
+            <p:ph type="title"/>
+          </p:nvPr>
+        </p:nvSpPr>
+        <p:spPr/>
+        <p:txBody>
+          <a:bodyPr/>
+          <a:lstStyle/>
+          <a:p>
+            <a:endParaRPr lang="en-US"/>
+          </a:p>
+        </p:txBody>
+      </p:sp>
+      <p:sp>
+        <p:nvSpPr>
+          <p:cNvPr id="3" name="Content Placeholder 2">
+            <a:extLst>
+              <a:ext uri="{FF2B5EF4-FFF2-40B4-BE49-F238E27FC236}">
+                <a16:creationId xmlns:a16="http://schemas.microsoft.com/office/drawing/2014/main" id="{207B377B-44E9-2F40-9468-797DE2428D41}"/>
+              </a:ext>
+            </a:extLst>
+          </p:cNvPr>
+          <p:cNvSpPr>
+            <a:spLocks noGrp="1"/>
+          </p:cNvSpPr>
+          <p:nvPr>
+            <p:ph idx="1"/>
+          </p:nvPr>
+        </p:nvSpPr>
+        <p:spPr/>
+        <p:txBody>
+          <a:bodyPr/>
+          <a:lstStyle/>
+          <a:p>
+            <a:endParaRPr lang="en-US"/>
+          </a:p>
+        </p:txBody>
+      </p:sp>
+      <p:pic>
+        <p:nvPicPr>
+          <p:cNvPr id="4" name="Picture 3">
+            <a:extLst>
+              <a:ext uri="{FF2B5EF4-FFF2-40B4-BE49-F238E27FC236}">
+                <a16:creationId xmlns:a16="http://schemas.microsoft.com/office/drawing/2014/main" id="{C2F9888D-FCE8-E249-8DDD-E03340FB25CE}"/>
+              </a:ext>
+            </a:extLst>
+          </p:cNvPr>
+          <p:cNvPicPr>
+            <a:picLocks noChangeAspect="1"/>
+          </p:cNvPicPr>
+          <p:nvPr/>
+        </p:nvPicPr>
+        <p:blipFill>
+          <a:blip r:embed="rId2"/>
+          <a:stretch>
+            <a:fillRect/>
+          </a:stretch>
+        </p:blipFill>
+        <p:spPr>
+          <a:xfrm>
+            <a:off x="0" y="381000"/>
+            <a:ext cx="12192000" cy="6096000"/>
+          </a:xfrm>
+          <a:prstGeom prst="rect">
+            <a:avLst/>
+          </a:prstGeom>
+        </p:spPr>
+      </p:pic>
+    </p:spTree>
+    <p:extLst>
+      <p:ext uri="{BB962C8B-B14F-4D97-AF65-F5344CB8AC3E}">
+        <p14:creationId xmlns:p14="http://schemas.microsoft.com/office/powerpoint/2010/main" val="3301070012"/>
+      </p:ext>
+    </p:extLst>
+  </p:cSld>
+  <p:clrMapOvr>
+    <a:masterClrMapping/>
+  </p:clrMapOvr>
+</p:sld>
+</file>
+
+<file path=ppt/slides/slide19.xml><?xml version="1.0" encoding="utf-8"?>
 <p:sld xmlns:a="http://schemas.openxmlformats.org/drawingml/2006/main" xmlns:r="http://schemas.openxmlformats.org/officeDocument/2006/relationships" xmlns:p="http://schemas.openxmlformats.org/presentationml/2006/main">
   <p:cSld>
     <p:spTree>
@@ -6069,7 +6461,7 @@
 </p:sld>
 </file>
 
-<file path=ppt/slides/slide14.xml><?xml version="1.0" encoding="utf-8"?>
+<file path=ppt/slides/slide2.xml><?xml version="1.0" encoding="utf-8"?>
 <p:sld xmlns:a="http://schemas.openxmlformats.org/drawingml/2006/main" xmlns:r="http://schemas.openxmlformats.org/officeDocument/2006/relationships" xmlns:p="http://schemas.openxmlformats.org/presentationml/2006/main">
   <p:cSld>
     <p:spTree>
@@ -6088,10 +6480,10 @@
       </p:grpSpPr>
       <p:sp>
         <p:nvSpPr>
-          <p:cNvPr id="2" name="Title 1">
+          <p:cNvPr id="3" name="内容占位符 2">
             <a:extLst>
               <a:ext uri="{FF2B5EF4-FFF2-40B4-BE49-F238E27FC236}">
-                <a16:creationId xmlns:a16="http://schemas.microsoft.com/office/drawing/2014/main" id="{D3C4D976-477A-494F-AC9D-16F55D7F3D11}"/>
+                <a16:creationId xmlns:a16="http://schemas.microsoft.com/office/drawing/2014/main" id="{42240F26-45E1-4303-AC7C-7A54F9133F6B}"/>
               </a:ext>
             </a:extLst>
           </p:cNvPr>
@@ -6099,91 +6491,102 @@
             <a:spLocks noGrp="1"/>
           </p:cNvSpPr>
           <p:nvPr>
-            <p:ph type="title"/>
+            <p:ph idx="1"/>
           </p:nvPr>
         </p:nvSpPr>
         <p:spPr>
           <a:xfrm>
-            <a:off x="323613" y="211363"/>
-            <a:ext cx="10058400" cy="1609344"/>
+            <a:off x="1063752" y="818336"/>
+            <a:ext cx="10058400" cy="4050792"/>
           </a:xfrm>
         </p:spPr>
         <p:txBody>
-          <a:bodyPr/>
+          <a:bodyPr>
+            <a:normAutofit lnSpcReduction="10000"/>
+          </a:bodyPr>
           <a:lstStyle/>
           <a:p>
-            <a:r>
-              <a:rPr lang="en-US" dirty="0"/>
-              <a:t>1 star</a:t>
-            </a:r>
-          </a:p>
-        </p:txBody>
-      </p:sp>
-      <p:pic>
-        <p:nvPicPr>
-          <p:cNvPr id="4" name="Picture 3" descr="Text, whiteboard&#10;&#10;Description automatically generated">
-            <a:extLst>
-              <a:ext uri="{FF2B5EF4-FFF2-40B4-BE49-F238E27FC236}">
-                <a16:creationId xmlns:a16="http://schemas.microsoft.com/office/drawing/2014/main" id="{14C27E98-D483-2449-84B2-C332CFE77715}"/>
-              </a:ext>
-            </a:extLst>
-          </p:cNvPr>
-          <p:cNvPicPr>
-            <a:picLocks noChangeAspect="1"/>
-          </p:cNvPicPr>
-          <p:nvPr/>
-        </p:nvPicPr>
-        <p:blipFill>
-          <a:blip r:embed="rId2">
-            <a:extLst>
-              <a:ext uri="{28A0092B-C50C-407E-A947-70E740481C1C}">
-                <a14:useLocalDpi xmlns:a14="http://schemas.microsoft.com/office/drawing/2010/main" val="0"/>
-              </a:ext>
-            </a:extLst>
-          </a:blip>
-          <a:stretch>
-            <a:fillRect/>
-          </a:stretch>
-        </p:blipFill>
-        <p:spPr>
-          <a:xfrm>
-            <a:off x="2922385" y="132331"/>
-            <a:ext cx="5969976" cy="6725669"/>
-          </a:xfrm>
-          <a:prstGeom prst="rect">
-            <a:avLst/>
-          </a:prstGeom>
-        </p:spPr>
-      </p:pic>
-      <p:sp>
-        <p:nvSpPr>
-          <p:cNvPr id="5" name="Content Placeholder 4">
-            <a:extLst>
-              <a:ext uri="{FF2B5EF4-FFF2-40B4-BE49-F238E27FC236}">
-                <a16:creationId xmlns:a16="http://schemas.microsoft.com/office/drawing/2014/main" id="{61E1B445-0B40-5A4A-A090-DEF70CFC5783}"/>
-              </a:ext>
-            </a:extLst>
-          </p:cNvPr>
-          <p:cNvSpPr>
-            <a:spLocks noGrp="1"/>
-          </p:cNvSpPr>
-          <p:nvPr>
-            <p:ph idx="1"/>
-          </p:nvPr>
-        </p:nvSpPr>
-        <p:spPr/>
-        <p:txBody>
-          <a:bodyPr/>
-          <a:lstStyle/>
-          <a:p>
-            <a:endParaRPr lang="en-US" dirty="0"/>
+            <a:endParaRPr lang="en-US" altLang="zh-CN" sz="2800" dirty="0"/>
+          </a:p>
+          <a:p>
+            <a:r>
+              <a:rPr lang="en-US" altLang="zh-CN" sz="2800" b="1" dirty="0"/>
+              <a:t>Raw data</a:t>
+            </a:r>
+          </a:p>
+          <a:p>
+            <a:pPr marL="0" indent="0">
+              <a:buNone/>
+            </a:pPr>
+            <a:r>
+              <a:rPr lang="en-US" altLang="zh-CN" sz="2800" dirty="0"/>
+              <a:t>More than 8 millions of review data</a:t>
+            </a:r>
+          </a:p>
+          <a:p>
+            <a:pPr marL="0" indent="0">
+              <a:buNone/>
+            </a:pPr>
+            <a:r>
+              <a:rPr lang="en-US" altLang="zh-CN" sz="2800" dirty="0"/>
+              <a:t>More than 50 thousands of business data</a:t>
+            </a:r>
+          </a:p>
+          <a:p>
+            <a:pPr marL="0" indent="0">
+              <a:buNone/>
+            </a:pPr>
+            <a:endParaRPr lang="en-US" altLang="zh-CN" sz="2800" dirty="0"/>
+          </a:p>
+          <a:p>
+            <a:r>
+              <a:rPr lang="en-US" altLang="zh-CN" sz="2800" b="1" dirty="0"/>
+              <a:t>Our goal</a:t>
+            </a:r>
+          </a:p>
+          <a:p>
+            <a:pPr marL="0" indent="0">
+              <a:buNone/>
+            </a:pPr>
+            <a:r>
+              <a:rPr lang="en-US" altLang="zh-CN" sz="2800" dirty="0"/>
+              <a:t>To</a:t>
+            </a:r>
+            <a:r>
+              <a:rPr lang="zh-CN" altLang="en-US" sz="2800" dirty="0"/>
+              <a:t> </a:t>
+            </a:r>
+            <a:r>
+              <a:rPr lang="en-US" altLang="zh-CN" sz="2800" dirty="0"/>
+              <a:t>analyze how customers judge a</a:t>
+            </a:r>
+            <a:r>
+              <a:rPr lang="zh-CN" altLang="en-US" sz="2800" dirty="0"/>
+              <a:t> </a:t>
+            </a:r>
+            <a:r>
+              <a:rPr lang="en-US" altLang="zh-CN" sz="2800" dirty="0"/>
+              <a:t>sandwich restaurant. And What are the essential qualities of a good sandwich shop</a:t>
+            </a:r>
+          </a:p>
+          <a:p>
+            <a:pPr marL="0" indent="0">
+              <a:buNone/>
+            </a:pPr>
+            <a:endParaRPr lang="en-US" altLang="zh-CN" sz="2800" dirty="0"/>
+          </a:p>
+          <a:p>
+            <a:pPr marL="0" indent="0">
+              <a:buNone/>
+            </a:pPr>
+            <a:endParaRPr lang="zh-CN" altLang="en-US" sz="2800" dirty="0"/>
           </a:p>
         </p:txBody>
       </p:sp>
     </p:spTree>
     <p:extLst>
       <p:ext uri="{BB962C8B-B14F-4D97-AF65-F5344CB8AC3E}">
-        <p14:creationId xmlns:p14="http://schemas.microsoft.com/office/powerpoint/2010/main" val="1594899385"/>
+        <p14:creationId xmlns:p14="http://schemas.microsoft.com/office/powerpoint/2010/main" val="1091076261"/>
       </p:ext>
     </p:extLst>
   </p:cSld>
@@ -6193,399 +6596,7 @@
 </p:sld>
 </file>
 
-<file path=ppt/slides/slide15.xml><?xml version="1.0" encoding="utf-8"?>
-<p:sld xmlns:a="http://schemas.openxmlformats.org/drawingml/2006/main" xmlns:r="http://schemas.openxmlformats.org/officeDocument/2006/relationships" xmlns:p="http://schemas.openxmlformats.org/presentationml/2006/main">
-  <p:cSld>
-    <p:spTree>
-      <p:nvGrpSpPr>
-        <p:cNvPr id="1" name=""/>
-        <p:cNvGrpSpPr/>
-        <p:nvPr/>
-      </p:nvGrpSpPr>
-      <p:grpSpPr>
-        <a:xfrm>
-          <a:off x="0" y="0"/>
-          <a:ext cx="0" cy="0"/>
-          <a:chOff x="0" y="0"/>
-          <a:chExt cx="0" cy="0"/>
-        </a:xfrm>
-      </p:grpSpPr>
-      <p:sp>
-        <p:nvSpPr>
-          <p:cNvPr id="2" name="Title 1">
-            <a:extLst>
-              <a:ext uri="{FF2B5EF4-FFF2-40B4-BE49-F238E27FC236}">
-                <a16:creationId xmlns:a16="http://schemas.microsoft.com/office/drawing/2014/main" id="{D3C4D976-477A-494F-AC9D-16F55D7F3D11}"/>
-              </a:ext>
-            </a:extLst>
-          </p:cNvPr>
-          <p:cNvSpPr>
-            <a:spLocks noGrp="1"/>
-          </p:cNvSpPr>
-          <p:nvPr>
-            <p:ph type="title"/>
-          </p:nvPr>
-        </p:nvSpPr>
-        <p:spPr>
-          <a:xfrm>
-            <a:off x="323613" y="211363"/>
-            <a:ext cx="10058400" cy="1609344"/>
-          </a:xfrm>
-        </p:spPr>
-        <p:txBody>
-          <a:bodyPr/>
-          <a:lstStyle/>
-          <a:p>
-            <a:r>
-              <a:rPr lang="en-US" dirty="0"/>
-              <a:t>2 star</a:t>
-            </a:r>
-          </a:p>
-        </p:txBody>
-      </p:sp>
-      <p:pic>
-        <p:nvPicPr>
-          <p:cNvPr id="8" name="Content Placeholder 7" descr="A picture containing map&#10;&#10;Description automatically generated">
-            <a:extLst>
-              <a:ext uri="{FF2B5EF4-FFF2-40B4-BE49-F238E27FC236}">
-                <a16:creationId xmlns:a16="http://schemas.microsoft.com/office/drawing/2014/main" id="{009BF66A-AE60-3147-8E8F-C3574711CF49}"/>
-              </a:ext>
-            </a:extLst>
-          </p:cNvPr>
-          <p:cNvPicPr>
-            <a:picLocks noGrp="1" noChangeAspect="1"/>
-          </p:cNvPicPr>
-          <p:nvPr>
-            <p:ph idx="1"/>
-          </p:nvPr>
-        </p:nvPicPr>
-        <p:blipFill>
-          <a:blip r:embed="rId2">
-            <a:extLst>
-              <a:ext uri="{28A0092B-C50C-407E-A947-70E740481C1C}">
-                <a14:useLocalDpi xmlns:a14="http://schemas.microsoft.com/office/drawing/2010/main" val="0"/>
-              </a:ext>
-            </a:extLst>
-          </a:blip>
-          <a:stretch>
-            <a:fillRect/>
-          </a:stretch>
-        </p:blipFill>
-        <p:spPr>
-          <a:xfrm>
-            <a:off x="4755194" y="368927"/>
-            <a:ext cx="3450655" cy="6120146"/>
-          </a:xfrm>
-        </p:spPr>
-      </p:pic>
-    </p:spTree>
-    <p:extLst>
-      <p:ext uri="{BB962C8B-B14F-4D97-AF65-F5344CB8AC3E}">
-        <p14:creationId xmlns:p14="http://schemas.microsoft.com/office/powerpoint/2010/main" val="3955476430"/>
-      </p:ext>
-    </p:extLst>
-  </p:cSld>
-  <p:clrMapOvr>
-    <a:masterClrMapping/>
-  </p:clrMapOvr>
-</p:sld>
-</file>
-
-<file path=ppt/slides/slide16.xml><?xml version="1.0" encoding="utf-8"?>
-<p:sld xmlns:a="http://schemas.openxmlformats.org/drawingml/2006/main" xmlns:r="http://schemas.openxmlformats.org/officeDocument/2006/relationships" xmlns:p="http://schemas.openxmlformats.org/presentationml/2006/main">
-  <p:cSld>
-    <p:spTree>
-      <p:nvGrpSpPr>
-        <p:cNvPr id="1" name=""/>
-        <p:cNvGrpSpPr/>
-        <p:nvPr/>
-      </p:nvGrpSpPr>
-      <p:grpSpPr>
-        <a:xfrm>
-          <a:off x="0" y="0"/>
-          <a:ext cx="0" cy="0"/>
-          <a:chOff x="0" y="0"/>
-          <a:chExt cx="0" cy="0"/>
-        </a:xfrm>
-      </p:grpSpPr>
-      <p:sp>
-        <p:nvSpPr>
-          <p:cNvPr id="2" name="Title 1">
-            <a:extLst>
-              <a:ext uri="{FF2B5EF4-FFF2-40B4-BE49-F238E27FC236}">
-                <a16:creationId xmlns:a16="http://schemas.microsoft.com/office/drawing/2014/main" id="{D3C4D976-477A-494F-AC9D-16F55D7F3D11}"/>
-              </a:ext>
-            </a:extLst>
-          </p:cNvPr>
-          <p:cNvSpPr>
-            <a:spLocks noGrp="1"/>
-          </p:cNvSpPr>
-          <p:nvPr>
-            <p:ph type="title"/>
-          </p:nvPr>
-        </p:nvSpPr>
-        <p:spPr>
-          <a:xfrm>
-            <a:off x="323613" y="211363"/>
-            <a:ext cx="10058400" cy="1609344"/>
-          </a:xfrm>
-        </p:spPr>
-        <p:txBody>
-          <a:bodyPr/>
-          <a:lstStyle/>
-          <a:p>
-            <a:r>
-              <a:rPr lang="en-US" dirty="0"/>
-              <a:t>3 star</a:t>
-            </a:r>
-          </a:p>
-        </p:txBody>
-      </p:sp>
-      <p:pic>
-        <p:nvPicPr>
-          <p:cNvPr id="4" name="Content Placeholder 3" descr="Text&#10;&#10;Description automatically generated">
-            <a:extLst>
-              <a:ext uri="{FF2B5EF4-FFF2-40B4-BE49-F238E27FC236}">
-                <a16:creationId xmlns:a16="http://schemas.microsoft.com/office/drawing/2014/main" id="{D65FC03C-7F11-584B-8C2F-BC48C258E3CF}"/>
-              </a:ext>
-            </a:extLst>
-          </p:cNvPr>
-          <p:cNvPicPr>
-            <a:picLocks noGrp="1" noChangeAspect="1"/>
-          </p:cNvPicPr>
-          <p:nvPr>
-            <p:ph idx="1"/>
-          </p:nvPr>
-        </p:nvPicPr>
-        <p:blipFill>
-          <a:blip r:embed="rId2">
-            <a:extLst>
-              <a:ext uri="{28A0092B-C50C-407E-A947-70E740481C1C}">
-                <a14:useLocalDpi xmlns:a14="http://schemas.microsoft.com/office/drawing/2010/main" val="0"/>
-              </a:ext>
-            </a:extLst>
-          </a:blip>
-          <a:stretch>
-            <a:fillRect/>
-          </a:stretch>
-        </p:blipFill>
-        <p:spPr>
-          <a:xfrm>
-            <a:off x="4227615" y="175469"/>
-            <a:ext cx="4726380" cy="6471168"/>
-          </a:xfrm>
-        </p:spPr>
-      </p:pic>
-    </p:spTree>
-    <p:extLst>
-      <p:ext uri="{BB962C8B-B14F-4D97-AF65-F5344CB8AC3E}">
-        <p14:creationId xmlns:p14="http://schemas.microsoft.com/office/powerpoint/2010/main" val="3022177724"/>
-      </p:ext>
-    </p:extLst>
-  </p:cSld>
-  <p:clrMapOvr>
-    <a:masterClrMapping/>
-  </p:clrMapOvr>
-</p:sld>
-</file>
-
-<file path=ppt/slides/slide17.xml><?xml version="1.0" encoding="utf-8"?>
-<p:sld xmlns:a="http://schemas.openxmlformats.org/drawingml/2006/main" xmlns:r="http://schemas.openxmlformats.org/officeDocument/2006/relationships" xmlns:p="http://schemas.openxmlformats.org/presentationml/2006/main">
-  <p:cSld>
-    <p:spTree>
-      <p:nvGrpSpPr>
-        <p:cNvPr id="1" name=""/>
-        <p:cNvGrpSpPr/>
-        <p:nvPr/>
-      </p:nvGrpSpPr>
-      <p:grpSpPr>
-        <a:xfrm>
-          <a:off x="0" y="0"/>
-          <a:ext cx="0" cy="0"/>
-          <a:chOff x="0" y="0"/>
-          <a:chExt cx="0" cy="0"/>
-        </a:xfrm>
-      </p:grpSpPr>
-      <p:sp>
-        <p:nvSpPr>
-          <p:cNvPr id="2" name="Title 1">
-            <a:extLst>
-              <a:ext uri="{FF2B5EF4-FFF2-40B4-BE49-F238E27FC236}">
-                <a16:creationId xmlns:a16="http://schemas.microsoft.com/office/drawing/2014/main" id="{D3C4D976-477A-494F-AC9D-16F55D7F3D11}"/>
-              </a:ext>
-            </a:extLst>
-          </p:cNvPr>
-          <p:cNvSpPr>
-            <a:spLocks noGrp="1"/>
-          </p:cNvSpPr>
-          <p:nvPr>
-            <p:ph type="title"/>
-          </p:nvPr>
-        </p:nvSpPr>
-        <p:spPr>
-          <a:xfrm>
-            <a:off x="323613" y="211363"/>
-            <a:ext cx="10058400" cy="1609344"/>
-          </a:xfrm>
-        </p:spPr>
-        <p:txBody>
-          <a:bodyPr/>
-          <a:lstStyle/>
-          <a:p>
-            <a:r>
-              <a:rPr lang="en-US" dirty="0"/>
-              <a:t>4 star</a:t>
-            </a:r>
-          </a:p>
-        </p:txBody>
-      </p:sp>
-      <p:pic>
-        <p:nvPicPr>
-          <p:cNvPr id="6" name="Content Placeholder 5" descr="Text&#10;&#10;Description automatically generated">
-            <a:extLst>
-              <a:ext uri="{FF2B5EF4-FFF2-40B4-BE49-F238E27FC236}">
-                <a16:creationId xmlns:a16="http://schemas.microsoft.com/office/drawing/2014/main" id="{601BEE2D-1620-8D40-AD12-3F03AC8267AE}"/>
-              </a:ext>
-            </a:extLst>
-          </p:cNvPr>
-          <p:cNvPicPr>
-            <a:picLocks noGrp="1" noChangeAspect="1"/>
-          </p:cNvPicPr>
-          <p:nvPr>
-            <p:ph idx="1"/>
-          </p:nvPr>
-        </p:nvPicPr>
-        <p:blipFill>
-          <a:blip r:embed="rId2">
-            <a:extLst>
-              <a:ext uri="{28A0092B-C50C-407E-A947-70E740481C1C}">
-                <a14:useLocalDpi xmlns:a14="http://schemas.microsoft.com/office/drawing/2010/main" val="0"/>
-              </a:ext>
-            </a:extLst>
-          </a:blip>
-          <a:stretch>
-            <a:fillRect/>
-          </a:stretch>
-        </p:blipFill>
-        <p:spPr>
-          <a:xfrm>
-            <a:off x="3403511" y="16690"/>
-            <a:ext cx="6978501" cy="6841310"/>
-          </a:xfrm>
-        </p:spPr>
-      </p:pic>
-    </p:spTree>
-    <p:extLst>
-      <p:ext uri="{BB962C8B-B14F-4D97-AF65-F5344CB8AC3E}">
-        <p14:creationId xmlns:p14="http://schemas.microsoft.com/office/powerpoint/2010/main" val="1585912854"/>
-      </p:ext>
-    </p:extLst>
-  </p:cSld>
-  <p:clrMapOvr>
-    <a:masterClrMapping/>
-  </p:clrMapOvr>
-</p:sld>
-</file>
-
-<file path=ppt/slides/slide18.xml><?xml version="1.0" encoding="utf-8"?>
-<p:sld xmlns:a="http://schemas.openxmlformats.org/drawingml/2006/main" xmlns:r="http://schemas.openxmlformats.org/officeDocument/2006/relationships" xmlns:p="http://schemas.openxmlformats.org/presentationml/2006/main">
-  <p:cSld>
-    <p:spTree>
-      <p:nvGrpSpPr>
-        <p:cNvPr id="1" name=""/>
-        <p:cNvGrpSpPr/>
-        <p:nvPr/>
-      </p:nvGrpSpPr>
-      <p:grpSpPr>
-        <a:xfrm>
-          <a:off x="0" y="0"/>
-          <a:ext cx="0" cy="0"/>
-          <a:chOff x="0" y="0"/>
-          <a:chExt cx="0" cy="0"/>
-        </a:xfrm>
-      </p:grpSpPr>
-      <p:sp>
-        <p:nvSpPr>
-          <p:cNvPr id="2" name="Title 1">
-            <a:extLst>
-              <a:ext uri="{FF2B5EF4-FFF2-40B4-BE49-F238E27FC236}">
-                <a16:creationId xmlns:a16="http://schemas.microsoft.com/office/drawing/2014/main" id="{D3C4D976-477A-494F-AC9D-16F55D7F3D11}"/>
-              </a:ext>
-            </a:extLst>
-          </p:cNvPr>
-          <p:cNvSpPr>
-            <a:spLocks noGrp="1"/>
-          </p:cNvSpPr>
-          <p:nvPr>
-            <p:ph type="title"/>
-          </p:nvPr>
-        </p:nvSpPr>
-        <p:spPr>
-          <a:xfrm>
-            <a:off x="323613" y="211363"/>
-            <a:ext cx="10058400" cy="1609344"/>
-          </a:xfrm>
-        </p:spPr>
-        <p:txBody>
-          <a:bodyPr/>
-          <a:lstStyle/>
-          <a:p>
-            <a:r>
-              <a:rPr lang="en-US" dirty="0"/>
-              <a:t>5 star</a:t>
-            </a:r>
-          </a:p>
-        </p:txBody>
-      </p:sp>
-      <p:pic>
-        <p:nvPicPr>
-          <p:cNvPr id="4" name="Content Placeholder 3" descr="Logo&#10;&#10;Description automatically generated with low confidence">
-            <a:extLst>
-              <a:ext uri="{FF2B5EF4-FFF2-40B4-BE49-F238E27FC236}">
-                <a16:creationId xmlns:a16="http://schemas.microsoft.com/office/drawing/2014/main" id="{8EA88271-1890-8A44-BF85-46E02364E6D9}"/>
-              </a:ext>
-            </a:extLst>
-          </p:cNvPr>
-          <p:cNvPicPr>
-            <a:picLocks noGrp="1" noChangeAspect="1"/>
-          </p:cNvPicPr>
-          <p:nvPr>
-            <p:ph idx="1"/>
-          </p:nvPr>
-        </p:nvPicPr>
-        <p:blipFill>
-          <a:blip r:embed="rId2">
-            <a:extLst>
-              <a:ext uri="{28A0092B-C50C-407E-A947-70E740481C1C}">
-                <a14:useLocalDpi xmlns:a14="http://schemas.microsoft.com/office/drawing/2010/main" val="0"/>
-              </a:ext>
-            </a:extLst>
-          </a:blip>
-          <a:stretch>
-            <a:fillRect/>
-          </a:stretch>
-        </p:blipFill>
-        <p:spPr>
-          <a:xfrm>
-            <a:off x="2611060" y="431753"/>
-            <a:ext cx="9050509" cy="5994494"/>
-          </a:xfrm>
-        </p:spPr>
-      </p:pic>
-    </p:spTree>
-    <p:extLst>
-      <p:ext uri="{BB962C8B-B14F-4D97-AF65-F5344CB8AC3E}">
-        <p14:creationId xmlns:p14="http://schemas.microsoft.com/office/powerpoint/2010/main" val="3913613732"/>
-      </p:ext>
-    </p:extLst>
-  </p:cSld>
-  <p:clrMapOvr>
-    <a:masterClrMapping/>
-  </p:clrMapOvr>
-</p:sld>
-</file>
-
-<file path=ppt/slides/slide19.xml><?xml version="1.0" encoding="utf-8"?>
+<file path=ppt/slides/slide20.xml><?xml version="1.0" encoding="utf-8"?>
 <p:sld xmlns:a="http://schemas.openxmlformats.org/drawingml/2006/main" xmlns:r="http://schemas.openxmlformats.org/officeDocument/2006/relationships" xmlns:p="http://schemas.openxmlformats.org/presentationml/2006/main">
   <p:cSld>
     <p:bg>
@@ -6769,38 +6780,6 @@
           </a:prstGeom>
         </p:spPr>
       </p:pic>
-      <p:sp>
-        <p:nvSpPr>
-          <p:cNvPr id="3" name="Content Placeholder 2">
-            <a:extLst>
-              <a:ext uri="{FF2B5EF4-FFF2-40B4-BE49-F238E27FC236}">
-                <a16:creationId xmlns:a16="http://schemas.microsoft.com/office/drawing/2014/main" id="{846E9D91-B0C4-3E41-BEF6-07F6BBFAD97D}"/>
-              </a:ext>
-            </a:extLst>
-          </p:cNvPr>
-          <p:cNvSpPr>
-            <a:spLocks noGrp="1"/>
-          </p:cNvSpPr>
-          <p:nvPr>
-            <p:ph idx="1"/>
-          </p:nvPr>
-        </p:nvSpPr>
-        <p:spPr>
-          <a:xfrm>
-            <a:off x="8156351" y="2121408"/>
-            <a:ext cx="3544034" cy="4050792"/>
-          </a:xfrm>
-        </p:spPr>
-        <p:txBody>
-          <a:bodyPr>
-            <a:normAutofit/>
-          </a:bodyPr>
-          <a:lstStyle/>
-          <a:p>
-            <a:endParaRPr lang="en-US" sz="1600"/>
-          </a:p>
-        </p:txBody>
-      </p:sp>
       <p:grpSp>
         <p:nvGrpSpPr>
           <p:cNvPr id="12" name="Group 11">
@@ -7008,166 +6987,6 @@
 </p:sld>
 </file>
 
-<file path=ppt/slides/slide2.xml><?xml version="1.0" encoding="utf-8"?>
-<p:sld xmlns:a="http://schemas.openxmlformats.org/drawingml/2006/main" xmlns:r="http://schemas.openxmlformats.org/officeDocument/2006/relationships" xmlns:p="http://schemas.openxmlformats.org/presentationml/2006/main">
-  <p:cSld>
-    <p:spTree>
-      <p:nvGrpSpPr>
-        <p:cNvPr id="1" name=""/>
-        <p:cNvGrpSpPr/>
-        <p:nvPr/>
-      </p:nvGrpSpPr>
-      <p:grpSpPr>
-        <a:xfrm>
-          <a:off x="0" y="0"/>
-          <a:ext cx="0" cy="0"/>
-          <a:chOff x="0" y="0"/>
-          <a:chExt cx="0" cy="0"/>
-        </a:xfrm>
-      </p:grpSpPr>
-      <p:sp>
-        <p:nvSpPr>
-          <p:cNvPr id="2" name="标题 1">
-            <a:extLst>
-              <a:ext uri="{FF2B5EF4-FFF2-40B4-BE49-F238E27FC236}">
-                <a16:creationId xmlns:a16="http://schemas.microsoft.com/office/drawing/2014/main" id="{4055819A-DDB3-4A4B-84D8-FBAC69DAE5AE}"/>
-              </a:ext>
-            </a:extLst>
-          </p:cNvPr>
-          <p:cNvSpPr>
-            <a:spLocks noGrp="1"/>
-          </p:cNvSpPr>
-          <p:nvPr>
-            <p:ph type="title"/>
-          </p:nvPr>
-        </p:nvSpPr>
-        <p:spPr/>
-        <p:txBody>
-          <a:bodyPr/>
-          <a:lstStyle/>
-          <a:p>
-            <a:endParaRPr lang="zh-CN" altLang="en-US"/>
-          </a:p>
-        </p:txBody>
-      </p:sp>
-      <p:sp>
-        <p:nvSpPr>
-          <p:cNvPr id="3" name="内容占位符 2">
-            <a:extLst>
-              <a:ext uri="{FF2B5EF4-FFF2-40B4-BE49-F238E27FC236}">
-                <a16:creationId xmlns:a16="http://schemas.microsoft.com/office/drawing/2014/main" id="{42240F26-45E1-4303-AC7C-7A54F9133F6B}"/>
-              </a:ext>
-            </a:extLst>
-          </p:cNvPr>
-          <p:cNvSpPr>
-            <a:spLocks noGrp="1"/>
-          </p:cNvSpPr>
-          <p:nvPr>
-            <p:ph idx="1"/>
-          </p:nvPr>
-        </p:nvSpPr>
-        <p:spPr>
-          <a:xfrm>
-            <a:off x="1063752" y="818336"/>
-            <a:ext cx="10058400" cy="4050792"/>
-          </a:xfrm>
-        </p:spPr>
-        <p:txBody>
-          <a:bodyPr>
-            <a:normAutofit lnSpcReduction="10000"/>
-          </a:bodyPr>
-          <a:lstStyle/>
-          <a:p>
-            <a:endParaRPr lang="en-US" altLang="zh-CN" sz="2800" dirty="0"/>
-          </a:p>
-          <a:p>
-            <a:r>
-              <a:rPr lang="en-US" altLang="zh-CN" sz="2800" b="1" dirty="0"/>
-              <a:t>Raw data</a:t>
-            </a:r>
-          </a:p>
-          <a:p>
-            <a:pPr marL="0" indent="0">
-              <a:buNone/>
-            </a:pPr>
-            <a:r>
-              <a:rPr lang="en-US" altLang="zh-CN" sz="2800" dirty="0"/>
-              <a:t>More than 8 millions of review data</a:t>
-            </a:r>
-          </a:p>
-          <a:p>
-            <a:pPr marL="0" indent="0">
-              <a:buNone/>
-            </a:pPr>
-            <a:r>
-              <a:rPr lang="en-US" altLang="zh-CN" sz="2800" dirty="0"/>
-              <a:t>More than 50 thousands of business data</a:t>
-            </a:r>
-          </a:p>
-          <a:p>
-            <a:pPr marL="0" indent="0">
-              <a:buNone/>
-            </a:pPr>
-            <a:endParaRPr lang="en-US" altLang="zh-CN" sz="2800" dirty="0"/>
-          </a:p>
-          <a:p>
-            <a:r>
-              <a:rPr lang="en-US" altLang="zh-CN" sz="2800" b="1" dirty="0"/>
-              <a:t>Our goal</a:t>
-            </a:r>
-          </a:p>
-          <a:p>
-            <a:pPr marL="0" indent="0">
-              <a:buNone/>
-            </a:pPr>
-            <a:r>
-              <a:rPr lang="en-US" altLang="zh-CN" sz="2800" dirty="0"/>
-              <a:t>To</a:t>
-            </a:r>
-            <a:r>
-              <a:rPr lang="zh-CN" altLang="en-US" sz="2800" dirty="0"/>
-              <a:t> </a:t>
-            </a:r>
-            <a:r>
-              <a:rPr lang="en-US" altLang="zh-CN" sz="2800" dirty="0"/>
-              <a:t>analyze how customers judge a</a:t>
-            </a:r>
-            <a:r>
-              <a:rPr lang="zh-CN" altLang="en-US" sz="2800" dirty="0"/>
-              <a:t> </a:t>
-            </a:r>
-            <a:r>
-              <a:rPr lang="en-US" altLang="zh-CN" sz="2800" dirty="0"/>
-              <a:t>sandwich restaurant. And What are the essential qualities of a good sandwich shop</a:t>
-            </a:r>
-          </a:p>
-          <a:p>
-            <a:pPr marL="0" indent="0">
-              <a:buNone/>
-            </a:pPr>
-            <a:endParaRPr lang="en-US" altLang="zh-CN" sz="2800" dirty="0"/>
-          </a:p>
-          <a:p>
-            <a:pPr marL="0" indent="0">
-              <a:buNone/>
-            </a:pPr>
-            <a:endParaRPr lang="zh-CN" altLang="en-US" sz="2800" dirty="0"/>
-          </a:p>
-        </p:txBody>
-      </p:sp>
-    </p:spTree>
-    <p:extLst>
-      <p:ext uri="{BB962C8B-B14F-4D97-AF65-F5344CB8AC3E}">
-        <p14:creationId xmlns:p14="http://schemas.microsoft.com/office/powerpoint/2010/main" val="1091076261"/>
-      </p:ext>
-    </p:extLst>
-  </p:cSld>
-  <p:clrMapOvr>
-    <a:masterClrMapping/>
-  </p:clrMapOvr>
-</p:sld>
-</file>
-
 <file path=ppt/slides/slide3.xml><?xml version="1.0" encoding="utf-8"?>
 <p:sld xmlns:a="http://schemas.openxmlformats.org/drawingml/2006/main" xmlns:r="http://schemas.openxmlformats.org/officeDocument/2006/relationships" xmlns:p="http://schemas.openxmlformats.org/presentationml/2006/main">
   <p:cSld>
@@ -7185,31 +7004,6 @@
           <a:chExt cx="0" cy="0"/>
         </a:xfrm>
       </p:grpSpPr>
-      <p:sp>
-        <p:nvSpPr>
-          <p:cNvPr id="2" name="标题 1">
-            <a:extLst>
-              <a:ext uri="{FF2B5EF4-FFF2-40B4-BE49-F238E27FC236}">
-                <a16:creationId xmlns:a16="http://schemas.microsoft.com/office/drawing/2014/main" id="{FEFE5F7C-C77A-4D1E-9D48-E271686DB4A9}"/>
-              </a:ext>
-            </a:extLst>
-          </p:cNvPr>
-          <p:cNvSpPr>
-            <a:spLocks noGrp="1"/>
-          </p:cNvSpPr>
-          <p:nvPr>
-            <p:ph type="title"/>
-          </p:nvPr>
-        </p:nvSpPr>
-        <p:spPr/>
-        <p:txBody>
-          <a:bodyPr/>
-          <a:lstStyle/>
-          <a:p>
-            <a:endParaRPr lang="zh-CN" altLang="en-US"/>
-          </a:p>
-        </p:txBody>
-      </p:sp>
       <p:sp>
         <p:nvSpPr>
           <p:cNvPr id="3" name="内容占位符 2">
@@ -7329,31 +7123,6 @@
           <a:chExt cx="0" cy="0"/>
         </a:xfrm>
       </p:grpSpPr>
-      <p:sp>
-        <p:nvSpPr>
-          <p:cNvPr id="2" name="标题 1">
-            <a:extLst>
-              <a:ext uri="{FF2B5EF4-FFF2-40B4-BE49-F238E27FC236}">
-                <a16:creationId xmlns:a16="http://schemas.microsoft.com/office/drawing/2014/main" id="{ACE5C42A-4FC0-4596-9343-9B8C08026F17}"/>
-              </a:ext>
-            </a:extLst>
-          </p:cNvPr>
-          <p:cNvSpPr>
-            <a:spLocks noGrp="1"/>
-          </p:cNvSpPr>
-          <p:nvPr>
-            <p:ph type="title"/>
-          </p:nvPr>
-        </p:nvSpPr>
-        <p:spPr/>
-        <p:txBody>
-          <a:bodyPr/>
-          <a:lstStyle/>
-          <a:p>
-            <a:endParaRPr lang="zh-CN" altLang="en-US"/>
-          </a:p>
-        </p:txBody>
-      </p:sp>
       <p:graphicFrame>
         <p:nvGraphicFramePr>
           <p:cNvPr id="5" name="表格 5">
@@ -8257,8 +8026,8 @@
         </p:nvSpPr>
         <p:spPr>
           <a:xfrm>
-            <a:off x="1066800" y="389969"/>
-            <a:ext cx="10058400" cy="6468031"/>
+            <a:off x="1066799" y="389969"/>
+            <a:ext cx="10940143" cy="6468031"/>
           </a:xfrm>
         </p:spPr>
         <p:txBody>
@@ -8268,15 +8037,59 @@
           <a:lstStyle/>
           <a:p>
             <a:r>
-              <a:rPr lang="en-US" altLang="zh-CN" dirty="0"/>
-              <a:t>Number of reviews for each restaurant</a:t>
-            </a:r>
-          </a:p>
-          <a:p>
-            <a:pPr marL="0" indent="0">
-              <a:buNone/>
-            </a:pPr>
-            <a:endParaRPr lang="en-US" altLang="zh-CN" dirty="0"/>
+              <a:rPr lang="en-US" altLang="zh-CN" sz="4300" b="1" dirty="0">
+                <a:blipFill>
+                  <a:blip r:embed="rId2">
+                    <a:extLst>
+                      <a:ext uri="{28A0092B-C50C-407E-A947-70E740481C1C}">
+                        <a14:useLocalDpi xmlns:a14="http://schemas.microsoft.com/office/drawing/2010/main" val="0"/>
+                      </a:ext>
+                    </a:extLst>
+                  </a:blip>
+                  <a:tile tx="6350" ty="-127000" sx="65000" sy="64000" flip="none" algn="tl"/>
+                </a:blipFill>
+                <a:latin typeface="+mj-lt"/>
+                <a:ea typeface="+mj-ea"/>
+                <a:cs typeface="+mj-cs"/>
+              </a:rPr>
+              <a:t>Number of reviews for</a:t>
+            </a:r>
+            <a:r>
+              <a:rPr lang="zh-CN" altLang="en-US" sz="4300" b="1" dirty="0">
+                <a:blipFill>
+                  <a:blip r:embed="rId2">
+                    <a:extLst>
+                      <a:ext uri="{28A0092B-C50C-407E-A947-70E740481C1C}">
+                        <a14:useLocalDpi xmlns:a14="http://schemas.microsoft.com/office/drawing/2010/main" val="0"/>
+                      </a:ext>
+                    </a:extLst>
+                  </a:blip>
+                  <a:tile tx="6350" ty="-127000" sx="65000" sy="64000" flip="none" algn="tl"/>
+                </a:blipFill>
+                <a:latin typeface="+mj-lt"/>
+                <a:ea typeface="+mj-ea"/>
+                <a:cs typeface="+mj-cs"/>
+              </a:rPr>
+              <a:t> </a:t>
+            </a:r>
+            <a:r>
+              <a:rPr lang="en-US" altLang="zh-CN" sz="4300" b="1" dirty="0">
+                <a:blipFill>
+                  <a:blip r:embed="rId2">
+                    <a:extLst>
+                      <a:ext uri="{28A0092B-C50C-407E-A947-70E740481C1C}">
+                        <a14:useLocalDpi xmlns:a14="http://schemas.microsoft.com/office/drawing/2010/main" val="0"/>
+                      </a:ext>
+                    </a:extLst>
+                  </a:blip>
+                  <a:tile tx="6350" ty="-127000" sx="65000" sy="64000" flip="none" algn="tl"/>
+                </a:blipFill>
+                <a:latin typeface="+mj-lt"/>
+                <a:ea typeface="+mj-ea"/>
+                <a:cs typeface="+mj-cs"/>
+              </a:rPr>
+              <a:t>restaurants</a:t>
+            </a:r>
           </a:p>
           <a:p>
             <a:pPr marL="0" indent="0">
@@ -8409,7 +8222,7 @@
           <p:nvPr/>
         </p:nvPicPr>
         <p:blipFill>
-          <a:blip r:embed="rId2">
+          <a:blip r:embed="rId3">
             <a:extLst>
               <a:ext uri="{28A0092B-C50C-407E-A947-70E740481C1C}">
                 <a14:useLocalDpi xmlns:a14="http://schemas.microsoft.com/office/drawing/2010/main" val="0"/>
@@ -8422,7 +8235,7 @@
         </p:blipFill>
         <p:spPr>
           <a:xfrm>
-            <a:off x="3115660" y="2047555"/>
+            <a:off x="3028575" y="2276155"/>
             <a:ext cx="6684188" cy="4420476"/>
           </a:xfrm>
           <a:prstGeom prst="rect">
@@ -8478,10 +8291,19 @@
         </p:nvSpPr>
         <p:spPr/>
         <p:txBody>
-          <a:bodyPr/>
+          <a:bodyPr>
+            <a:normAutofit fontScale="90000"/>
+          </a:bodyPr>
           <a:lstStyle/>
           <a:p>
-            <a:endParaRPr lang="zh-CN" altLang="en-US"/>
+            <a:r>
+              <a:rPr lang="en-US" altLang="zh-CN" b="1" dirty="0"/>
+              <a:t>The distribution of shop scores </a:t>
+            </a:r>
+            <a:br>
+              <a:rPr lang="en-US" altLang="zh-CN" b="1" dirty="0"/>
+            </a:br>
+            <a:endParaRPr lang="zh-CN" altLang="en-US" dirty="0"/>
           </a:p>
         </p:txBody>
       </p:sp>
@@ -8503,19 +8325,13 @@
         </p:nvSpPr>
         <p:spPr>
           <a:xfrm>
-            <a:off x="981613" y="380473"/>
+            <a:off x="1063752" y="1447273"/>
             <a:ext cx="10515600" cy="4351338"/>
           </a:xfrm>
         </p:spPr>
         <p:txBody>
           <a:bodyPr/>
           <a:lstStyle/>
-          <a:p>
-            <a:r>
-              <a:rPr lang="en-US" altLang="zh-CN" dirty="0"/>
-              <a:t>The distribution of shop scores </a:t>
-            </a:r>
-          </a:p>
           <a:p>
             <a:pPr marL="0" indent="0">
               <a:buNone/>
@@ -8610,11 +8426,25 @@
             <p:ph type="title"/>
           </p:nvPr>
         </p:nvSpPr>
-        <p:spPr/>
-        <p:txBody>
-          <a:bodyPr/>
+        <p:spPr>
+          <a:xfrm>
+            <a:off x="1069847" y="484632"/>
+            <a:ext cx="11405181" cy="1609344"/>
+          </a:xfrm>
+        </p:spPr>
+        <p:txBody>
+          <a:bodyPr>
+            <a:normAutofit/>
+          </a:bodyPr>
           <a:lstStyle/>
           <a:p>
+            <a:r>
+              <a:rPr lang="en-US" altLang="zh-CN" dirty="0"/>
+              <a:t>The distribution of review scores</a:t>
+            </a:r>
+            <a:br>
+              <a:rPr lang="en-US" altLang="zh-CN" dirty="0"/>
+            </a:br>
             <a:endParaRPr lang="zh-CN" altLang="en-US" dirty="0"/>
           </a:p>
         </p:txBody>
@@ -8637,19 +8467,13 @@
         </p:nvSpPr>
         <p:spPr>
           <a:xfrm>
-            <a:off x="1283604" y="484632"/>
+            <a:off x="1479547" y="1403604"/>
             <a:ext cx="10058400" cy="4050792"/>
           </a:xfrm>
         </p:spPr>
         <p:txBody>
           <a:bodyPr/>
           <a:lstStyle/>
-          <a:p>
-            <a:r>
-              <a:rPr lang="en-US" altLang="zh-CN" dirty="0"/>
-              <a:t>The distribution of reviews scores</a:t>
-            </a:r>
-          </a:p>
           <a:p>
             <a:pPr marL="0" indent="0">
               <a:buNone/>
@@ -8739,7 +8563,7 @@
           <p:cNvPr id="2" name="标题 1">
             <a:extLst>
               <a:ext uri="{FF2B5EF4-FFF2-40B4-BE49-F238E27FC236}">
-                <a16:creationId xmlns:a16="http://schemas.microsoft.com/office/drawing/2014/main" id="{FA0E222C-A419-4BCF-B774-32874D708DAD}"/>
+                <a16:creationId xmlns:a16="http://schemas.microsoft.com/office/drawing/2014/main" id="{4A8738D8-0579-4A8E-9977-6ECB1FC5E291}"/>
               </a:ext>
             </a:extLst>
           </p:cNvPr>
@@ -8750,156 +8574,339 @@
             <p:ph type="title"/>
           </p:nvPr>
         </p:nvSpPr>
-        <p:spPr/>
-        <p:txBody>
-          <a:bodyPr/>
+        <p:spPr>
+          <a:xfrm>
+            <a:off x="1063752" y="1209846"/>
+            <a:ext cx="10058400" cy="1609344"/>
+          </a:xfrm>
+        </p:spPr>
+        <p:txBody>
+          <a:bodyPr>
+            <a:normAutofit fontScale="90000"/>
+          </a:bodyPr>
           <a:lstStyle/>
           <a:p>
             <a:r>
               <a:rPr lang="en-US" altLang="zh-CN" dirty="0"/>
-              <a:t>Customers are</a:t>
-            </a:r>
-            <a:r>
+              <a:t>Top 10 most ‘popular’ sandwich restaurants</a:t>
+            </a:r>
+            <a:br>
+              <a:rPr lang="en-US" altLang="zh-CN" dirty="0"/>
+            </a:br>
+            <a:br>
+              <a:rPr lang="en-US" altLang="zh-CN" dirty="0"/>
+            </a:br>
+            <a:br>
               <a:rPr lang="zh-CN" altLang="en-US" dirty="0"/>
-              <a:t> </a:t>
-            </a:r>
-            <a:r>
-              <a:rPr lang="en-US" altLang="zh-CN" dirty="0"/>
-              <a:t>“mean”</a:t>
-            </a:r>
-            <a:r>
-              <a:rPr lang="zh-CN" altLang="en-US" dirty="0"/>
-              <a:t> </a:t>
-            </a:r>
-            <a:endParaRPr lang="en-US" altLang="zh-CN" dirty="0"/>
-          </a:p>
-        </p:txBody>
-      </p:sp>
-      <p:sp>
-        <p:nvSpPr>
-          <p:cNvPr id="3" name="内容占位符 2">
+            </a:br>
+            <a:endParaRPr lang="zh-CN" altLang="en-US" dirty="0"/>
+          </a:p>
+        </p:txBody>
+      </p:sp>
+      <p:pic>
+        <p:nvPicPr>
+          <p:cNvPr id="5" name="图片 4">
             <a:extLst>
               <a:ext uri="{FF2B5EF4-FFF2-40B4-BE49-F238E27FC236}">
-                <a16:creationId xmlns:a16="http://schemas.microsoft.com/office/drawing/2014/main" id="{FA52904C-1732-424D-A93A-2E288C902A9B}"/>
+                <a16:creationId xmlns:a16="http://schemas.microsoft.com/office/drawing/2014/main" id="{D0A92899-D98A-43E4-8092-88E01431E298}"/>
               </a:ext>
             </a:extLst>
           </p:cNvPr>
-          <p:cNvSpPr>
-            <a:spLocks noGrp="1"/>
-          </p:cNvSpPr>
-          <p:nvPr>
-            <p:ph idx="1"/>
-          </p:nvPr>
-        </p:nvSpPr>
-        <p:spPr/>
-        <p:txBody>
-          <a:bodyPr/>
-          <a:lstStyle/>
-          <a:p>
-            <a:endParaRPr lang="en-US" altLang="zh-CN" dirty="0"/>
-          </a:p>
-          <a:p>
-            <a:pPr marL="0" indent="0">
-              <a:buNone/>
-            </a:pPr>
-            <a:r>
-              <a:rPr lang="en-US" altLang="zh-CN" dirty="0"/>
-              <a:t>166 customers gave one-star stores with a five-star review </a:t>
-            </a:r>
-          </a:p>
-          <a:p>
-            <a:pPr marL="0" indent="0">
-              <a:buNone/>
-            </a:pPr>
-            <a:r>
-              <a:rPr lang="en-US" altLang="zh-CN" dirty="0"/>
-              <a:t>5,190 customers gave five-star stores with a one-star review.</a:t>
-            </a:r>
-            <a:endParaRPr lang="zh-CN" altLang="en-US" dirty="0"/>
-          </a:p>
-        </p:txBody>
-      </p:sp>
-      <p:sp>
-        <p:nvSpPr>
-          <p:cNvPr id="4" name="Rectangle 3">
-            <a:extLst>
-              <a:ext uri="{FF2B5EF4-FFF2-40B4-BE49-F238E27FC236}">
-                <a16:creationId xmlns:a16="http://schemas.microsoft.com/office/drawing/2014/main" id="{10B9B722-F755-D84B-9DAF-A428C1F05E92}"/>
-              </a:ext>
-            </a:extLst>
-          </p:cNvPr>
-          <p:cNvSpPr/>
+          <p:cNvPicPr>
+            <a:picLocks noChangeAspect="1"/>
+          </p:cNvPicPr>
           <p:nvPr/>
-        </p:nvSpPr>
+        </p:nvPicPr>
+        <p:blipFill>
+          <a:blip r:embed="rId2"/>
+          <a:stretch>
+            <a:fillRect/>
+          </a:stretch>
+        </p:blipFill>
         <p:spPr>
           <a:xfrm>
-            <a:off x="1063752" y="4073232"/>
-            <a:ext cx="8061435" cy="1754326"/>
+            <a:off x="2595667" y="2465334"/>
+            <a:ext cx="5367142" cy="3940835"/>
           </a:xfrm>
           <a:prstGeom prst="rect">
             <a:avLst/>
           </a:prstGeom>
         </p:spPr>
-        <p:txBody>
-          <a:bodyPr wrap="square">
-            <a:spAutoFit/>
-          </a:bodyPr>
-          <a:lstStyle/>
-          <a:p>
-            <a:r>
-              <a:rPr lang="en-US" altLang="zh-CN" dirty="0"/>
-              <a:t>Work</a:t>
-            </a:r>
-            <a:r>
-              <a:rPr lang="zh-CN" altLang="en-US" dirty="0"/>
-              <a:t> </a:t>
-            </a:r>
-            <a:r>
-              <a:rPr lang="en-US" altLang="zh-CN" dirty="0"/>
-              <a:t>TODO:</a:t>
-            </a:r>
-            <a:r>
-              <a:rPr lang="zh-CN" altLang="en-US" dirty="0"/>
-              <a:t> </a:t>
-            </a:r>
-            <a:r>
-              <a:rPr lang="en-US" altLang="zh-CN" dirty="0"/>
-              <a:t>Explore key words of giving good and bad reviews:</a:t>
-            </a:r>
-          </a:p>
-          <a:p>
-            <a:endParaRPr lang="en-US" altLang="zh-CN" dirty="0"/>
-          </a:p>
-          <a:p>
-            <a:r>
-              <a:rPr lang="en-US" altLang="zh-CN" dirty="0"/>
-              <a:t>1.Good reviews of top restaurants</a:t>
-            </a:r>
-          </a:p>
-          <a:p>
-            <a:r>
-              <a:rPr lang="en-US" altLang="zh-CN" dirty="0"/>
-              <a:t>2.Bad reviews of poor restaurants</a:t>
-            </a:r>
-          </a:p>
-          <a:p>
-            <a:r>
-              <a:rPr lang="en-US" altLang="zh-CN" dirty="0"/>
-              <a:t>3.Good reviews of poor restaurants</a:t>
-            </a:r>
-          </a:p>
-          <a:p>
-            <a:r>
-              <a:rPr lang="en-US" altLang="zh-CN" dirty="0"/>
-              <a:t>4.Bad reviews of top restaurants</a:t>
-            </a:r>
-          </a:p>
-        </p:txBody>
-      </p:sp>
+      </p:pic>
+      <p:graphicFrame>
+        <p:nvGraphicFramePr>
+          <p:cNvPr id="8" name="表格 8">
+            <a:extLst>
+              <a:ext uri="{FF2B5EF4-FFF2-40B4-BE49-F238E27FC236}">
+                <a16:creationId xmlns:a16="http://schemas.microsoft.com/office/drawing/2014/main" id="{93B655E2-B357-40A7-84E6-D95C43D62300}"/>
+              </a:ext>
+            </a:extLst>
+          </p:cNvPr>
+          <p:cNvGraphicFramePr>
+            <a:graphicFrameLocks noGrp="1"/>
+          </p:cNvGraphicFramePr>
+          <p:nvPr>
+            <p:extLst>
+              <p:ext uri="{D42A27DB-BD31-4B8C-83A1-F6EECF244321}">
+                <p14:modId xmlns:p14="http://schemas.microsoft.com/office/powerpoint/2010/main" val="2108551396"/>
+              </p:ext>
+            </p:extLst>
+          </p:nvPr>
+        </p:nvGraphicFramePr>
+        <p:xfrm>
+          <a:off x="8070585" y="2465334"/>
+          <a:ext cx="1016854" cy="3946240"/>
+        </p:xfrm>
+        <a:graphic>
+          <a:graphicData uri="http://schemas.openxmlformats.org/drawingml/2006/table">
+            <a:tbl>
+              <a:tblPr bandRow="1">
+                <a:tableStyleId>{3B4B98B0-60AC-42C2-AFA5-B58CD77FA1E5}</a:tableStyleId>
+              </a:tblPr>
+              <a:tblGrid>
+                <a:gridCol w="1016854">
+                  <a:extLst>
+                    <a:ext uri="{9D8B030D-6E8A-4147-A177-3AD203B41FA5}">
+                      <a16:colId xmlns:a16="http://schemas.microsoft.com/office/drawing/2014/main" val="404760539"/>
+                    </a:ext>
+                  </a:extLst>
+                </a:gridCol>
+              </a:tblGrid>
+              <a:tr h="394624">
+                <a:tc>
+                  <a:txBody>
+                    <a:bodyPr/>
+                    <a:lstStyle/>
+                    <a:p>
+                      <a:pPr marL="0" marR="0" lvl="0" indent="0" algn="l" defTabSz="914400" rtl="0" eaLnBrk="1" fontAlgn="auto" latinLnBrk="0" hangingPunct="1">
+                        <a:lnSpc>
+                          <a:spcPct val="100000"/>
+                        </a:lnSpc>
+                        <a:spcBef>
+                          <a:spcPts val="0"/>
+                        </a:spcBef>
+                        <a:spcAft>
+                          <a:spcPts val="0"/>
+                        </a:spcAft>
+                        <a:buClrTx/>
+                        <a:buSzTx/>
+                        <a:buFontTx/>
+                        <a:buNone/>
+                        <a:tabLst/>
+                        <a:defRPr/>
+                      </a:pPr>
+                      <a:r>
+                        <a:rPr lang="en-US" altLang="zh-CN" dirty="0"/>
+                        <a:t>2.55</a:t>
+                      </a:r>
+                      <a:endParaRPr lang="zh-CN" altLang="en-US" dirty="0"/>
+                    </a:p>
+                  </a:txBody>
+                  <a:tcPr/>
+                </a:tc>
+                <a:extLst>
+                  <a:ext uri="{0D108BD9-81ED-4DB2-BD59-A6C34878D82A}">
+                    <a16:rowId xmlns:a16="http://schemas.microsoft.com/office/drawing/2014/main" val="2698244816"/>
+                  </a:ext>
+                </a:extLst>
+              </a:tr>
+              <a:tr h="394624">
+                <a:tc>
+                  <a:txBody>
+                    <a:bodyPr/>
+                    <a:lstStyle/>
+                    <a:p>
+                      <a:r>
+                        <a:rPr lang="en-US" altLang="zh-CN" dirty="0"/>
+                        <a:t>4.2</a:t>
+                      </a:r>
+                      <a:endParaRPr lang="zh-CN" altLang="en-US" dirty="0"/>
+                    </a:p>
+                  </a:txBody>
+                  <a:tcPr/>
+                </a:tc>
+                <a:extLst>
+                  <a:ext uri="{0D108BD9-81ED-4DB2-BD59-A6C34878D82A}">
+                    <a16:rowId xmlns:a16="http://schemas.microsoft.com/office/drawing/2014/main" val="1442946284"/>
+                  </a:ext>
+                </a:extLst>
+              </a:tr>
+              <a:tr h="394624">
+                <a:tc>
+                  <a:txBody>
+                    <a:bodyPr/>
+                    <a:lstStyle/>
+                    <a:p>
+                      <a:r>
+                        <a:rPr lang="en-US" altLang="zh-CN" dirty="0"/>
+                        <a:t>2.6</a:t>
+                      </a:r>
+                      <a:endParaRPr lang="zh-CN" altLang="en-US" dirty="0"/>
+                    </a:p>
+                  </a:txBody>
+                  <a:tcPr/>
+                </a:tc>
+                <a:extLst>
+                  <a:ext uri="{0D108BD9-81ED-4DB2-BD59-A6C34878D82A}">
+                    <a16:rowId xmlns:a16="http://schemas.microsoft.com/office/drawing/2014/main" val="657547598"/>
+                  </a:ext>
+                </a:extLst>
+              </a:tr>
+              <a:tr h="394624">
+                <a:tc>
+                  <a:txBody>
+                    <a:bodyPr/>
+                    <a:lstStyle/>
+                    <a:p>
+                      <a:r>
+                        <a:rPr lang="en-US" altLang="zh-CN" dirty="0"/>
+                        <a:t>2.39</a:t>
+                      </a:r>
+                      <a:endParaRPr lang="zh-CN" altLang="en-US" dirty="0"/>
+                    </a:p>
+                  </a:txBody>
+                  <a:tcPr/>
+                </a:tc>
+                <a:extLst>
+                  <a:ext uri="{0D108BD9-81ED-4DB2-BD59-A6C34878D82A}">
+                    <a16:rowId xmlns:a16="http://schemas.microsoft.com/office/drawing/2014/main" val="4205071382"/>
+                  </a:ext>
+                </a:extLst>
+              </a:tr>
+              <a:tr h="394624">
+                <a:tc>
+                  <a:txBody>
+                    <a:bodyPr/>
+                    <a:lstStyle/>
+                    <a:p>
+                      <a:r>
+                        <a:rPr lang="en-US" altLang="zh-CN" dirty="0"/>
+                        <a:t>4.5</a:t>
+                      </a:r>
+                      <a:endParaRPr lang="zh-CN" altLang="en-US" dirty="0"/>
+                    </a:p>
+                  </a:txBody>
+                  <a:tcPr/>
+                </a:tc>
+                <a:extLst>
+                  <a:ext uri="{0D108BD9-81ED-4DB2-BD59-A6C34878D82A}">
+                    <a16:rowId xmlns:a16="http://schemas.microsoft.com/office/drawing/2014/main" val="4032911595"/>
+                  </a:ext>
+                </a:extLst>
+              </a:tr>
+              <a:tr h="394624">
+                <a:tc>
+                  <a:txBody>
+                    <a:bodyPr/>
+                    <a:lstStyle/>
+                    <a:p>
+                      <a:r>
+                        <a:rPr lang="en-US" altLang="zh-CN" dirty="0"/>
+                        <a:t>4.5</a:t>
+                      </a:r>
+                      <a:endParaRPr lang="zh-CN" altLang="en-US" dirty="0"/>
+                    </a:p>
+                  </a:txBody>
+                  <a:tcPr/>
+                </a:tc>
+                <a:extLst>
+                  <a:ext uri="{0D108BD9-81ED-4DB2-BD59-A6C34878D82A}">
+                    <a16:rowId xmlns:a16="http://schemas.microsoft.com/office/drawing/2014/main" val="4085285308"/>
+                  </a:ext>
+                </a:extLst>
+              </a:tr>
+              <a:tr h="394624">
+                <a:tc>
+                  <a:txBody>
+                    <a:bodyPr/>
+                    <a:lstStyle/>
+                    <a:p>
+                      <a:r>
+                        <a:rPr lang="en-US" altLang="zh-CN" dirty="0"/>
+                        <a:t>2.76</a:t>
+                      </a:r>
+                      <a:endParaRPr lang="zh-CN" altLang="en-US" dirty="0"/>
+                    </a:p>
+                  </a:txBody>
+                  <a:tcPr/>
+                </a:tc>
+                <a:extLst>
+                  <a:ext uri="{0D108BD9-81ED-4DB2-BD59-A6C34878D82A}">
+                    <a16:rowId xmlns:a16="http://schemas.microsoft.com/office/drawing/2014/main" val="3847977367"/>
+                  </a:ext>
+                </a:extLst>
+              </a:tr>
+              <a:tr h="394624">
+                <a:tc>
+                  <a:txBody>
+                    <a:bodyPr/>
+                    <a:lstStyle/>
+                    <a:p>
+                      <a:r>
+                        <a:rPr lang="en-US" altLang="zh-CN" dirty="0"/>
+                        <a:t>4.5</a:t>
+                      </a:r>
+                      <a:endParaRPr lang="zh-CN" altLang="en-US" dirty="0"/>
+                    </a:p>
+                  </a:txBody>
+                  <a:tcPr/>
+                </a:tc>
+                <a:extLst>
+                  <a:ext uri="{0D108BD9-81ED-4DB2-BD59-A6C34878D82A}">
+                    <a16:rowId xmlns:a16="http://schemas.microsoft.com/office/drawing/2014/main" val="2539887607"/>
+                  </a:ext>
+                </a:extLst>
+              </a:tr>
+              <a:tr h="394624">
+                <a:tc>
+                  <a:txBody>
+                    <a:bodyPr/>
+                    <a:lstStyle/>
+                    <a:p>
+                      <a:r>
+                        <a:rPr lang="en-US" altLang="zh-CN" dirty="0"/>
+                        <a:t>4.25</a:t>
+                      </a:r>
+                      <a:endParaRPr lang="zh-CN" altLang="en-US" dirty="0"/>
+                    </a:p>
+                  </a:txBody>
+                  <a:tcPr/>
+                </a:tc>
+                <a:extLst>
+                  <a:ext uri="{0D108BD9-81ED-4DB2-BD59-A6C34878D82A}">
+                    <a16:rowId xmlns:a16="http://schemas.microsoft.com/office/drawing/2014/main" val="1141455472"/>
+                  </a:ext>
+                </a:extLst>
+              </a:tr>
+              <a:tr h="394624">
+                <a:tc>
+                  <a:txBody>
+                    <a:bodyPr/>
+                    <a:lstStyle/>
+                    <a:p>
+                      <a:r>
+                        <a:rPr lang="en-US" altLang="zh-CN" dirty="0"/>
+                        <a:t>4.0</a:t>
+                      </a:r>
+                      <a:endParaRPr lang="zh-CN" altLang="en-US" dirty="0"/>
+                    </a:p>
+                  </a:txBody>
+                  <a:tcPr/>
+                </a:tc>
+                <a:extLst>
+                  <a:ext uri="{0D108BD9-81ED-4DB2-BD59-A6C34878D82A}">
+                    <a16:rowId xmlns:a16="http://schemas.microsoft.com/office/drawing/2014/main" val="3085991822"/>
+                  </a:ext>
+                </a:extLst>
+              </a:tr>
+            </a:tbl>
+          </a:graphicData>
+        </a:graphic>
+      </p:graphicFrame>
     </p:spTree>
     <p:extLst>
       <p:ext uri="{BB962C8B-B14F-4D97-AF65-F5344CB8AC3E}">
-        <p14:creationId xmlns:p14="http://schemas.microsoft.com/office/powerpoint/2010/main" val="1444831564"/>
+        <p14:creationId xmlns:p14="http://schemas.microsoft.com/office/powerpoint/2010/main" val="3830056440"/>
       </p:ext>
     </p:extLst>
   </p:cSld>

--- a/presentationYelpAnalysis.pptx
+++ b/presentationYelpAnalysis.pptx
@@ -5373,7 +5373,7 @@
             </a:pPr>
             <a:r>
               <a:rPr lang="en-US" altLang="zh-CN" dirty="0"/>
-              <a:t>5,190 customers gave five-star stores with a one-star review.</a:t>
+              <a:t>5,190 customers gave five-star stores with a one-star review</a:t>
             </a:r>
             <a:endParaRPr lang="zh-CN" altLang="en-US" dirty="0"/>
           </a:p>
@@ -6497,36 +6497,33 @@
         <p:spPr>
           <a:xfrm>
             <a:off x="1063752" y="818336"/>
-            <a:ext cx="10058400" cy="4050792"/>
+            <a:ext cx="9821962" cy="5266778"/>
           </a:xfrm>
         </p:spPr>
         <p:txBody>
           <a:bodyPr>
-            <a:normAutofit lnSpcReduction="10000"/>
+            <a:normAutofit fontScale="92500" lnSpcReduction="10000"/>
           </a:bodyPr>
           <a:lstStyle/>
           <a:p>
             <a:endParaRPr lang="en-US" altLang="zh-CN" sz="2800" dirty="0"/>
-          </a:p>
-          <a:p>
-            <a:r>
-              <a:rPr lang="en-US" altLang="zh-CN" sz="2800" b="1" dirty="0"/>
-              <a:t>Raw data</a:t>
-            </a:r>
           </a:p>
           <a:p>
             <a:pPr marL="0" indent="0">
               <a:buNone/>
             </a:pPr>
             <a:r>
+              <a:rPr lang="en-US" altLang="zh-CN" sz="2800" b="1" dirty="0"/>
+              <a:t>Raw data</a:t>
+            </a:r>
+          </a:p>
+          <a:p>
+            <a:r>
               <a:rPr lang="en-US" altLang="zh-CN" sz="2800" dirty="0"/>
               <a:t>More than 8 millions of review data</a:t>
             </a:r>
           </a:p>
           <a:p>
-            <a:pPr marL="0" indent="0">
-              <a:buNone/>
-            </a:pPr>
             <a:r>
               <a:rPr lang="en-US" altLang="zh-CN" sz="2800" dirty="0"/>
               <a:t>More than 50 thousands of business data</a:t>
@@ -6539,18 +6536,24 @@
             <a:endParaRPr lang="en-US" altLang="zh-CN" sz="2800" dirty="0"/>
           </a:p>
           <a:p>
-            <a:r>
-              <a:rPr lang="en-US" altLang="zh-CN" sz="2800" b="1" dirty="0"/>
-              <a:t>Our goal</a:t>
-            </a:r>
-          </a:p>
-          <a:p>
             <a:pPr marL="0" indent="0">
               <a:buNone/>
             </a:pPr>
+            <a:endParaRPr lang="en-US" altLang="zh-CN" sz="2800" dirty="0"/>
+          </a:p>
+          <a:p>
+            <a:pPr marL="0" indent="0">
+              <a:buNone/>
+            </a:pPr>
+            <a:r>
+              <a:rPr lang="en-US" altLang="zh-CN" sz="2800" b="1" dirty="0"/>
+              <a:t>Our goal</a:t>
+            </a:r>
+          </a:p>
+          <a:p>
             <a:r>
               <a:rPr lang="en-US" altLang="zh-CN" sz="2800" dirty="0"/>
-              <a:t>To</a:t>
+              <a:t>Analyze how customers judge a</a:t>
             </a:r>
             <a:r>
               <a:rPr lang="zh-CN" altLang="en-US" sz="2800" dirty="0"/>
@@ -6558,7 +6561,19 @@
             </a:r>
             <a:r>
               <a:rPr lang="en-US" altLang="zh-CN" sz="2800" dirty="0"/>
-              <a:t>analyze how customers judge a</a:t>
+              <a:t>sandwich restaurant</a:t>
+            </a:r>
+          </a:p>
+          <a:p>
+            <a:r>
+              <a:rPr lang="en-US" altLang="zh-CN" sz="2800" dirty="0"/>
+              <a:t>What are the essential qualities of a good sandwich shop</a:t>
+            </a:r>
+          </a:p>
+          <a:p>
+            <a:r>
+              <a:rPr lang="en-US" altLang="zh-CN" sz="2800" dirty="0"/>
+              <a:t>The</a:t>
             </a:r>
             <a:r>
               <a:rPr lang="zh-CN" altLang="en-US" sz="2800" dirty="0"/>
@@ -6566,7 +6581,101 @@
             </a:r>
             <a:r>
               <a:rPr lang="en-US" altLang="zh-CN" sz="2800" dirty="0"/>
-              <a:t>sandwich restaurant. And What are the essential qualities of a good sandwich shop</a:t>
+              <a:t>difference</a:t>
+            </a:r>
+            <a:r>
+              <a:rPr lang="zh-CN" altLang="en-US" sz="2800" dirty="0"/>
+              <a:t> </a:t>
+            </a:r>
+            <a:r>
+              <a:rPr lang="en-US" altLang="zh-CN" sz="2800" dirty="0"/>
+              <a:t>between</a:t>
+            </a:r>
+            <a:r>
+              <a:rPr lang="zh-CN" altLang="en-US" sz="2800" dirty="0"/>
+              <a:t> </a:t>
+            </a:r>
+            <a:r>
+              <a:rPr lang="en-US" altLang="zh-CN" sz="2800" dirty="0"/>
+              <a:t>topics</a:t>
+            </a:r>
+            <a:r>
+              <a:rPr lang="zh-CN" altLang="en-US" sz="2800" dirty="0"/>
+              <a:t> </a:t>
+            </a:r>
+            <a:r>
+              <a:rPr lang="en-US" altLang="zh-CN" sz="2800" dirty="0"/>
+              <a:t>of</a:t>
+            </a:r>
+            <a:r>
+              <a:rPr lang="zh-CN" altLang="en-US" sz="2800" dirty="0"/>
+              <a:t> </a:t>
+            </a:r>
+            <a:r>
+              <a:rPr lang="en-US" altLang="zh-CN" sz="2800" dirty="0"/>
+              <a:t>reviews</a:t>
+            </a:r>
+            <a:r>
+              <a:rPr lang="zh-CN" altLang="en-US" sz="2800" dirty="0"/>
+              <a:t> </a:t>
+            </a:r>
+            <a:r>
+              <a:rPr lang="en-US" altLang="zh-CN" sz="2800" dirty="0"/>
+              <a:t>belonging</a:t>
+            </a:r>
+            <a:r>
+              <a:rPr lang="zh-CN" altLang="en-US" sz="2800" dirty="0"/>
+              <a:t> </a:t>
+            </a:r>
+            <a:r>
+              <a:rPr lang="en-US" altLang="zh-CN" sz="2800" dirty="0"/>
+              <a:t>to</a:t>
+            </a:r>
+            <a:r>
+              <a:rPr lang="zh-CN" altLang="en-US" sz="2800" dirty="0"/>
+              <a:t> </a:t>
+            </a:r>
+            <a:endParaRPr lang="en-US" altLang="zh-CN" sz="2800" dirty="0"/>
+          </a:p>
+          <a:p>
+            <a:pPr marL="0" indent="0">
+              <a:buNone/>
+            </a:pPr>
+            <a:r>
+              <a:rPr lang="en-US" altLang="zh-CN" sz="2800" dirty="0"/>
+              <a:t>high-star</a:t>
+            </a:r>
+            <a:r>
+              <a:rPr lang="zh-CN" altLang="en-US" sz="2800" dirty="0"/>
+              <a:t> </a:t>
+            </a:r>
+            <a:r>
+              <a:rPr lang="en-US" altLang="zh-CN" sz="2800" dirty="0"/>
+              <a:t>restaurants</a:t>
+            </a:r>
+            <a:r>
+              <a:rPr lang="zh-CN" altLang="en-US" sz="2800" dirty="0"/>
+              <a:t> </a:t>
+            </a:r>
+            <a:r>
+              <a:rPr lang="en-US" altLang="zh-CN" sz="2800" dirty="0"/>
+              <a:t>and</a:t>
+            </a:r>
+            <a:r>
+              <a:rPr lang="zh-CN" altLang="en-US" sz="2800" dirty="0"/>
+              <a:t> </a:t>
+            </a:r>
+            <a:r>
+              <a:rPr lang="en-US" altLang="zh-CN" sz="2800" dirty="0"/>
+              <a:t>low-star</a:t>
+            </a:r>
+            <a:r>
+              <a:rPr lang="zh-CN" altLang="en-US" sz="2800" dirty="0"/>
+              <a:t> </a:t>
+            </a:r>
+            <a:r>
+              <a:rPr lang="en-US" altLang="zh-CN" sz="2800" dirty="0"/>
+              <a:t>ones</a:t>
             </a:r>
           </a:p>
           <a:p>
@@ -7061,7 +7170,7 @@
             </a:pPr>
             <a:r>
               <a:rPr lang="en-US" altLang="zh-CN" sz="2800" dirty="0"/>
-              <a:t>3. Join these two parts of data and do further analysis.</a:t>
+              <a:t>3. Join these two parts of data and conduct further analysis.</a:t>
             </a:r>
           </a:p>
           <a:p>
@@ -8097,23 +8206,7 @@
             </a:pPr>
             <a:r>
               <a:rPr lang="en-US" altLang="zh-CN" dirty="0"/>
-              <a:t>A</a:t>
-            </a:r>
-            <a:r>
-              <a:rPr lang="zh-CN" altLang="en-US" dirty="0"/>
-              <a:t> </a:t>
-            </a:r>
-            <a:r>
-              <a:rPr lang="en-US" altLang="zh-CN" dirty="0"/>
-              <a:t>majority</a:t>
-            </a:r>
-            <a:r>
-              <a:rPr lang="zh-CN" altLang="en-US" dirty="0"/>
-              <a:t> </a:t>
-            </a:r>
-            <a:r>
-              <a:rPr lang="en-US" altLang="zh-CN" dirty="0"/>
-              <a:t>of</a:t>
+              <a:t>Most</a:t>
             </a:r>
             <a:r>
               <a:rPr lang="zh-CN" altLang="en-US" dirty="0"/>
@@ -8130,7 +8223,7 @@
             </a:pPr>
             <a:r>
               <a:rPr lang="en-US" altLang="zh-CN" dirty="0"/>
-              <a:t>(However, Panera Bread has near 10,000 reviews.)</a:t>
+              <a:t>(However, Panera Bread has nearly 10,000 reviews.)</a:t>
             </a:r>
           </a:p>
           <a:p>
@@ -8338,7 +8431,31 @@
             </a:pPr>
             <a:r>
               <a:rPr lang="en-US" altLang="zh-CN" dirty="0"/>
-              <a:t>Most shops are rated  around 4. Both very low and very high are rare.</a:t>
+              <a:t>Most shops are rated around 4. Extremely low rate</a:t>
+            </a:r>
+            <a:r>
+              <a:rPr lang="zh-CN" altLang="en-US" dirty="0"/>
+              <a:t> </a:t>
+            </a:r>
+            <a:r>
+              <a:rPr lang="en-US" altLang="zh-CN" dirty="0"/>
+              <a:t>or extremely</a:t>
+            </a:r>
+            <a:r>
+              <a:rPr lang="zh-CN" altLang="en-US" dirty="0"/>
+              <a:t> </a:t>
+            </a:r>
+            <a:r>
+              <a:rPr lang="en-US" altLang="zh-CN" dirty="0"/>
+              <a:t>high rate</a:t>
+            </a:r>
+            <a:r>
+              <a:rPr lang="zh-CN" altLang="en-US" dirty="0"/>
+              <a:t> </a:t>
+            </a:r>
+            <a:r>
+              <a:rPr lang="en-US" altLang="zh-CN" dirty="0"/>
+              <a:t>is rare.</a:t>
             </a:r>
             <a:endParaRPr lang="zh-CN" altLang="en-US" dirty="0"/>
           </a:p>
@@ -8588,7 +8705,31 @@
           <a:p>
             <a:r>
               <a:rPr lang="en-US" altLang="zh-CN" dirty="0"/>
-              <a:t>Top 10 most ‘popular’ sandwich restaurants</a:t>
+              <a:t>Top 10 most “popular” sandwich restaurants</a:t>
+            </a:r>
+            <a:r>
+              <a:rPr lang="zh-CN" altLang="en-US" dirty="0"/>
+              <a:t> </a:t>
+            </a:r>
+            <a:r>
+              <a:rPr lang="en-US" altLang="zh-CN" dirty="0"/>
+              <a:t>with</a:t>
+            </a:r>
+            <a:r>
+              <a:rPr lang="zh-CN" altLang="en-US" dirty="0"/>
+              <a:t> </a:t>
+            </a:r>
+            <a:r>
+              <a:rPr lang="en-US" altLang="zh-CN" dirty="0"/>
+              <a:t>most</a:t>
+            </a:r>
+            <a:r>
+              <a:rPr lang="zh-CN" altLang="en-US" dirty="0"/>
+              <a:t> </a:t>
+            </a:r>
+            <a:r>
+              <a:rPr lang="en-US" altLang="zh-CN" dirty="0"/>
+              <a:t>reviews</a:t>
             </a:r>
             <a:br>
               <a:rPr lang="en-US" altLang="zh-CN" dirty="0"/>
